--- a/EDA_Beer_and_Brews-Case_Study1.pptx
+++ b/EDA_Beer_and_Brews-Case_Study1.pptx
@@ -5,17 +5,18 @@
     <p:sldMasterId id="2147483686" r:id="rId1"/>
   </p:sldMasterIdLst>
   <p:notesMasterIdLst>
-    <p:notesMasterId r:id="rId10"/>
+    <p:notesMasterId r:id="rId11"/>
   </p:notesMasterIdLst>
   <p:sldIdLst>
-    <p:sldId id="256" r:id="rId2"/>
+    <p:sldId id="266" r:id="rId2"/>
     <p:sldId id="258" r:id="rId3"/>
     <p:sldId id="265" r:id="rId4"/>
     <p:sldId id="260" r:id="rId5"/>
-    <p:sldId id="261" r:id="rId6"/>
-    <p:sldId id="262" r:id="rId7"/>
-    <p:sldId id="263" r:id="rId8"/>
-    <p:sldId id="264" r:id="rId9"/>
+    <p:sldId id="267" r:id="rId6"/>
+    <p:sldId id="268" r:id="rId7"/>
+    <p:sldId id="269" r:id="rId8"/>
+    <p:sldId id="263" r:id="rId9"/>
+    <p:sldId id="264" r:id="rId10"/>
   </p:sldIdLst>
   <p:sldSz cx="12192000" cy="6858000"/>
   <p:notesSz cx="6858000" cy="9144000"/>
@@ -1628,7 +1629,7 @@
           <a:p>
             <a:fld id="{C8F5701F-26E2-4531-B93D-76A839A38748}" type="datetimeFigureOut">
               <a:rPr lang="en-US"/>
-              <a:t>10/12/2021</a:t>
+              <a:t>10/23/21</a:t>
             </a:fld>
             <a:endParaRPr lang="en-US"/>
           </a:p>
@@ -2141,187 +2142,32 @@
               <a:rPr lang="en-US" dirty="0">
                 <a:cs typeface="Calibri"/>
               </a:rPr>
-              <a:t>Summary(</a:t>
+              <a:t>Comment about the ABV....</a:t>
+            </a:r>
+            <a:r>
+              <a:rPr lang="en-US">
+                <a:cs typeface="Calibri"/>
+              </a:rPr>
+              <a:t>Feel </a:t>
             </a:r>
             <a:r>
               <a:rPr lang="en-US" dirty="0" err="1">
                 <a:cs typeface="Calibri"/>
               </a:rPr>
-              <a:t>Beer_Merge$ABV</a:t>
-            </a:r>
-            <a:r>
-              <a:rPr lang="en-US" dirty="0">
+              <a:t>fre</a:t>
+            </a:r>
+            <a:r>
+              <a:rPr lang="en-US">
                 <a:cs typeface="Calibri"/>
               </a:rPr>
-              <a:t>)</a:t>
-            </a:r>
-          </a:p>
-          <a:p>
-            <a:endParaRPr lang="en-US" dirty="0"/>
-          </a:p>
-          <a:p>
-            <a:r>
-              <a:rPr lang="en-US" dirty="0" err="1"/>
-              <a:t>Beer_Merge</a:t>
-            </a:r>
-            <a:r>
-              <a:rPr lang="en-US" dirty="0"/>
-              <a:t> %&gt;%</a:t>
-            </a:r>
-          </a:p>
-          <a:p>
-            <a:r>
-              <a:rPr lang="en-US" dirty="0"/>
-              <a:t>  </a:t>
-            </a:r>
-            <a:r>
-              <a:rPr lang="en-US" dirty="0" err="1"/>
-              <a:t>ggplot</a:t>
-            </a:r>
-            <a:r>
-              <a:rPr lang="en-US" dirty="0"/>
-              <a:t>(</a:t>
-            </a:r>
-            <a:r>
-              <a:rPr lang="en-US" dirty="0" err="1"/>
-              <a:t>aes</a:t>
-            </a:r>
-            <a:r>
-              <a:rPr lang="en-US" dirty="0"/>
-              <a:t>(x = ABV)) + </a:t>
-            </a:r>
-            <a:r>
-              <a:rPr lang="en-US" dirty="0" err="1"/>
-              <a:t>geom_density</a:t>
-            </a:r>
-            <a:r>
-              <a:rPr lang="en-US" dirty="0"/>
-              <a:t>(</a:t>
-            </a:r>
-            <a:r>
-              <a:rPr lang="en-US" dirty="0" err="1"/>
-              <a:t>binwidth</a:t>
-            </a:r>
-            <a:r>
-              <a:rPr lang="en-US" dirty="0"/>
-              <a:t> = .5, </a:t>
-            </a:r>
-            <a:r>
-              <a:rPr lang="en-US" dirty="0" err="1"/>
-              <a:t>colour</a:t>
-            </a:r>
-            <a:r>
-              <a:rPr lang="en-US" dirty="0"/>
-              <a:t>="</a:t>
-            </a:r>
-            <a:r>
-              <a:rPr lang="en-US" dirty="0" err="1"/>
-              <a:t>black",fill</a:t>
-            </a:r>
-            <a:r>
-              <a:rPr lang="en-US" dirty="0"/>
-              <a:t>="blue") +</a:t>
-            </a:r>
+              <a:t> to delete</a:t>
+            </a:r>
+          </a:p>
+          <a:p>
             <a:endParaRPr lang="en-US" dirty="0">
               <a:cs typeface="Calibri"/>
             </a:endParaRPr>
           </a:p>
-          <a:p>
-            <a:r>
-              <a:rPr lang="en-US" dirty="0"/>
-              <a:t>  </a:t>
-            </a:r>
-            <a:r>
-              <a:rPr lang="en-US" dirty="0" err="1"/>
-              <a:t>geom_vline</a:t>
-            </a:r>
-            <a:r>
-              <a:rPr lang="en-US" dirty="0"/>
-              <a:t>(</a:t>
-            </a:r>
-            <a:r>
-              <a:rPr lang="en-US" dirty="0" err="1"/>
-              <a:t>aes</a:t>
-            </a:r>
-            <a:r>
-              <a:rPr lang="en-US" dirty="0"/>
-              <a:t>(</a:t>
-            </a:r>
-            <a:r>
-              <a:rPr lang="en-US" dirty="0" err="1"/>
-              <a:t>xintercept</a:t>
-            </a:r>
-            <a:r>
-              <a:rPr lang="en-US" dirty="0"/>
-              <a:t>=mean(ABV, na.rm=T)),</a:t>
-            </a:r>
-            <a:endParaRPr lang="en-US" dirty="0">
-              <a:cs typeface="Calibri"/>
-            </a:endParaRPr>
-          </a:p>
-          <a:p>
-            <a:r>
-              <a:rPr lang="en-US" dirty="0"/>
-              <a:t>             color = "red", </a:t>
-            </a:r>
-            <a:r>
-              <a:rPr lang="en-US" dirty="0" err="1"/>
-              <a:t>linetype</a:t>
-            </a:r>
-            <a:r>
-              <a:rPr lang="en-US" dirty="0"/>
-              <a:t> = "dashed", size = 1) +</a:t>
-            </a:r>
-            <a:endParaRPr lang="en-US" dirty="0">
-              <a:cs typeface="Calibri"/>
-            </a:endParaRPr>
-          </a:p>
-          <a:p>
-            <a:r>
-              <a:rPr lang="en-US" dirty="0"/>
-              <a:t>  </a:t>
-            </a:r>
-            <a:r>
-              <a:rPr lang="en-US" dirty="0" err="1"/>
-              <a:t>ggtitle</a:t>
-            </a:r>
-            <a:r>
-              <a:rPr lang="en-US" dirty="0"/>
-              <a:t>("Distribution Density of ABV")</a:t>
-            </a:r>
-            <a:endParaRPr lang="en-US" dirty="0">
-              <a:cs typeface="Calibri"/>
-            </a:endParaRPr>
-          </a:p>
-          <a:p>
-            <a:endParaRPr lang="en-US" dirty="0">
-              <a:cs typeface="Calibri"/>
-            </a:endParaRPr>
-          </a:p>
-          <a:p>
-            <a:pPr marL="171450" indent="-171450">
-              <a:buFont typeface="Arial"/>
-              <a:buChar char="•"/>
-            </a:pPr>
-            <a:r>
-              <a:rPr lang="en-US" dirty="0">
-                <a:cs typeface="Calibri"/>
-              </a:rPr>
-              <a:t>Very few nulls out of 2410 observations</a:t>
-            </a:r>
-          </a:p>
-          <a:p>
-            <a:pPr marL="171450" indent="-171450">
-              <a:buFont typeface="Arial"/>
-              <a:buChar char="•"/>
-            </a:pPr>
-            <a:r>
-              <a:rPr lang="en-US" dirty="0">
-                <a:cs typeface="Calibri"/>
-              </a:rPr>
-              <a:t>The data can be interrupted that the distribution is skewed but definably leans towards the center with more values falling left of mean.</a:t>
-            </a:r>
-          </a:p>
         </p:txBody>
       </p:sp>
       <p:sp>
@@ -2341,7 +2187,7 @@
           <a:p>
             <a:fld id="{19BB0C0E-41D0-4AF2-AEEC-7F6152B76511}" type="slidenum">
               <a:rPr lang="en-US"/>
-              <a:t>7</a:t>
+              <a:t>5</a:t>
             </a:fld>
             <a:endParaRPr lang="en-US"/>
           </a:p>
@@ -2350,7 +2196,7 @@
     </p:spTree>
     <p:extLst>
       <p:ext uri="{BB962C8B-B14F-4D97-AF65-F5344CB8AC3E}">
-        <p14:creationId xmlns:p14="http://schemas.microsoft.com/office/powerpoint/2010/main" val="1150055794"/>
+        <p14:creationId xmlns:p14="http://schemas.microsoft.com/office/powerpoint/2010/main" val="3602811022"/>
       </p:ext>
     </p:extLst>
   </p:cSld>
@@ -2405,14 +2251,36 @@
           <a:lstStyle/>
           <a:p>
             <a:r>
+              <a:rPr lang="en-US" dirty="0">
+                <a:cs typeface="Calibri"/>
+              </a:rPr>
+              <a:t>Summary(</a:t>
+            </a:r>
+            <a:r>
+              <a:rPr lang="en-US" dirty="0" err="1">
+                <a:cs typeface="Calibri"/>
+              </a:rPr>
+              <a:t>Beer_Merge$ABV</a:t>
+            </a:r>
+            <a:r>
+              <a:rPr lang="en-US" dirty="0">
+                <a:cs typeface="Calibri"/>
+              </a:rPr>
+              <a:t>)</a:t>
+            </a:r>
+          </a:p>
+          <a:p>
+            <a:endParaRPr lang="en-US" dirty="0"/>
+          </a:p>
+          <a:p>
+            <a:r>
               <a:rPr lang="en-US" dirty="0" err="1"/>
               <a:t>Beer_Merge</a:t>
             </a:r>
             <a:r>
               <a:rPr lang="en-US" dirty="0"/>
-              <a:t> %&gt;% </a:t>
-            </a:r>
-            <a:endParaRPr lang="en-US"/>
+              <a:t> %&gt;%</a:t>
+            </a:r>
           </a:p>
           <a:p>
             <a:r>
@@ -2433,50 +2301,90 @@
             </a:r>
             <a:r>
               <a:rPr lang="en-US" dirty="0"/>
-              <a:t>(x = ABV, y = IBU)) + </a:t>
+              <a:t>(x = ABV)) + </a:t>
             </a:r>
             <a:r>
               <a:rPr lang="en-US" dirty="0" err="1"/>
-              <a:t>geom_point</a:t>
-            </a:r>
-            <a:r>
-              <a:rPr lang="en-US" dirty="0"/>
-              <a:t>() + </a:t>
+              <a:t>geom_density</a:t>
+            </a:r>
+            <a:r>
+              <a:rPr lang="en-US" dirty="0"/>
+              <a:t>(</a:t>
             </a:r>
             <a:r>
               <a:rPr lang="en-US" dirty="0" err="1"/>
-              <a:t>geom_smooth</a:t>
-            </a:r>
-            <a:r>
-              <a:rPr lang="en-US" dirty="0"/>
-              <a:t>(method =  </a:t>
+              <a:t>binwidth</a:t>
+            </a:r>
+            <a:r>
+              <a:rPr lang="en-US" dirty="0"/>
+              <a:t> = .5, </a:t>
             </a:r>
             <a:r>
               <a:rPr lang="en-US" dirty="0" err="1"/>
-              <a:t>lm</a:t>
-            </a:r>
-            <a:r>
-              <a:rPr lang="en-US" dirty="0"/>
-              <a:t>) + </a:t>
+              <a:t>colour</a:t>
+            </a:r>
+            <a:r>
+              <a:rPr lang="en-US" dirty="0"/>
+              <a:t>="</a:t>
             </a:r>
             <a:r>
               <a:rPr lang="en-US" dirty="0" err="1"/>
-              <a:t>ggtitle</a:t>
-            </a:r>
-            <a:r>
-              <a:rPr lang="en-US" dirty="0"/>
-              <a:t>("Bitterness by ABV")</a:t>
+              <a:t>black",fill</a:t>
+            </a:r>
+            <a:r>
+              <a:rPr lang="en-US" dirty="0"/>
+              <a:t>="blue") +</a:t>
             </a:r>
             <a:endParaRPr lang="en-US" dirty="0">
               <a:cs typeface="Calibri"/>
             </a:endParaRPr>
           </a:p>
           <a:p>
+            <a:r>
+              <a:rPr lang="en-US" dirty="0"/>
+              <a:t>  </a:t>
+            </a:r>
+            <a:r>
+              <a:rPr lang="en-US" dirty="0" err="1"/>
+              <a:t>geom_vline</a:t>
+            </a:r>
+            <a:r>
+              <a:rPr lang="en-US" dirty="0"/>
+              <a:t>(</a:t>
+            </a:r>
+            <a:r>
+              <a:rPr lang="en-US" dirty="0" err="1"/>
+              <a:t>aes</a:t>
+            </a:r>
+            <a:r>
+              <a:rPr lang="en-US" dirty="0"/>
+              <a:t>(</a:t>
+            </a:r>
+            <a:r>
+              <a:rPr lang="en-US" dirty="0" err="1"/>
+              <a:t>xintercept</a:t>
+            </a:r>
+            <a:r>
+              <a:rPr lang="en-US" dirty="0"/>
+              <a:t>=mean(ABV, na.rm=T)),</a:t>
+            </a:r>
             <a:endParaRPr lang="en-US" dirty="0">
               <a:cs typeface="Calibri"/>
             </a:endParaRPr>
           </a:p>
           <a:p>
+            <a:r>
+              <a:rPr lang="en-US" dirty="0"/>
+              <a:t>             color = "red", </a:t>
+            </a:r>
+            <a:r>
+              <a:rPr lang="en-US" dirty="0" err="1"/>
+              <a:t>linetype</a:t>
+            </a:r>
+            <a:r>
+              <a:rPr lang="en-US" dirty="0"/>
+              <a:t> = "dashed", size = 1) +</a:t>
+            </a:r>
             <a:endParaRPr lang="en-US" dirty="0">
               <a:cs typeface="Calibri"/>
             </a:endParaRPr>
@@ -2484,25 +2392,193 @@
           <a:p>
             <a:r>
               <a:rPr lang="en-US" dirty="0"/>
-              <a:t>Even with a sample of 1005 beers out of 2410 observations in total of IBU, we can conclude that a p value of 2.2e-16 we can say, we should reject the null hypothesis given an intercept of 0, which is further proved by the confidence interval being .64 to .69 at alpha of .05 or 95%. </a:t>
+              <a:t>  </a:t>
+            </a:r>
+            <a:r>
+              <a:rPr lang="en-US" dirty="0" err="1"/>
+              <a:t>ggtitle</a:t>
+            </a:r>
+            <a:r>
+              <a:rPr lang="en-US" dirty="0"/>
+              <a:t>("Distribution Density of ABV")</a:t>
             </a:r>
             <a:endParaRPr lang="en-US" dirty="0">
               <a:cs typeface="Calibri"/>
             </a:endParaRPr>
           </a:p>
           <a:p>
-            <a:r>
-              <a:rPr lang="en-US" dirty="0"/>
-              <a:t>There appears to be a strong relationship with a r-squared correlation of .6706 squared = .45. </a:t>
-            </a:r>
             <a:endParaRPr lang="en-US" dirty="0">
               <a:cs typeface="Calibri"/>
             </a:endParaRPr>
           </a:p>
           <a:p>
-            <a:r>
-              <a:rPr lang="en-US" dirty="0"/>
-              <a:t>It's a fair to state that when the ABV or IBU is increased the other shall also increase.</a:t>
+            <a:pPr marL="171450" indent="-171450">
+              <a:buFont typeface="Arial"/>
+              <a:buChar char="•"/>
+            </a:pPr>
+            <a:r>
+              <a:rPr lang="en-US" dirty="0">
+                <a:cs typeface="Calibri"/>
+              </a:rPr>
+              <a:t>Very few nulls out of 2410 observations</a:t>
+            </a:r>
+          </a:p>
+          <a:p>
+            <a:pPr marL="171450" indent="-171450">
+              <a:buFont typeface="Arial"/>
+              <a:buChar char="•"/>
+            </a:pPr>
+            <a:r>
+              <a:rPr lang="en-US" dirty="0">
+                <a:cs typeface="Calibri"/>
+              </a:rPr>
+              <a:t>The data can be interrupted that the distribution is skewed but definably leans towards the center with more values falling left of mean.</a:t>
+            </a:r>
+          </a:p>
+        </p:txBody>
+      </p:sp>
+      <p:sp>
+        <p:nvSpPr>
+          <p:cNvPr id="4" name="Slide Number Placeholder 3"/>
+          <p:cNvSpPr>
+            <a:spLocks noGrp="1"/>
+          </p:cNvSpPr>
+          <p:nvPr>
+            <p:ph type="sldNum" sz="quarter" idx="5"/>
+          </p:nvPr>
+        </p:nvSpPr>
+        <p:spPr/>
+        <p:txBody>
+          <a:bodyPr/>
+          <a:lstStyle/>
+          <a:p>
+            <a:fld id="{19BB0C0E-41D0-4AF2-AEEC-7F6152B76511}" type="slidenum">
+              <a:rPr lang="en-US"/>
+              <a:t>8</a:t>
+            </a:fld>
+            <a:endParaRPr lang="en-US"/>
+          </a:p>
+        </p:txBody>
+      </p:sp>
+    </p:spTree>
+    <p:extLst>
+      <p:ext uri="{BB962C8B-B14F-4D97-AF65-F5344CB8AC3E}">
+        <p14:creationId xmlns:p14="http://schemas.microsoft.com/office/powerpoint/2010/main" val="1150055794"/>
+      </p:ext>
+    </p:extLst>
+  </p:cSld>
+  <p:clrMapOvr>
+    <a:masterClrMapping/>
+  </p:clrMapOvr>
+</p:notes>
+</file>
+
+<file path=ppt/notesSlides/notesSlide5.xml><?xml version="1.0" encoding="utf-8"?>
+<p:notes xmlns:a="http://schemas.openxmlformats.org/drawingml/2006/main" xmlns:r="http://schemas.openxmlformats.org/officeDocument/2006/relationships" xmlns:p="http://schemas.openxmlformats.org/presentationml/2006/main">
+  <p:cSld>
+    <p:spTree>
+      <p:nvGrpSpPr>
+        <p:cNvPr id="1" name=""/>
+        <p:cNvGrpSpPr/>
+        <p:nvPr/>
+      </p:nvGrpSpPr>
+      <p:grpSpPr>
+        <a:xfrm>
+          <a:off x="0" y="0"/>
+          <a:ext cx="0" cy="0"/>
+          <a:chOff x="0" y="0"/>
+          <a:chExt cx="0" cy="0"/>
+        </a:xfrm>
+      </p:grpSpPr>
+      <p:sp>
+        <p:nvSpPr>
+          <p:cNvPr id="2" name="Slide Image Placeholder 1"/>
+          <p:cNvSpPr>
+            <a:spLocks noGrp="1" noRot="1" noChangeAspect="1"/>
+          </p:cNvSpPr>
+          <p:nvPr>
+            <p:ph type="sldImg"/>
+          </p:nvPr>
+        </p:nvSpPr>
+        <p:spPr/>
+      </p:sp>
+      <p:sp>
+        <p:nvSpPr>
+          <p:cNvPr id="3" name="Notes Placeholder 2"/>
+          <p:cNvSpPr>
+            <a:spLocks noGrp="1"/>
+          </p:cNvSpPr>
+          <p:nvPr>
+            <p:ph type="body" idx="1"/>
+          </p:nvPr>
+        </p:nvSpPr>
+        <p:spPr/>
+        <p:txBody>
+          <a:bodyPr/>
+          <a:lstStyle/>
+          <a:p>
+            <a:r>
+              <a:rPr lang="en-US" dirty="0" err="1"/>
+              <a:t>Beer_Merge</a:t>
+            </a:r>
+            <a:r>
+              <a:rPr lang="en-US" dirty="0"/>
+              <a:t> %&gt;% </a:t>
+            </a:r>
+            <a:endParaRPr lang="en-US"/>
+          </a:p>
+          <a:p>
+            <a:r>
+              <a:rPr lang="en-US" dirty="0"/>
+              <a:t>  </a:t>
+            </a:r>
+            <a:r>
+              <a:rPr lang="en-US" dirty="0" err="1"/>
+              <a:t>ggplot</a:t>
+            </a:r>
+            <a:r>
+              <a:rPr lang="en-US" dirty="0"/>
+              <a:t>(</a:t>
+            </a:r>
+            <a:r>
+              <a:rPr lang="en-US" dirty="0" err="1"/>
+              <a:t>aes</a:t>
+            </a:r>
+            <a:r>
+              <a:rPr lang="en-US" dirty="0"/>
+              <a:t>(x = ABV, y = IBU)) + </a:t>
+            </a:r>
+            <a:r>
+              <a:rPr lang="en-US" dirty="0" err="1"/>
+              <a:t>geom_point</a:t>
+            </a:r>
+            <a:r>
+              <a:rPr lang="en-US" dirty="0"/>
+              <a:t>() + </a:t>
+            </a:r>
+            <a:r>
+              <a:rPr lang="en-US" dirty="0" err="1"/>
+              <a:t>geom_smooth</a:t>
+            </a:r>
+            <a:r>
+              <a:rPr lang="en-US" dirty="0"/>
+              <a:t>(method =  </a:t>
+            </a:r>
+            <a:r>
+              <a:rPr lang="en-US" dirty="0" err="1"/>
+              <a:t>lm</a:t>
+            </a:r>
+            <a:r>
+              <a:rPr lang="en-US" dirty="0"/>
+              <a:t>) + </a:t>
+            </a:r>
+            <a:r>
+              <a:rPr lang="en-US" dirty="0" err="1"/>
+              <a:t>ggtitle</a:t>
+            </a:r>
+            <a:r>
+              <a:rPr lang="en-US" dirty="0"/>
+              <a:t>("Bitterness by ABV")</a:t>
             </a:r>
             <a:endParaRPr lang="en-US" dirty="0">
               <a:cs typeface="Calibri"/>
@@ -2513,6 +2589,43 @@
               <a:cs typeface="Calibri"/>
             </a:endParaRPr>
           </a:p>
+          <a:p>
+            <a:endParaRPr lang="en-US" dirty="0">
+              <a:cs typeface="Calibri"/>
+            </a:endParaRPr>
+          </a:p>
+          <a:p>
+            <a:r>
+              <a:rPr lang="en-US" dirty="0"/>
+              <a:t>Even with a sample of 1005 beers out of 2410 observations in total of IBU, we can conclude that a p value of 2.2e-16 we can say, we should reject the null hypothesis given an intercept of 0, which is further proved by the confidence interval being .64 to .69 at alpha of .05 or 95%. </a:t>
+            </a:r>
+            <a:endParaRPr lang="en-US" dirty="0">
+              <a:cs typeface="Calibri"/>
+            </a:endParaRPr>
+          </a:p>
+          <a:p>
+            <a:r>
+              <a:rPr lang="en-US" dirty="0"/>
+              <a:t>There appears to be a strong relationship with a r-squared correlation of .6706 squared = .45. </a:t>
+            </a:r>
+            <a:endParaRPr lang="en-US" dirty="0">
+              <a:cs typeface="Calibri"/>
+            </a:endParaRPr>
+          </a:p>
+          <a:p>
+            <a:r>
+              <a:rPr lang="en-US" dirty="0"/>
+              <a:t>It's a fair to state that when the ABV or IBU is increased the other shall also increase.</a:t>
+            </a:r>
+            <a:endParaRPr lang="en-US" dirty="0">
+              <a:cs typeface="Calibri"/>
+            </a:endParaRPr>
+          </a:p>
+          <a:p>
+            <a:endParaRPr lang="en-US" dirty="0">
+              <a:cs typeface="Calibri"/>
+            </a:endParaRPr>
+          </a:p>
         </p:txBody>
       </p:sp>
       <p:sp>
@@ -2532,7 +2645,7 @@
           <a:p>
             <a:fld id="{19BB0C0E-41D0-4AF2-AEEC-7F6152B76511}" type="slidenum">
               <a:rPr lang="en-US"/>
-              <a:t>8</a:t>
+              <a:t>9</a:t>
             </a:fld>
             <a:endParaRPr lang="en-US"/>
           </a:p>
@@ -2680,7 +2793,7 @@
           <a:p>
             <a:fld id="{C764DE79-268F-4C1A-8933-263129D2AF90}" type="datetimeFigureOut">
               <a:rPr lang="en-US" dirty="0"/>
-              <a:t>10/12/2021</a:t>
+              <a:t>10/23/21</a:t>
             </a:fld>
             <a:endParaRPr lang="en-US" dirty="0"/>
           </a:p>
@@ -2848,7 +2961,7 @@
           <a:p>
             <a:fld id="{C764DE79-268F-4C1A-8933-263129D2AF90}" type="datetimeFigureOut">
               <a:rPr lang="en-US" dirty="0"/>
-              <a:t>10/12/2021</a:t>
+              <a:t>10/23/21</a:t>
             </a:fld>
             <a:endParaRPr lang="en-US" dirty="0"/>
           </a:p>
@@ -3026,7 +3139,7 @@
           <a:p>
             <a:fld id="{C764DE79-268F-4C1A-8933-263129D2AF90}" type="datetimeFigureOut">
               <a:rPr lang="en-US" dirty="0"/>
-              <a:t>10/12/2021</a:t>
+              <a:t>10/23/21</a:t>
             </a:fld>
             <a:endParaRPr lang="en-US" dirty="0"/>
           </a:p>
@@ -3194,7 +3307,7 @@
           <a:p>
             <a:fld id="{C764DE79-268F-4C1A-8933-263129D2AF90}" type="datetimeFigureOut">
               <a:rPr lang="en-US" dirty="0"/>
-              <a:t>10/12/2021</a:t>
+              <a:t>10/23/21</a:t>
             </a:fld>
             <a:endParaRPr lang="en-US" dirty="0"/>
           </a:p>
@@ -3439,7 +3552,7 @@
           <a:p>
             <a:fld id="{C764DE79-268F-4C1A-8933-263129D2AF90}" type="datetimeFigureOut">
               <a:rPr lang="en-US" dirty="0"/>
-              <a:t>10/12/2021</a:t>
+              <a:t>10/23/21</a:t>
             </a:fld>
             <a:endParaRPr lang="en-US" dirty="0"/>
           </a:p>
@@ -3668,7 +3781,7 @@
           <a:p>
             <a:fld id="{C764DE79-268F-4C1A-8933-263129D2AF90}" type="datetimeFigureOut">
               <a:rPr lang="en-US" dirty="0"/>
-              <a:t>10/12/2021</a:t>
+              <a:t>10/23/21</a:t>
             </a:fld>
             <a:endParaRPr lang="en-US" dirty="0"/>
           </a:p>
@@ -4032,7 +4145,7 @@
           <a:p>
             <a:fld id="{C764DE79-268F-4C1A-8933-263129D2AF90}" type="datetimeFigureOut">
               <a:rPr lang="en-US" dirty="0"/>
-              <a:t>10/12/2021</a:t>
+              <a:t>10/23/21</a:t>
             </a:fld>
             <a:endParaRPr lang="en-US" dirty="0"/>
           </a:p>
@@ -4149,7 +4262,7 @@
           <a:p>
             <a:fld id="{C764DE79-268F-4C1A-8933-263129D2AF90}" type="datetimeFigureOut">
               <a:rPr lang="en-US" dirty="0"/>
-              <a:t>10/12/2021</a:t>
+              <a:t>10/23/21</a:t>
             </a:fld>
             <a:endParaRPr lang="en-US" dirty="0"/>
           </a:p>
@@ -4244,7 +4357,7 @@
           <a:p>
             <a:fld id="{C764DE79-268F-4C1A-8933-263129D2AF90}" type="datetimeFigureOut">
               <a:rPr lang="en-US" dirty="0"/>
-              <a:t>10/12/2021</a:t>
+              <a:t>10/23/21</a:t>
             </a:fld>
             <a:endParaRPr lang="en-US" dirty="0"/>
           </a:p>
@@ -4519,7 +4632,7 @@
           <a:p>
             <a:fld id="{C764DE79-268F-4C1A-8933-263129D2AF90}" type="datetimeFigureOut">
               <a:rPr lang="en-US" dirty="0"/>
-              <a:t>10/12/2021</a:t>
+              <a:t>10/23/21</a:t>
             </a:fld>
             <a:endParaRPr lang="en-US" dirty="0"/>
           </a:p>
@@ -4771,7 +4884,7 @@
           <a:p>
             <a:fld id="{C764DE79-268F-4C1A-8933-263129D2AF90}" type="datetimeFigureOut">
               <a:rPr lang="en-US" dirty="0"/>
-              <a:t>10/12/2021</a:t>
+              <a:t>10/23/21</a:t>
             </a:fld>
             <a:endParaRPr lang="en-US" dirty="0"/>
           </a:p>
@@ -4982,7 +5095,7 @@
           <a:p>
             <a:fld id="{C764DE79-268F-4C1A-8933-263129D2AF90}" type="datetimeFigureOut">
               <a:rPr lang="en-US" dirty="0"/>
-              <a:t>10/12/2021</a:t>
+              <a:t>10/23/21</a:t>
             </a:fld>
             <a:endParaRPr lang="en-US" dirty="0"/>
           </a:p>
@@ -5395,6 +5508,66 @@
           <a:chExt cx="0" cy="0"/>
         </a:xfrm>
       </p:grpSpPr>
+      <p:sp useBgFill="1">
+        <p:nvSpPr>
+          <p:cNvPr id="14" name="Rectangle 13">
+            <a:extLst>
+              <a:ext uri="{FF2B5EF4-FFF2-40B4-BE49-F238E27FC236}">
+                <a16:creationId xmlns:a16="http://schemas.microsoft.com/office/drawing/2014/main" id="{5A59F003-E00A-43F9-91DC-CC54E3B87466}"/>
+              </a:ext>
+              <a:ext uri="{C183D7F6-B498-43B3-948B-1728B52AA6E4}">
+                <adec:decorative xmlns:adec="http://schemas.microsoft.com/office/drawing/2017/decorative" val="1"/>
+              </a:ext>
+            </a:extLst>
+          </p:cNvPr>
+          <p:cNvSpPr>
+            <a:spLocks noGrp="1" noRot="1" noChangeAspect="1" noMove="1" noResize="1" noEditPoints="1" noAdjustHandles="1" noChangeArrowheads="1" noChangeShapeType="1" noTextEdit="1"/>
+          </p:cNvSpPr>
+          <p:nvPr>
+            <p:extLst>
+              <p:ext uri="{386F3935-93C4-4BCD-93E2-E3B085C9AB24}">
+                <p16:designElem xmlns:p16="http://schemas.microsoft.com/office/powerpoint/2015/main" val="1"/>
+              </p:ext>
+            </p:extLst>
+          </p:nvPr>
+        </p:nvSpPr>
+        <p:spPr>
+          <a:xfrm>
+            <a:off x="0" y="0"/>
+            <a:ext cx="12192000" cy="6858000"/>
+          </a:xfrm>
+          <a:prstGeom prst="rect">
+            <a:avLst/>
+          </a:prstGeom>
+          <a:ln>
+            <a:noFill/>
+          </a:ln>
+        </p:spPr>
+        <p:style>
+          <a:lnRef idx="2">
+            <a:schemeClr val="accent1">
+              <a:shade val="50000"/>
+            </a:schemeClr>
+          </a:lnRef>
+          <a:fillRef idx="1">
+            <a:schemeClr val="accent1"/>
+          </a:fillRef>
+          <a:effectRef idx="0">
+            <a:schemeClr val="accent1"/>
+          </a:effectRef>
+          <a:fontRef idx="minor">
+            <a:schemeClr val="lt1"/>
+          </a:fontRef>
+        </p:style>
+        <p:txBody>
+          <a:bodyPr rtlCol="0" anchor="ctr"/>
+          <a:lstStyle/>
+          <a:p>
+            <a:pPr algn="ctr"/>
+            <a:endParaRPr lang="en-US"/>
+          </a:p>
+        </p:txBody>
+      </p:sp>
       <p:pic>
         <p:nvPicPr>
           <p:cNvPr id="4" name="Picture 3" descr="Closeup image of beer bubbles">
@@ -5411,7 +5584,7 @@
         </p:nvPicPr>
         <p:blipFill rotWithShape="1">
           <a:blip r:embed="rId2"/>
-          <a:srcRect t="15730"/>
+          <a:srcRect l="3284" t="23391" r="5807"/>
           <a:stretch/>
         </p:blipFill>
         <p:spPr>
@@ -5426,6 +5599,91 @@
       </p:pic>
       <p:sp>
         <p:nvSpPr>
+          <p:cNvPr id="16" name="Rectangle 15">
+            <a:extLst>
+              <a:ext uri="{FF2B5EF4-FFF2-40B4-BE49-F238E27FC236}">
+                <a16:creationId xmlns:a16="http://schemas.microsoft.com/office/drawing/2014/main" id="{D74A4382-E3AD-430A-9A1F-DFA3E0E77A7D}"/>
+              </a:ext>
+              <a:ext uri="{C183D7F6-B498-43B3-948B-1728B52AA6E4}">
+                <adec:decorative xmlns:adec="http://schemas.microsoft.com/office/drawing/2017/decorative" val="1"/>
+              </a:ext>
+            </a:extLst>
+          </p:cNvPr>
+          <p:cNvSpPr>
+            <a:spLocks noGrp="1" noRot="1" noChangeAspect="1" noMove="1" noResize="1" noEditPoints="1" noAdjustHandles="1" noChangeArrowheads="1" noChangeShapeType="1" noTextEdit="1"/>
+          </p:cNvSpPr>
+          <p:nvPr>
+            <p:extLst>
+              <p:ext uri="{386F3935-93C4-4BCD-93E2-E3B085C9AB24}">
+                <p16:designElem xmlns:p16="http://schemas.microsoft.com/office/powerpoint/2015/main" val="1"/>
+              </p:ext>
+            </p:extLst>
+          </p:nvPr>
+        </p:nvSpPr>
+        <p:spPr>
+          <a:xfrm rot="16200000">
+            <a:off x="3799868" y="-1534136"/>
+            <a:ext cx="4592270" cy="12192001"/>
+          </a:xfrm>
+          <a:prstGeom prst="rect">
+            <a:avLst/>
+          </a:prstGeom>
+          <a:gradFill>
+            <a:gsLst>
+              <a:gs pos="35000">
+                <a:schemeClr val="bg1">
+                  <a:alpha val="46000"/>
+                </a:schemeClr>
+              </a:gs>
+              <a:gs pos="21000">
+                <a:schemeClr val="bg1">
+                  <a:alpha val="30000"/>
+                </a:schemeClr>
+              </a:gs>
+              <a:gs pos="0">
+                <a:schemeClr val="bg1">
+                  <a:alpha val="0"/>
+                </a:schemeClr>
+              </a:gs>
+              <a:gs pos="100000">
+                <a:schemeClr val="bg1">
+                  <a:alpha val="90000"/>
+                </a:schemeClr>
+              </a:gs>
+            </a:gsLst>
+            <a:lin ang="10800000" scaled="0"/>
+          </a:gradFill>
+          <a:ln>
+            <a:noFill/>
+          </a:ln>
+        </p:spPr>
+        <p:style>
+          <a:lnRef idx="2">
+            <a:schemeClr val="accent1">
+              <a:shade val="50000"/>
+            </a:schemeClr>
+          </a:lnRef>
+          <a:fillRef idx="1">
+            <a:schemeClr val="accent1"/>
+          </a:fillRef>
+          <a:effectRef idx="0">
+            <a:schemeClr val="accent1"/>
+          </a:effectRef>
+          <a:fontRef idx="minor">
+            <a:schemeClr val="lt1"/>
+          </a:fontRef>
+        </p:style>
+        <p:txBody>
+          <a:bodyPr rtlCol="0" anchor="ctr"/>
+          <a:lstStyle/>
+          <a:p>
+            <a:pPr algn="ctr"/>
+            <a:endParaRPr lang="en-US" dirty="0"/>
+          </a:p>
+        </p:txBody>
+      </p:sp>
+      <p:sp>
+        <p:nvSpPr>
           <p:cNvPr id="2" name="Title 1">
             <a:extLst>
               <a:ext uri="{FF2B5EF4-FFF2-40B4-BE49-F238E27FC236}">
@@ -5442,8 +5700,8 @@
         </p:nvSpPr>
         <p:spPr>
           <a:xfrm>
-            <a:off x="735791" y="3190468"/>
-            <a:ext cx="8761737" cy="1370282"/>
+            <a:off x="404553" y="3091928"/>
+            <a:ext cx="9078562" cy="2387600"/>
           </a:xfrm>
         </p:spPr>
         <p:txBody>
@@ -5452,14 +5710,76 @@
           </a:bodyPr>
           <a:lstStyle/>
           <a:p>
-            <a:r>
-              <a:rPr lang="en-US" sz="4400" dirty="0">
-                <a:solidFill>
-                  <a:schemeClr val="bg1"/>
-                </a:solidFill>
-              </a:rPr>
+            <a:pPr algn="l"/>
+            <a:r>
+              <a:rPr lang="en-US" sz="6600"/>
               <a:t>Trends in US Craft Breweries and Beer</a:t>
             </a:r>
+          </a:p>
+        </p:txBody>
+      </p:sp>
+      <p:sp>
+        <p:nvSpPr>
+          <p:cNvPr id="18" name="Rectangle: Rounded Corners 17">
+            <a:extLst>
+              <a:ext uri="{FF2B5EF4-FFF2-40B4-BE49-F238E27FC236}">
+                <a16:creationId xmlns:a16="http://schemas.microsoft.com/office/drawing/2014/main" id="{79F40191-0F44-4FD1-82CC-ACB507C14BE6}"/>
+              </a:ext>
+              <a:ext uri="{C183D7F6-B498-43B3-948B-1728B52AA6E4}">
+                <adec:decorative xmlns:adec="http://schemas.microsoft.com/office/drawing/2017/decorative" val="1"/>
+              </a:ext>
+            </a:extLst>
+          </p:cNvPr>
+          <p:cNvSpPr>
+            <a:spLocks noGrp="1" noRot="1" noChangeAspect="1" noMove="1" noResize="1" noEditPoints="1" noAdjustHandles="1" noChangeArrowheads="1" noChangeShapeType="1" noTextEdit="1"/>
+          </p:cNvSpPr>
+          <p:nvPr>
+            <p:extLst>
+              <p:ext uri="{386F3935-93C4-4BCD-93E2-E3B085C9AB24}">
+                <p16:designElem xmlns:p16="http://schemas.microsoft.com/office/powerpoint/2015/main" val="1"/>
+              </p:ext>
+            </p:extLst>
+          </p:nvPr>
+        </p:nvSpPr>
+        <p:spPr>
+          <a:xfrm>
+            <a:off x="0" y="5575039"/>
+            <a:ext cx="9785897" cy="685800"/>
+          </a:xfrm>
+          <a:prstGeom prst="roundRect">
+            <a:avLst>
+              <a:gd name="adj" fmla="val 0"/>
+            </a:avLst>
+          </a:prstGeom>
+          <a:solidFill>
+            <a:schemeClr val="accent2"/>
+          </a:solidFill>
+          <a:ln>
+            <a:noFill/>
+          </a:ln>
+        </p:spPr>
+        <p:style>
+          <a:lnRef idx="2">
+            <a:schemeClr val="accent1">
+              <a:shade val="50000"/>
+            </a:schemeClr>
+          </a:lnRef>
+          <a:fillRef idx="1">
+            <a:schemeClr val="accent1"/>
+          </a:fillRef>
+          <a:effectRef idx="0">
+            <a:schemeClr val="accent1"/>
+          </a:effectRef>
+          <a:fontRef idx="minor">
+            <a:schemeClr val="lt1"/>
+          </a:fontRef>
+        </p:style>
+        <p:txBody>
+          <a:bodyPr rtlCol="0" anchor="ctr"/>
+          <a:lstStyle/>
+          <a:p>
+            <a:pPr algn="ctr"/>
+            <a:endParaRPr lang="en-US"/>
           </a:p>
         </p:txBody>
       </p:sp>
@@ -5481,47 +5801,41 @@
         </p:nvSpPr>
         <p:spPr>
           <a:xfrm>
-            <a:off x="735791" y="4735799"/>
-            <a:ext cx="6470693" cy="605256"/>
+            <a:off x="404553" y="5624945"/>
+            <a:ext cx="9078562" cy="592975"/>
           </a:xfrm>
         </p:spPr>
         <p:txBody>
-          <a:bodyPr vert="horz" lIns="91440" tIns="45720" rIns="91440" bIns="45720" rtlCol="0" anchor="t">
+          <a:bodyPr anchor="ctr">
             <a:normAutofit/>
           </a:bodyPr>
           <a:lstStyle/>
           <a:p>
-            <a:r>
-              <a:rPr lang="en-US" sz="2000" dirty="0">
-                <a:solidFill>
-                  <a:schemeClr val="bg1"/>
-                </a:solidFill>
-              </a:rPr>
+            <a:pPr algn="l"/>
+            <a:r>
+              <a:rPr lang="en-US"/>
               <a:t>Lauren Nelson | Alan </a:t>
             </a:r>
             <a:r>
-              <a:rPr lang="en-US" sz="2000" dirty="0" err="1">
-                <a:solidFill>
-                  <a:schemeClr val="bg1"/>
-                </a:solidFill>
-              </a:rPr>
+              <a:rPr lang="en-US" err="1"/>
               <a:t>Abadzic</a:t>
             </a:r>
             <a:r>
-              <a:rPr lang="en-US" sz="2000" dirty="0">
-                <a:solidFill>
-                  <a:schemeClr val="bg1"/>
-                </a:solidFill>
-              </a:rPr>
-              <a:t> | Robert Derner</a:t>
-            </a:r>
+              <a:rPr lang="en-US"/>
+              <a:t> | Robert </a:t>
+            </a:r>
+            <a:r>
+              <a:rPr lang="en-US" err="1"/>
+              <a:t>Derner</a:t>
+            </a:r>
+            <a:endParaRPr lang="en-US"/>
           </a:p>
         </p:txBody>
       </p:sp>
     </p:spTree>
     <p:extLst>
       <p:ext uri="{BB962C8B-B14F-4D97-AF65-F5344CB8AC3E}">
-        <p14:creationId xmlns:p14="http://schemas.microsoft.com/office/powerpoint/2010/main" val="45914198"/>
+        <p14:creationId xmlns:p14="http://schemas.microsoft.com/office/powerpoint/2010/main" val="1856331301"/>
       </p:ext>
     </p:extLst>
   </p:cSld>
@@ -5648,43 +5962,142 @@
           <a:chExt cx="0" cy="0"/>
         </a:xfrm>
       </p:grpSpPr>
-      <p:sp>
-        <p:nvSpPr>
-          <p:cNvPr id="2" name="Title 1">
+      <p:sp useBgFill="1">
+        <p:nvSpPr>
+          <p:cNvPr id="7" name="Rectangle 9">
             <a:extLst>
               <a:ext uri="{FF2B5EF4-FFF2-40B4-BE49-F238E27FC236}">
-                <a16:creationId xmlns:a16="http://schemas.microsoft.com/office/drawing/2014/main" id="{626D678C-9904-1440-91CF-7ED9F33EF0E4}"/>
+                <a16:creationId xmlns:a16="http://schemas.microsoft.com/office/drawing/2014/main" id="{3B47FC9C-2ED3-4100-A4EF-E8CDFEE106C9}"/>
+              </a:ext>
+              <a:ext uri="{C183D7F6-B498-43B3-948B-1728B52AA6E4}">
+                <adec:decorative xmlns:adec="http://schemas.microsoft.com/office/drawing/2017/decorative" val="1"/>
               </a:ext>
             </a:extLst>
           </p:cNvPr>
           <p:cNvSpPr>
-            <a:spLocks noGrp="1"/>
-          </p:cNvSpPr>
-          <p:nvPr>
-            <p:ph type="title"/>
+            <a:spLocks noGrp="1" noRot="1" noChangeAspect="1" noMove="1" noResize="1" noEditPoints="1" noAdjustHandles="1" noChangeArrowheads="1" noChangeShapeType="1" noTextEdit="1"/>
+          </p:cNvSpPr>
+          <p:nvPr>
+            <p:extLst>
+              <p:ext uri="{386F3935-93C4-4BCD-93E2-E3B085C9AB24}">
+                <p16:designElem xmlns:p16="http://schemas.microsoft.com/office/powerpoint/2015/main" val="1"/>
+              </p:ext>
+            </p:extLst>
           </p:nvPr>
         </p:nvSpPr>
         <p:spPr>
           <a:xfrm>
-            <a:off x="828675" y="5120639"/>
-            <a:ext cx="7137263" cy="1280161"/>
+            <a:off x="-1" y="0"/>
+            <a:ext cx="12188952" cy="6858000"/>
           </a:xfrm>
+          <a:prstGeom prst="rect">
+            <a:avLst/>
+          </a:prstGeom>
+          <a:ln>
+            <a:noFill/>
+          </a:ln>
         </p:spPr>
-        <p:txBody>
-          <a:bodyPr vert="horz" lIns="91440" tIns="45720" rIns="91440" bIns="45720" rtlCol="0" anchor="ctr">
-            <a:normAutofit/>
-          </a:bodyPr>
+        <p:style>
+          <a:lnRef idx="2">
+            <a:schemeClr val="accent1">
+              <a:shade val="50000"/>
+            </a:schemeClr>
+          </a:lnRef>
+          <a:fillRef idx="1">
+            <a:schemeClr val="accent1"/>
+          </a:fillRef>
+          <a:effectRef idx="0">
+            <a:schemeClr val="accent1"/>
+          </a:effectRef>
+          <a:fontRef idx="minor">
+            <a:schemeClr val="lt1"/>
+          </a:fontRef>
+        </p:style>
+        <p:txBody>
+          <a:bodyPr rtlCol="0" anchor="ctr"/>
           <a:lstStyle/>
           <a:p>
-            <a:pPr algn="r"/>
-            <a:r>
-              <a:rPr lang="en-US" sz="4800">
-                <a:solidFill>
-                  <a:srgbClr val="FFFFFF"/>
-                </a:solidFill>
-              </a:rPr>
-              <a:t>Breweries by State</a:t>
-            </a:r>
+            <a:pPr algn="ctr"/>
+            <a:endParaRPr lang="en-US" dirty="0"/>
+          </a:p>
+        </p:txBody>
+      </p:sp>
+      <p:pic>
+        <p:nvPicPr>
+          <p:cNvPr id="4" name="Picture 3" descr="Map&#10;&#10;Description automatically generated">
+            <a:extLst>
+              <a:ext uri="{FF2B5EF4-FFF2-40B4-BE49-F238E27FC236}">
+                <a16:creationId xmlns:a16="http://schemas.microsoft.com/office/drawing/2014/main" id="{E88DFAD4-3A12-A244-8F3C-B44436F0E38F}"/>
+              </a:ext>
+            </a:extLst>
+          </p:cNvPr>
+          <p:cNvPicPr>
+            <a:picLocks noChangeAspect="1"/>
+          </p:cNvPicPr>
+          <p:nvPr/>
+        </p:nvPicPr>
+        <p:blipFill>
+          <a:blip r:embed="rId3"/>
+          <a:stretch>
+            <a:fillRect/>
+          </a:stretch>
+        </p:blipFill>
+        <p:spPr>
+          <a:xfrm>
+            <a:off x="0" y="-9138"/>
+            <a:ext cx="8192530" cy="6130207"/>
+          </a:xfrm>
+          <a:prstGeom prst="rect">
+            <a:avLst/>
+          </a:prstGeom>
+        </p:spPr>
+      </p:pic>
+      <p:sp>
+        <p:nvSpPr>
+          <p:cNvPr id="6" name="Rectangle 5">
+            <a:extLst>
+              <a:ext uri="{FF2B5EF4-FFF2-40B4-BE49-F238E27FC236}">
+                <a16:creationId xmlns:a16="http://schemas.microsoft.com/office/drawing/2014/main" id="{DF80CB13-C64B-D441-B0F6-A6A6FDBDE6C3}"/>
+              </a:ext>
+            </a:extLst>
+          </p:cNvPr>
+          <p:cNvSpPr/>
+          <p:nvPr/>
+        </p:nvSpPr>
+        <p:spPr>
+          <a:xfrm>
+            <a:off x="9329351" y="-9138"/>
+            <a:ext cx="2862649" cy="6858000"/>
+          </a:xfrm>
+          <a:prstGeom prst="rect">
+            <a:avLst/>
+          </a:prstGeom>
+          <a:solidFill>
+            <a:schemeClr val="tx1"/>
+          </a:solidFill>
+        </p:spPr>
+        <p:style>
+          <a:lnRef idx="2">
+            <a:schemeClr val="accent1">
+              <a:shade val="50000"/>
+            </a:schemeClr>
+          </a:lnRef>
+          <a:fillRef idx="1">
+            <a:schemeClr val="accent1"/>
+          </a:fillRef>
+          <a:effectRef idx="0">
+            <a:schemeClr val="accent1"/>
+          </a:effectRef>
+          <a:fontRef idx="minor">
+            <a:schemeClr val="lt1"/>
+          </a:fontRef>
+        </p:style>
+        <p:txBody>
+          <a:bodyPr rtlCol="0" anchor="ctr"/>
+          <a:lstStyle/>
+          <a:p>
+            <a:pPr algn="ctr"/>
+            <a:endParaRPr lang="en-US"/>
           </a:p>
         </p:txBody>
       </p:sp>
@@ -5703,50 +6116,63 @@
           <p:nvPr/>
         </p:nvPicPr>
         <p:blipFill rotWithShape="1">
-          <a:blip r:embed="rId3"/>
+          <a:blip r:embed="rId4"/>
           <a:srcRect l="34991" r="10665" b="-2"/>
           <a:stretch/>
         </p:blipFill>
         <p:spPr>
           <a:xfrm>
-            <a:off x="8160307" y="10"/>
-            <a:ext cx="4031693" cy="4915066"/>
+            <a:off x="9329351" y="1776623"/>
+            <a:ext cx="2862649" cy="3502931"/>
           </a:xfrm>
           <a:prstGeom prst="rect">
             <a:avLst/>
           </a:prstGeom>
         </p:spPr>
       </p:pic>
-      <p:pic>
-        <p:nvPicPr>
-          <p:cNvPr id="10" name="Picture 9">
+      <p:sp>
+        <p:nvSpPr>
+          <p:cNvPr id="2" name="Title 1">
             <a:extLst>
               <a:ext uri="{FF2B5EF4-FFF2-40B4-BE49-F238E27FC236}">
-                <a16:creationId xmlns:a16="http://schemas.microsoft.com/office/drawing/2014/main" id="{14ECF246-DD15-4741-ABEA-14FBC2F8CB5A}"/>
+                <a16:creationId xmlns:a16="http://schemas.microsoft.com/office/drawing/2014/main" id="{626D678C-9904-1440-91CF-7ED9F33EF0E4}"/>
               </a:ext>
             </a:extLst>
           </p:cNvPr>
-          <p:cNvPicPr>
-            <a:picLocks noChangeAspect="1"/>
-          </p:cNvPicPr>
-          <p:nvPr/>
-        </p:nvPicPr>
-        <p:blipFill>
-          <a:blip r:embed="rId4"/>
-          <a:stretch>
-            <a:fillRect/>
-          </a:stretch>
-        </p:blipFill>
+          <p:cNvSpPr>
+            <a:spLocks noGrp="1"/>
+          </p:cNvSpPr>
+          <p:nvPr>
+            <p:ph type="title"/>
+          </p:nvPr>
+        </p:nvSpPr>
         <p:spPr>
           <a:xfrm>
-            <a:off x="-34" y="6"/>
-            <a:ext cx="10327159" cy="4915065"/>
+            <a:off x="1567249" y="5906198"/>
+            <a:ext cx="10515600" cy="942664"/>
           </a:xfrm>
-          <a:prstGeom prst="rect">
-            <a:avLst/>
-          </a:prstGeom>
         </p:spPr>
-      </p:pic>
+        <p:txBody>
+          <a:bodyPr vert="horz" lIns="91440" tIns="45720" rIns="91440" bIns="45720" rtlCol="0" anchor="ctr">
+            <a:normAutofit/>
+          </a:bodyPr>
+          <a:lstStyle/>
+          <a:p>
+            <a:pPr algn="ctr"/>
+            <a:r>
+              <a:rPr lang="en-US" sz="5200" kern="1200" dirty="0">
+                <a:solidFill>
+                  <a:schemeClr val="tx1"/>
+                </a:solidFill>
+                <a:latin typeface="+mj-lt"/>
+                <a:ea typeface="+mj-ea"/>
+                <a:cs typeface="+mj-cs"/>
+              </a:rPr>
+              <a:t>Breweries by State</a:t>
+            </a:r>
+          </a:p>
+        </p:txBody>
+      </p:sp>
     </p:spTree>
     <p:extLst>
       <p:ext uri="{BB962C8B-B14F-4D97-AF65-F5344CB8AC3E}">
@@ -5755,7 +6181,7 @@
     </p:extLst>
   </p:cSld>
   <p:clrMapOvr>
-    <a:overrideClrMapping bg1="dk1" tx1="lt1" bg2="dk2" tx2="lt2" accent1="accent1" accent2="accent2" accent3="accent3" accent4="accent4" accent5="accent5" accent6="accent6" hlink="hlink" folHlink="folHlink"/>
+    <a:masterClrMapping/>
   </p:clrMapOvr>
   <p:timing>
     <p:tnLst>
@@ -5850,7 +6276,7 @@
                                           </p:stCondLst>
                                         </p:cTn>
                                         <p:tgtEl>
-                                          <p:spTgt spid="10"/>
+                                          <p:spTgt spid="4"/>
                                         </p:tgtEl>
                                         <p:attrNameLst>
                                           <p:attrName>style.visibility</p:attrName>
@@ -5864,7 +6290,7 @@
                                       <p:cBhvr additive="base">
                                         <p:cTn id="12" dur="500" fill="hold"/>
                                         <p:tgtEl>
-                                          <p:spTgt spid="10"/>
+                                          <p:spTgt spid="4"/>
                                         </p:tgtEl>
                                         <p:attrNameLst>
                                           <p:attrName>ppt_x</p:attrName>
@@ -5887,7 +6313,7 @@
                                       <p:cBhvr additive="base">
                                         <p:cTn id="13" dur="500" fill="hold"/>
                                         <p:tgtEl>
-                                          <p:spTgt spid="10"/>
+                                          <p:spTgt spid="4"/>
                                         </p:tgtEl>
                                         <p:attrNameLst>
                                           <p:attrName>ppt_y</p:attrName>
@@ -5946,6 +6372,14 @@
 <file path=ppt/slides/slide3.xml><?xml version="1.0" encoding="utf-8"?>
 <p:sld xmlns:a="http://schemas.openxmlformats.org/drawingml/2006/main" xmlns:r="http://schemas.openxmlformats.org/officeDocument/2006/relationships" xmlns:p="http://schemas.openxmlformats.org/presentationml/2006/main">
   <p:cSld>
+    <p:bg>
+      <p:bgPr>
+        <a:solidFill>
+          <a:schemeClr val="bg1"/>
+        </a:solidFill>
+        <a:effectLst/>
+      </p:bgPr>
+    </p:bg>
     <p:spTree>
       <p:nvGrpSpPr>
         <p:cNvPr id="1" name=""/>
@@ -5962,6 +6396,76 @@
       </p:grpSpPr>
       <p:sp>
         <p:nvSpPr>
+          <p:cNvPr id="12" name="Rectangle 11">
+            <a:extLst>
+              <a:ext uri="{FF2B5EF4-FFF2-40B4-BE49-F238E27FC236}">
+                <a16:creationId xmlns:a16="http://schemas.microsoft.com/office/drawing/2014/main" id="{E8A8EAB8-D2FF-444D-B34B-7D32F106AD0E}"/>
+              </a:ext>
+              <a:ext uri="{C183D7F6-B498-43B3-948B-1728B52AA6E4}">
+                <adec:decorative xmlns:adec="http://schemas.microsoft.com/office/drawing/2017/decorative" val="1"/>
+              </a:ext>
+            </a:extLst>
+          </p:cNvPr>
+          <p:cNvSpPr>
+            <a:spLocks noGrp="1" noRot="1" noChangeAspect="1" noMove="1" noResize="1" noEditPoints="1" noAdjustHandles="1" noChangeArrowheads="1" noChangeShapeType="1" noTextEdit="1"/>
+          </p:cNvSpPr>
+          <p:nvPr>
+            <p:extLst>
+              <p:ext uri="{386F3935-93C4-4BCD-93E2-E3B085C9AB24}">
+                <p16:designElem xmlns:p16="http://schemas.microsoft.com/office/powerpoint/2015/main" val="1"/>
+              </p:ext>
+            </p:extLst>
+          </p:nvPr>
+        </p:nvSpPr>
+        <p:spPr>
+          <a:xfrm>
+            <a:off x="0" y="0"/>
+            <a:ext cx="12192000" cy="6858000"/>
+          </a:xfrm>
+          <a:prstGeom prst="rect">
+            <a:avLst/>
+          </a:prstGeom>
+          <a:solidFill>
+            <a:schemeClr val="tx1">
+              <a:lumMod val="95000"/>
+              <a:lumOff val="5000"/>
+            </a:schemeClr>
+          </a:solidFill>
+          <a:ln>
+            <a:noFill/>
+          </a:ln>
+        </p:spPr>
+        <p:style>
+          <a:lnRef idx="2">
+            <a:schemeClr val="accent1">
+              <a:shade val="50000"/>
+            </a:schemeClr>
+          </a:lnRef>
+          <a:fillRef idx="1">
+            <a:schemeClr val="accent1"/>
+          </a:fillRef>
+          <a:effectRef idx="0">
+            <a:schemeClr val="accent1"/>
+          </a:effectRef>
+          <a:fontRef idx="minor">
+            <a:schemeClr val="lt1"/>
+          </a:fontRef>
+        </p:style>
+        <p:txBody>
+          <a:bodyPr rtlCol="0" anchor="ctr"/>
+          <a:lstStyle/>
+          <a:p>
+            <a:pPr algn="ctr"/>
+            <a:endParaRPr lang="en-US" dirty="0">
+              <a:solidFill>
+                <a:schemeClr val="bg1"/>
+              </a:solidFill>
+            </a:endParaRPr>
+          </a:p>
+        </p:txBody>
+      </p:sp>
+      <p:sp>
+        <p:nvSpPr>
           <p:cNvPr id="2" name="Title 1">
             <a:extLst>
               <a:ext uri="{FF2B5EF4-FFF2-40B4-BE49-F238E27FC236}">
@@ -5976,18 +6480,213 @@
             <p:ph type="title"/>
           </p:nvPr>
         </p:nvSpPr>
-        <p:spPr/>
-        <p:txBody>
-          <a:bodyPr/>
+        <p:spPr>
+          <a:xfrm>
+            <a:off x="838200" y="448721"/>
+            <a:ext cx="4707671" cy="1225650"/>
+          </a:xfrm>
+        </p:spPr>
+        <p:txBody>
+          <a:bodyPr vert="horz" lIns="91440" tIns="45720" rIns="91440" bIns="45720" rtlCol="0" anchor="b">
+            <a:normAutofit/>
+          </a:bodyPr>
           <a:lstStyle/>
           <a:p>
             <a:r>
-              <a:rPr lang="en-US" dirty="0"/>
+              <a:rPr lang="en-US" sz="3800" kern="1200">
+                <a:solidFill>
+                  <a:schemeClr val="bg1"/>
+                </a:solidFill>
+                <a:latin typeface="+mj-lt"/>
+                <a:ea typeface="+mj-ea"/>
+                <a:cs typeface="+mj-cs"/>
+              </a:rPr>
               <a:t>Notes on Missing Data Values </a:t>
             </a:r>
           </a:p>
         </p:txBody>
       </p:sp>
+      <p:cxnSp>
+        <p:nvCxnSpPr>
+          <p:cNvPr id="14" name="Straight Connector 13">
+            <a:extLst>
+              <a:ext uri="{FF2B5EF4-FFF2-40B4-BE49-F238E27FC236}">
+                <a16:creationId xmlns:a16="http://schemas.microsoft.com/office/drawing/2014/main" id="{EEA38897-7BA3-4408-8083-3235339C4A60}"/>
+              </a:ext>
+              <a:ext uri="{C183D7F6-B498-43B3-948B-1728B52AA6E4}">
+                <adec:decorative xmlns:adec="http://schemas.microsoft.com/office/drawing/2017/decorative" val="1"/>
+              </a:ext>
+            </a:extLst>
+          </p:cNvPr>
+          <p:cNvCxnSpPr>
+            <a:cxnSpLocks noGrp="1" noRot="1" noChangeAspect="1" noMove="1" noResize="1" noEditPoints="1" noAdjustHandles="1" noChangeArrowheads="1" noChangeShapeType="1"/>
+          </p:cNvCxnSpPr>
+          <p:nvPr>
+            <p:extLst>
+              <p:ext uri="{386F3935-93C4-4BCD-93E2-E3B085C9AB24}">
+                <p16:designElem xmlns:p16="http://schemas.microsoft.com/office/powerpoint/2015/main" val="1"/>
+              </p:ext>
+            </p:extLst>
+          </p:nvPr>
+        </p:nvCxnSpPr>
+        <p:spPr>
+          <a:xfrm flipH="1">
+            <a:off x="831873" y="1749756"/>
+            <a:ext cx="4718304" cy="0"/>
+          </a:xfrm>
+          <a:prstGeom prst="line">
+            <a:avLst/>
+          </a:prstGeom>
+          <a:ln w="12700">
+            <a:solidFill>
+              <a:schemeClr val="accent2"/>
+            </a:solidFill>
+          </a:ln>
+        </p:spPr>
+        <p:style>
+          <a:lnRef idx="1">
+            <a:schemeClr val="accent1"/>
+          </a:lnRef>
+          <a:fillRef idx="0">
+            <a:schemeClr val="accent1"/>
+          </a:fillRef>
+          <a:effectRef idx="0">
+            <a:schemeClr val="accent1"/>
+          </a:effectRef>
+          <a:fontRef idx="minor">
+            <a:schemeClr val="tx1"/>
+          </a:fontRef>
+        </p:style>
+      </p:cxnSp>
+      <p:sp>
+        <p:nvSpPr>
+          <p:cNvPr id="6" name="Content Placeholder 5">
+            <a:extLst>
+              <a:ext uri="{FF2B5EF4-FFF2-40B4-BE49-F238E27FC236}">
+                <a16:creationId xmlns:a16="http://schemas.microsoft.com/office/drawing/2014/main" id="{F0201916-1A37-42F6-BA95-41C979CA772A}"/>
+              </a:ext>
+            </a:extLst>
+          </p:cNvPr>
+          <p:cNvSpPr>
+            <a:spLocks noGrp="1"/>
+          </p:cNvSpPr>
+          <p:nvPr>
+            <p:ph sz="half" idx="2"/>
+          </p:nvPr>
+        </p:nvSpPr>
+        <p:spPr>
+          <a:xfrm>
+            <a:off x="897769" y="1909192"/>
+            <a:ext cx="4586513" cy="3647710"/>
+          </a:xfrm>
+        </p:spPr>
+        <p:txBody>
+          <a:bodyPr vert="horz" lIns="91440" tIns="45720" rIns="91440" bIns="45720" rtlCol="0">
+            <a:normAutofit/>
+          </a:bodyPr>
+          <a:lstStyle/>
+          <a:p>
+            <a:r>
+              <a:rPr lang="en-US" sz="2000">
+                <a:solidFill>
+                  <a:schemeClr val="bg1"/>
+                </a:solidFill>
+              </a:rPr>
+              <a:t>Two Datasets, "Beers.csv" and "Breweries.csv" were joined to create a Full Dataset for analysis and insight</a:t>
+            </a:r>
+          </a:p>
+          <a:p>
+            <a:r>
+              <a:rPr lang="en-US" sz="2000">
+                <a:solidFill>
+                  <a:schemeClr val="bg1"/>
+                </a:solidFill>
+              </a:rPr>
+              <a:t>Only ABV and IBU are missing Data Values</a:t>
+            </a:r>
+          </a:p>
+          <a:p>
+            <a:r>
+              <a:rPr lang="en-US" sz="2000" u="sng">
+                <a:solidFill>
+                  <a:schemeClr val="bg1"/>
+                </a:solidFill>
+              </a:rPr>
+              <a:t>Important to note</a:t>
+            </a:r>
+            <a:r>
+              <a:rPr lang="en-US" sz="2000">
+                <a:solidFill>
+                  <a:schemeClr val="bg1"/>
+                </a:solidFill>
+              </a:rPr>
+              <a:t>: IBU is missing values in  around 42% of the 2,410 total rows of data</a:t>
+            </a:r>
+          </a:p>
+          <a:p>
+            <a:r>
+              <a:rPr lang="en-US" sz="2000">
+                <a:solidFill>
+                  <a:schemeClr val="bg1"/>
+                </a:solidFill>
+              </a:rPr>
+              <a:t>**Predictions based upon IBU data specifically, may be skewed</a:t>
+            </a:r>
+          </a:p>
+        </p:txBody>
+      </p:sp>
+      <p:cxnSp>
+        <p:nvCxnSpPr>
+          <p:cNvPr id="16" name="Straight Connector 15">
+            <a:extLst>
+              <a:ext uri="{FF2B5EF4-FFF2-40B4-BE49-F238E27FC236}">
+                <a16:creationId xmlns:a16="http://schemas.microsoft.com/office/drawing/2014/main" id="{F11AD06B-AB20-4097-8606-5DA00DBACE88}"/>
+              </a:ext>
+              <a:ext uri="{C183D7F6-B498-43B3-948B-1728B52AA6E4}">
+                <adec:decorative xmlns:adec="http://schemas.microsoft.com/office/drawing/2017/decorative" val="1"/>
+              </a:ext>
+            </a:extLst>
+          </p:cNvPr>
+          <p:cNvCxnSpPr>
+            <a:cxnSpLocks noGrp="1" noRot="1" noChangeAspect="1" noMove="1" noResize="1" noEditPoints="1" noAdjustHandles="1" noChangeArrowheads="1" noChangeShapeType="1"/>
+          </p:cNvCxnSpPr>
+          <p:nvPr>
+            <p:extLst>
+              <p:ext uri="{386F3935-93C4-4BCD-93E2-E3B085C9AB24}">
+                <p16:designElem xmlns:p16="http://schemas.microsoft.com/office/powerpoint/2015/main" val="1"/>
+              </p:ext>
+            </p:extLst>
+          </p:nvPr>
+        </p:nvCxnSpPr>
+        <p:spPr>
+          <a:xfrm flipH="1">
+            <a:off x="834027" y="5707672"/>
+            <a:ext cx="4713997" cy="0"/>
+          </a:xfrm>
+          <a:prstGeom prst="line">
+            <a:avLst/>
+          </a:prstGeom>
+          <a:ln w="12700">
+            <a:solidFill>
+              <a:schemeClr val="accent2"/>
+            </a:solidFill>
+          </a:ln>
+        </p:spPr>
+        <p:style>
+          <a:lnRef idx="1">
+            <a:schemeClr val="accent1"/>
+          </a:lnRef>
+          <a:fillRef idx="0">
+            <a:schemeClr val="accent1"/>
+          </a:fillRef>
+          <a:effectRef idx="0">
+            <a:schemeClr val="accent1"/>
+          </a:effectRef>
+          <a:fontRef idx="minor">
+            <a:schemeClr val="tx1"/>
+          </a:fontRef>
+        </p:style>
+      </p:cxnSp>
       <p:pic>
         <p:nvPicPr>
           <p:cNvPr id="5" name="Picture 5" descr="Table&#10;&#10;Description automatically generated">
@@ -6012,81 +6711,14 @@
         </p:blipFill>
         <p:spPr>
           <a:xfrm>
-            <a:off x="2273240" y="2381961"/>
-            <a:ext cx="2311519" cy="3238666"/>
+            <a:off x="6525453" y="0"/>
+            <a:ext cx="4886324" cy="6858000"/>
           </a:xfrm>
+          <a:prstGeom prst="rect">
+            <a:avLst/>
+          </a:prstGeom>
         </p:spPr>
       </p:pic>
-      <p:sp>
-        <p:nvSpPr>
-          <p:cNvPr id="6" name="Content Placeholder 5">
-            <a:extLst>
-              <a:ext uri="{FF2B5EF4-FFF2-40B4-BE49-F238E27FC236}">
-                <a16:creationId xmlns:a16="http://schemas.microsoft.com/office/drawing/2014/main" id="{F0201916-1A37-42F6-BA95-41C979CA772A}"/>
-              </a:ext>
-            </a:extLst>
-          </p:cNvPr>
-          <p:cNvSpPr>
-            <a:spLocks noGrp="1"/>
-          </p:cNvSpPr>
-          <p:nvPr>
-            <p:ph sz="half" idx="2"/>
-          </p:nvPr>
-        </p:nvSpPr>
-        <p:spPr/>
-        <p:txBody>
-          <a:bodyPr vert="horz" lIns="0" tIns="45720" rIns="0" bIns="45720" rtlCol="0" anchor="t">
-            <a:normAutofit fontScale="92500" lnSpcReduction="10000"/>
-          </a:bodyPr>
-          <a:lstStyle/>
-          <a:p>
-            <a:pPr>
-              <a:buFont typeface="Wingdings" panose="020F0502020204030204" pitchFamily="34" charset="0"/>
-              <a:buChar char="§"/>
-            </a:pPr>
-            <a:r>
-              <a:rPr lang="en-US" dirty="0"/>
-              <a:t>Two Datasets, "Beers.csv" and "Breweries.csv" were joined to create a Full Dataset for analysis and insight</a:t>
-            </a:r>
-          </a:p>
-          <a:p>
-            <a:pPr>
-              <a:buFont typeface="Wingdings" panose="020F0502020204030204" pitchFamily="34" charset="0"/>
-              <a:buChar char="§"/>
-            </a:pPr>
-            <a:r>
-              <a:rPr lang="en-US" dirty="0"/>
-              <a:t>Only ABV and IBU are missing Data Values</a:t>
-            </a:r>
-            <a:endParaRPr lang="en-US"/>
-          </a:p>
-          <a:p>
-            <a:pPr>
-              <a:buFont typeface="Wingdings" panose="020F0502020204030204" pitchFamily="34" charset="0"/>
-              <a:buChar char="§"/>
-            </a:pPr>
-            <a:r>
-              <a:rPr lang="en-US" u="sng" dirty="0"/>
-              <a:t>Important to note</a:t>
-            </a:r>
-            <a:r>
-              <a:rPr lang="en-US" dirty="0"/>
-              <a:t>: IBU is missing values in  around 42% of the 2,410 total rows of data</a:t>
-            </a:r>
-          </a:p>
-          <a:p>
-            <a:pPr>
-              <a:buFont typeface="Wingdings" panose="020F0502020204030204" pitchFamily="34" charset="0"/>
-              <a:buChar char="§"/>
-            </a:pPr>
-            <a:r>
-              <a:rPr lang="en-US" dirty="0"/>
-              <a:t>**Predictions based upon IBU data specifically, may be skewed</a:t>
-            </a:r>
-            <a:endParaRPr lang="en-US"/>
-          </a:p>
-        </p:txBody>
-      </p:sp>
       <p:sp>
         <p:nvSpPr>
           <p:cNvPr id="7" name="TextBox 6">
@@ -6101,31 +6733,43 @@
         </p:nvSpPr>
         <p:spPr>
           <a:xfrm>
-            <a:off x="1856317" y="5729817"/>
-            <a:ext cx="3325283" cy="276999"/>
+            <a:off x="6525453" y="6172200"/>
+            <a:ext cx="4886324" cy="685800"/>
           </a:xfrm>
           <a:prstGeom prst="rect">
             <a:avLst/>
           </a:prstGeom>
-          <a:noFill/>
+          <a:solidFill>
+            <a:srgbClr val="000000">
+              <a:alpha val="50000"/>
+            </a:srgbClr>
+          </a:solidFill>
+          <a:ln>
+            <a:noFill/>
+          </a:ln>
         </p:spPr>
         <p:txBody>
           <a:bodyPr rot="0" spcFirstLastPara="0" vertOverflow="overflow" horzOverflow="overflow" vert="horz" wrap="square" lIns="91440" tIns="45720" rIns="91440" bIns="45720" numCol="1" spcCol="0" rtlCol="0" fromWordArt="0" anchor="t" anchorCtr="0" forceAA="0" compatLnSpc="1">
             <a:prstTxWarp prst="textNoShape">
               <a:avLst/>
             </a:prstTxWarp>
-            <a:spAutoFit/>
+            <a:noAutofit/>
           </a:bodyPr>
           <a:lstStyle/>
           <a:p>
-            <a:r>
-              <a:rPr lang="en-US" sz="1200" dirty="0">
-                <a:ea typeface="+mn-lt"/>
-                <a:cs typeface="+mn-lt"/>
+            <a:pPr algn="ctr">
+              <a:spcAft>
+                <a:spcPts val="600"/>
+              </a:spcAft>
+            </a:pPr>
+            <a:r>
+              <a:rPr lang="en-US" sz="1300">
+                <a:solidFill>
+                  <a:srgbClr val="FFFFFF"/>
+                </a:solidFill>
               </a:rPr>
               <a:t>**Data used for analysis provided by client</a:t>
             </a:r>
-            <a:endParaRPr lang="en-US" sz="1200" dirty="0"/>
           </a:p>
         </p:txBody>
       </p:sp>
@@ -6400,6 +7044,132 @@
       </p:grpSpPr>
       <p:sp>
         <p:nvSpPr>
+          <p:cNvPr id="20" name="Rectangle 19">
+            <a:extLst>
+              <a:ext uri="{FF2B5EF4-FFF2-40B4-BE49-F238E27FC236}">
+                <a16:creationId xmlns:a16="http://schemas.microsoft.com/office/drawing/2014/main" id="{6753252F-4873-4F63-801D-CC719279A7D5}"/>
+              </a:ext>
+              <a:ext uri="{C183D7F6-B498-43B3-948B-1728B52AA6E4}">
+                <adec:decorative xmlns:adec="http://schemas.microsoft.com/office/drawing/2017/decorative" val="1"/>
+              </a:ext>
+            </a:extLst>
+          </p:cNvPr>
+          <p:cNvSpPr>
+            <a:spLocks noGrp="1" noRot="1" noChangeAspect="1" noMove="1" noResize="1" noEditPoints="1" noAdjustHandles="1" noChangeArrowheads="1" noChangeShapeType="1" noTextEdit="1"/>
+          </p:cNvSpPr>
+          <p:nvPr>
+            <p:extLst>
+              <p:ext uri="{386F3935-93C4-4BCD-93E2-E3B085C9AB24}">
+                <p16:designElem xmlns:p16="http://schemas.microsoft.com/office/powerpoint/2015/main" val="1"/>
+              </p:ext>
+            </p:extLst>
+          </p:nvPr>
+        </p:nvSpPr>
+        <p:spPr>
+          <a:xfrm>
+            <a:off x="0" y="0"/>
+            <a:ext cx="12192000" cy="6858000"/>
+          </a:xfrm>
+          <a:prstGeom prst="rect">
+            <a:avLst/>
+          </a:prstGeom>
+          <a:solidFill>
+            <a:srgbClr val="FFFFFF"/>
+          </a:solidFill>
+          <a:ln>
+            <a:noFill/>
+          </a:ln>
+        </p:spPr>
+        <p:style>
+          <a:lnRef idx="2">
+            <a:schemeClr val="accent1">
+              <a:shade val="50000"/>
+            </a:schemeClr>
+          </a:lnRef>
+          <a:fillRef idx="1">
+            <a:schemeClr val="accent1"/>
+          </a:fillRef>
+          <a:effectRef idx="0">
+            <a:schemeClr val="accent1"/>
+          </a:effectRef>
+          <a:fontRef idx="minor">
+            <a:schemeClr val="lt1"/>
+          </a:fontRef>
+        </p:style>
+        <p:txBody>
+          <a:bodyPr rtlCol="0" anchor="ctr"/>
+          <a:lstStyle/>
+          <a:p>
+            <a:pPr algn="ctr"/>
+            <a:endParaRPr lang="en-US"/>
+          </a:p>
+        </p:txBody>
+      </p:sp>
+      <p:sp>
+        <p:nvSpPr>
+          <p:cNvPr id="22" name="Rectangle 21">
+            <a:extLst>
+              <a:ext uri="{FF2B5EF4-FFF2-40B4-BE49-F238E27FC236}">
+                <a16:creationId xmlns:a16="http://schemas.microsoft.com/office/drawing/2014/main" id="{047C8CCB-F95D-4249-92DD-651249D3535A}"/>
+              </a:ext>
+              <a:ext uri="{C183D7F6-B498-43B3-948B-1728B52AA6E4}">
+                <adec:decorative xmlns:adec="http://schemas.microsoft.com/office/drawing/2017/decorative" val="1"/>
+              </a:ext>
+            </a:extLst>
+          </p:cNvPr>
+          <p:cNvSpPr>
+            <a:spLocks noGrp="1" noRot="1" noChangeAspect="1" noMove="1" noResize="1" noEditPoints="1" noAdjustHandles="1" noChangeArrowheads="1" noChangeShapeType="1" noTextEdit="1"/>
+          </p:cNvSpPr>
+          <p:nvPr>
+            <p:extLst>
+              <p:ext uri="{386F3935-93C4-4BCD-93E2-E3B085C9AB24}">
+                <p16:designElem xmlns:p16="http://schemas.microsoft.com/office/powerpoint/2015/main" val="1"/>
+              </p:ext>
+            </p:extLst>
+          </p:nvPr>
+        </p:nvSpPr>
+        <p:spPr>
+          <a:xfrm>
+            <a:off x="0" y="0"/>
+            <a:ext cx="2013557" cy="6858000"/>
+          </a:xfrm>
+          <a:prstGeom prst="rect">
+            <a:avLst/>
+          </a:prstGeom>
+          <a:solidFill>
+            <a:srgbClr val="3E335D"/>
+          </a:solidFill>
+          <a:ln>
+            <a:noFill/>
+          </a:ln>
+        </p:spPr>
+        <p:style>
+          <a:lnRef idx="2">
+            <a:schemeClr val="accent1">
+              <a:shade val="50000"/>
+            </a:schemeClr>
+          </a:lnRef>
+          <a:fillRef idx="1">
+            <a:schemeClr val="accent1"/>
+          </a:fillRef>
+          <a:effectRef idx="0">
+            <a:schemeClr val="accent1"/>
+          </a:effectRef>
+          <a:fontRef idx="minor">
+            <a:schemeClr val="lt1"/>
+          </a:fontRef>
+        </p:style>
+        <p:txBody>
+          <a:bodyPr rtlCol="0" anchor="ctr"/>
+          <a:lstStyle/>
+          <a:p>
+            <a:pPr algn="ctr"/>
+            <a:endParaRPr lang="en-US"/>
+          </a:p>
+        </p:txBody>
+      </p:sp>
+      <p:sp>
+        <p:nvSpPr>
           <p:cNvPr id="2" name="Title 1">
             <a:extLst>
               <a:ext uri="{FF2B5EF4-FFF2-40B4-BE49-F238E27FC236}">
@@ -6414,24 +7184,50 @@
             <p:ph type="title"/>
           </p:nvPr>
         </p:nvSpPr>
-        <p:spPr/>
-        <p:txBody>
-          <a:bodyPr/>
+        <p:spPr>
+          <a:xfrm>
+            <a:off x="640080" y="2074363"/>
+            <a:ext cx="2752354" cy="2709275"/>
+          </a:xfrm>
+          <a:prstGeom prst="ellipse">
+            <a:avLst/>
+          </a:prstGeom>
+          <a:solidFill>
+            <a:srgbClr val="262626"/>
+          </a:solidFill>
+          <a:ln w="174625" cmpd="thinThick">
+            <a:solidFill>
+              <a:srgbClr val="262626"/>
+            </a:solidFill>
+          </a:ln>
+        </p:spPr>
+        <p:txBody>
+          <a:bodyPr vert="horz" lIns="91440" tIns="45720" rIns="91440" bIns="45720" rtlCol="0" anchor="ctr">
+            <a:normAutofit/>
+          </a:bodyPr>
           <a:lstStyle/>
           <a:p>
-            <a:r>
-              <a:rPr lang="en-US" dirty="0"/>
-              <a:t>Median IBU and ABV by State</a:t>
+            <a:pPr algn="ctr"/>
+            <a:r>
+              <a:rPr lang="en-US" sz="2600" kern="1200">
+                <a:solidFill>
+                  <a:srgbClr val="FFFFFF"/>
+                </a:solidFill>
+                <a:latin typeface="+mj-lt"/>
+                <a:ea typeface="+mj-ea"/>
+                <a:cs typeface="+mj-cs"/>
+              </a:rPr>
+              <a:t>Median ABV (Beers) by State</a:t>
             </a:r>
           </a:p>
         </p:txBody>
       </p:sp>
       <p:pic>
         <p:nvPicPr>
-          <p:cNvPr id="8" name="Picture 8" descr="Chart, bar chart&#10;&#10;Description automatically generated">
+          <p:cNvPr id="4" name="Picture 3" descr="Chart, bar chart, histogram&#10;&#10;Description automatically generated">
             <a:extLst>
               <a:ext uri="{FF2B5EF4-FFF2-40B4-BE49-F238E27FC236}">
-                <a16:creationId xmlns:a16="http://schemas.microsoft.com/office/drawing/2014/main" id="{408416AE-8FCA-48B0-909D-D16F1CE40035}"/>
+                <a16:creationId xmlns:a16="http://schemas.microsoft.com/office/drawing/2014/main" id="{EAC65819-B765-D64C-9FE2-9AEB2180FFDF}"/>
               </a:ext>
             </a:extLst>
           </p:cNvPr>
@@ -6448,38 +7244,8 @@
         </p:blipFill>
         <p:spPr>
           <a:xfrm>
-            <a:off x="6098146" y="2379874"/>
-            <a:ext cx="5995115" cy="3246617"/>
-          </a:xfrm>
-          <a:prstGeom prst="rect">
-            <a:avLst/>
-          </a:prstGeom>
-        </p:spPr>
-      </p:pic>
-      <p:pic>
-        <p:nvPicPr>
-          <p:cNvPr id="9" name="Picture 9" descr="Chart, bar chart&#10;&#10;Description automatically generated">
-            <a:extLst>
-              <a:ext uri="{FF2B5EF4-FFF2-40B4-BE49-F238E27FC236}">
-                <a16:creationId xmlns:a16="http://schemas.microsoft.com/office/drawing/2014/main" id="{E84CF30E-D738-4D81-8AD0-458305EB2153}"/>
-              </a:ext>
-            </a:extLst>
-          </p:cNvPr>
-          <p:cNvPicPr>
-            <a:picLocks noChangeAspect="1"/>
-          </p:cNvPicPr>
-          <p:nvPr/>
-        </p:nvPicPr>
-        <p:blipFill>
-          <a:blip r:embed="rId4"/>
-          <a:stretch>
-            <a:fillRect/>
-          </a:stretch>
-        </p:blipFill>
-        <p:spPr>
-          <a:xfrm>
-            <a:off x="25329" y="2364789"/>
-            <a:ext cx="6070242" cy="3257349"/>
+            <a:off x="3566821" y="259492"/>
+            <a:ext cx="8625179" cy="6512011"/>
           </a:xfrm>
           <a:prstGeom prst="rect">
             <a:avLst/>
@@ -6496,12 +7262,103 @@
   <p:clrMapOvr>
     <a:masterClrMapping/>
   </p:clrMapOvr>
+  <p:timing>
+    <p:tnLst>
+      <p:par>
+        <p:cTn id="1" dur="indefinite" restart="never" nodeType="tmRoot">
+          <p:childTnLst>
+            <p:seq concurrent="1" nextAc="seek">
+              <p:cTn id="2" dur="indefinite" nodeType="mainSeq">
+                <p:childTnLst>
+                  <p:par>
+                    <p:cTn id="3" fill="hold">
+                      <p:stCondLst>
+                        <p:cond delay="indefinite"/>
+                      </p:stCondLst>
+                      <p:childTnLst>
+                        <p:par>
+                          <p:cTn id="4" fill="hold">
+                            <p:stCondLst>
+                              <p:cond delay="0"/>
+                            </p:stCondLst>
+                            <p:childTnLst>
+                              <p:par>
+                                <p:cTn id="5" presetID="14" presetClass="entr" presetSubtype="10" fill="hold" nodeType="clickEffect">
+                                  <p:stCondLst>
+                                    <p:cond delay="0"/>
+                                  </p:stCondLst>
+                                  <p:childTnLst>
+                                    <p:set>
+                                      <p:cBhvr>
+                                        <p:cTn id="6" dur="1" fill="hold">
+                                          <p:stCondLst>
+                                            <p:cond delay="0"/>
+                                          </p:stCondLst>
+                                        </p:cTn>
+                                        <p:tgtEl>
+                                          <p:spTgt spid="4"/>
+                                        </p:tgtEl>
+                                        <p:attrNameLst>
+                                          <p:attrName>style.visibility</p:attrName>
+                                        </p:attrNameLst>
+                                      </p:cBhvr>
+                                      <p:to>
+                                        <p:strVal val="visible"/>
+                                      </p:to>
+                                    </p:set>
+                                    <p:animEffect transition="in" filter="randombar(horizontal)">
+                                      <p:cBhvr>
+                                        <p:cTn id="7" dur="500"/>
+                                        <p:tgtEl>
+                                          <p:spTgt spid="4"/>
+                                        </p:tgtEl>
+                                      </p:cBhvr>
+                                    </p:animEffect>
+                                  </p:childTnLst>
+                                </p:cTn>
+                              </p:par>
+                            </p:childTnLst>
+                          </p:cTn>
+                        </p:par>
+                      </p:childTnLst>
+                    </p:cTn>
+                  </p:par>
+                </p:childTnLst>
+              </p:cTn>
+              <p:prevCondLst>
+                <p:cond evt="onPrev" delay="0">
+                  <p:tgtEl>
+                    <p:sldTgt/>
+                  </p:tgtEl>
+                </p:cond>
+              </p:prevCondLst>
+              <p:nextCondLst>
+                <p:cond evt="onNext" delay="0">
+                  <p:tgtEl>
+                    <p:sldTgt/>
+                  </p:tgtEl>
+                </p:cond>
+              </p:nextCondLst>
+            </p:seq>
+          </p:childTnLst>
+        </p:cTn>
+      </p:par>
+    </p:tnLst>
+  </p:timing>
 </p:sld>
 </file>
 
 <file path=ppt/slides/slide5.xml><?xml version="1.0" encoding="utf-8"?>
 <p:sld xmlns:a="http://schemas.openxmlformats.org/drawingml/2006/main" xmlns:r="http://schemas.openxmlformats.org/officeDocument/2006/relationships" xmlns:p="http://schemas.openxmlformats.org/presentationml/2006/main">
   <p:cSld>
+    <p:bg>
+      <p:bgPr>
+        <a:solidFill>
+          <a:schemeClr val="bg1"/>
+        </a:solidFill>
+        <a:effectLst/>
+      </p:bgPr>
+    </p:bg>
     <p:spTree>
       <p:nvGrpSpPr>
         <p:cNvPr id="1" name=""/>
@@ -6516,12 +7373,485 @@
           <a:chExt cx="0" cy="0"/>
         </a:xfrm>
       </p:grpSpPr>
+      <p:sp useBgFill="1">
+        <p:nvSpPr>
+          <p:cNvPr id="27" name="Rectangle 26">
+            <a:extLst>
+              <a:ext uri="{FF2B5EF4-FFF2-40B4-BE49-F238E27FC236}">
+                <a16:creationId xmlns:a16="http://schemas.microsoft.com/office/drawing/2014/main" id="{A8384FB5-9ADC-4DDC-881B-597D56F5B15D}"/>
+              </a:ext>
+              <a:ext uri="{C183D7F6-B498-43B3-948B-1728B52AA6E4}">
+                <adec:decorative xmlns:adec="http://schemas.microsoft.com/office/drawing/2017/decorative" val="1"/>
+              </a:ext>
+            </a:extLst>
+          </p:cNvPr>
+          <p:cNvSpPr>
+            <a:spLocks noGrp="1" noRot="1" noChangeAspect="1" noMove="1" noResize="1" noEditPoints="1" noAdjustHandles="1" noChangeArrowheads="1" noChangeShapeType="1" noTextEdit="1"/>
+          </p:cNvSpPr>
+          <p:nvPr>
+            <p:extLst>
+              <p:ext uri="{386F3935-93C4-4BCD-93E2-E3B085C9AB24}">
+                <p16:designElem xmlns:p16="http://schemas.microsoft.com/office/powerpoint/2015/main" val="1"/>
+              </p:ext>
+            </p:extLst>
+          </p:nvPr>
+        </p:nvSpPr>
+        <p:spPr>
+          <a:xfrm>
+            <a:off x="0" y="0"/>
+            <a:ext cx="12192000" cy="6858000"/>
+          </a:xfrm>
+          <a:prstGeom prst="rect">
+            <a:avLst/>
+          </a:prstGeom>
+          <a:ln w="12700" cap="flat" cmpd="sng" algn="ctr">
+            <a:noFill/>
+            <a:prstDash val="solid"/>
+            <a:miter lim="800000"/>
+          </a:ln>
+          <a:effectLst/>
+          <a:extLst>
+            <a:ext uri="{91240B29-F687-4F45-9708-019B960494DF}">
+              <a14:hiddenLine xmlns:a14="http://schemas.microsoft.com/office/drawing/2010/main" w="12700" cap="flat" cmpd="sng" algn="ctr">
+                <a:solidFill>
+                  <a:schemeClr val="accent1">
+                    <a:shade val="50000"/>
+                  </a:schemeClr>
+                </a:solidFill>
+                <a:prstDash val="solid"/>
+                <a:miter lim="800000"/>
+              </a14:hiddenLine>
+            </a:ext>
+          </a:extLst>
+        </p:spPr>
+        <p:style>
+          <a:lnRef idx="2">
+            <a:schemeClr val="accent1">
+              <a:shade val="50000"/>
+            </a:schemeClr>
+          </a:lnRef>
+          <a:fillRef idx="1">
+            <a:schemeClr val="accent1"/>
+          </a:fillRef>
+          <a:effectRef idx="0">
+            <a:schemeClr val="accent1"/>
+          </a:effectRef>
+          <a:fontRef idx="minor">
+            <a:schemeClr val="lt1"/>
+          </a:fontRef>
+        </p:style>
+        <p:txBody>
+          <a:bodyPr rtlCol="0" anchor="ctr"/>
+          <a:lstStyle/>
+          <a:p>
+            <a:pPr algn="ctr"/>
+            <a:endParaRPr lang="en-US"/>
+          </a:p>
+        </p:txBody>
+      </p:sp>
+      <p:sp>
+        <p:nvSpPr>
+          <p:cNvPr id="29" name="Rectangle 28">
+            <a:extLst>
+              <a:ext uri="{FF2B5EF4-FFF2-40B4-BE49-F238E27FC236}">
+                <a16:creationId xmlns:a16="http://schemas.microsoft.com/office/drawing/2014/main" id="{91E5A9A7-95C6-4F4F-B00E-C82E07FE62EF}"/>
+              </a:ext>
+              <a:ext uri="{C183D7F6-B498-43B3-948B-1728B52AA6E4}">
+                <adec:decorative xmlns:adec="http://schemas.microsoft.com/office/drawing/2017/decorative" val="1"/>
+              </a:ext>
+            </a:extLst>
+          </p:cNvPr>
+          <p:cNvSpPr>
+            <a:spLocks noGrp="1" noRot="1" noChangeAspect="1" noMove="1" noResize="1" noEditPoints="1" noAdjustHandles="1" noChangeArrowheads="1" noChangeShapeType="1" noTextEdit="1"/>
+          </p:cNvSpPr>
+          <p:nvPr>
+            <p:extLst>
+              <p:ext uri="{386F3935-93C4-4BCD-93E2-E3B085C9AB24}">
+                <p16:designElem xmlns:p16="http://schemas.microsoft.com/office/powerpoint/2015/main" val="1"/>
+              </p:ext>
+            </p:extLst>
+          </p:nvPr>
+        </p:nvSpPr>
+        <p:spPr>
+          <a:xfrm rot="5400000" flipH="1">
+            <a:off x="-1417539" y="1417538"/>
+            <a:ext cx="6875818" cy="4040744"/>
+          </a:xfrm>
+          <a:prstGeom prst="rect">
+            <a:avLst/>
+          </a:prstGeom>
+          <a:gradFill>
+            <a:gsLst>
+              <a:gs pos="0">
+                <a:srgbClr val="000000"/>
+              </a:gs>
+              <a:gs pos="100000">
+                <a:schemeClr val="accent1">
+                  <a:lumMod val="75000"/>
+                </a:schemeClr>
+              </a:gs>
+            </a:gsLst>
+            <a:lin ang="18600000" scaled="0"/>
+          </a:gradFill>
+          <a:ln>
+            <a:noFill/>
+          </a:ln>
+        </p:spPr>
+        <p:style>
+          <a:lnRef idx="2">
+            <a:schemeClr val="accent1">
+              <a:shade val="50000"/>
+            </a:schemeClr>
+          </a:lnRef>
+          <a:fillRef idx="1">
+            <a:schemeClr val="accent1"/>
+          </a:fillRef>
+          <a:effectRef idx="0">
+            <a:schemeClr val="accent1"/>
+          </a:effectRef>
+          <a:fontRef idx="minor">
+            <a:schemeClr val="lt1"/>
+          </a:fontRef>
+        </p:style>
+        <p:txBody>
+          <a:bodyPr rtlCol="0" anchor="ctr"/>
+          <a:lstStyle/>
+          <a:p>
+            <a:pPr algn="ctr"/>
+            <a:endParaRPr lang="en-US" dirty="0"/>
+          </a:p>
+        </p:txBody>
+      </p:sp>
+      <p:sp>
+        <p:nvSpPr>
+          <p:cNvPr id="31" name="Rectangle 30">
+            <a:extLst>
+              <a:ext uri="{FF2B5EF4-FFF2-40B4-BE49-F238E27FC236}">
+                <a16:creationId xmlns:a16="http://schemas.microsoft.com/office/drawing/2014/main" id="{D07DD2DE-F619-49DD-B5E7-03A290FF4ED1}"/>
+              </a:ext>
+              <a:ext uri="{C183D7F6-B498-43B3-948B-1728B52AA6E4}">
+                <adec:decorative xmlns:adec="http://schemas.microsoft.com/office/drawing/2017/decorative" val="1"/>
+              </a:ext>
+            </a:extLst>
+          </p:cNvPr>
+          <p:cNvSpPr>
+            <a:spLocks noGrp="1" noRot="1" noChangeAspect="1" noMove="1" noResize="1" noEditPoints="1" noAdjustHandles="1" noChangeArrowheads="1" noChangeShapeType="1" noTextEdit="1"/>
+          </p:cNvSpPr>
+          <p:nvPr>
+            <p:extLst>
+              <p:ext uri="{386F3935-93C4-4BCD-93E2-E3B085C9AB24}">
+                <p16:designElem xmlns:p16="http://schemas.microsoft.com/office/powerpoint/2015/main" val="1"/>
+              </p:ext>
+            </p:extLst>
+          </p:nvPr>
+        </p:nvSpPr>
+        <p:spPr>
+          <a:xfrm rot="16200000">
+            <a:off x="-158495" y="2660473"/>
+            <a:ext cx="4355594" cy="4038603"/>
+          </a:xfrm>
+          <a:prstGeom prst="rect">
+            <a:avLst/>
+          </a:prstGeom>
+          <a:gradFill>
+            <a:gsLst>
+              <a:gs pos="0">
+                <a:schemeClr val="accent1">
+                  <a:alpha val="50000"/>
+                </a:schemeClr>
+              </a:gs>
+              <a:gs pos="100000">
+                <a:schemeClr val="accent1">
+                  <a:lumMod val="50000"/>
+                  <a:alpha val="0"/>
+                </a:schemeClr>
+              </a:gs>
+            </a:gsLst>
+            <a:lin ang="11400000" scaled="0"/>
+          </a:gradFill>
+          <a:ln>
+            <a:noFill/>
+          </a:ln>
+        </p:spPr>
+        <p:style>
+          <a:lnRef idx="2">
+            <a:schemeClr val="accent1">
+              <a:shade val="50000"/>
+            </a:schemeClr>
+          </a:lnRef>
+          <a:fillRef idx="1">
+            <a:schemeClr val="accent1"/>
+          </a:fillRef>
+          <a:effectRef idx="0">
+            <a:schemeClr val="accent1"/>
+          </a:effectRef>
+          <a:fontRef idx="minor">
+            <a:schemeClr val="lt1"/>
+          </a:fontRef>
+        </p:style>
+        <p:txBody>
+          <a:bodyPr rtlCol="0" anchor="ctr"/>
+          <a:lstStyle/>
+          <a:p>
+            <a:pPr algn="ctr"/>
+            <a:endParaRPr lang="en-US"/>
+          </a:p>
+        </p:txBody>
+      </p:sp>
+      <p:sp>
+        <p:nvSpPr>
+          <p:cNvPr id="33" name="Rectangle 32">
+            <a:extLst>
+              <a:ext uri="{FF2B5EF4-FFF2-40B4-BE49-F238E27FC236}">
+                <a16:creationId xmlns:a16="http://schemas.microsoft.com/office/drawing/2014/main" id="{85149191-5F60-4A28-AAFF-039F96B0F3EC}"/>
+              </a:ext>
+              <a:ext uri="{C183D7F6-B498-43B3-948B-1728B52AA6E4}">
+                <adec:decorative xmlns:adec="http://schemas.microsoft.com/office/drawing/2017/decorative" val="1"/>
+              </a:ext>
+            </a:extLst>
+          </p:cNvPr>
+          <p:cNvSpPr>
+            <a:spLocks noGrp="1" noRot="1" noChangeAspect="1" noMove="1" noResize="1" noEditPoints="1" noAdjustHandles="1" noChangeArrowheads="1" noChangeShapeType="1" noTextEdit="1"/>
+          </p:cNvSpPr>
+          <p:nvPr>
+            <p:extLst>
+              <p:ext uri="{386F3935-93C4-4BCD-93E2-E3B085C9AB24}">
+                <p16:designElem xmlns:p16="http://schemas.microsoft.com/office/powerpoint/2015/main" val="1"/>
+              </p:ext>
+            </p:extLst>
+          </p:nvPr>
+        </p:nvSpPr>
+        <p:spPr>
+          <a:xfrm rot="16200000" flipH="1">
+            <a:off x="-1180882" y="1638085"/>
+            <a:ext cx="6857572" cy="3581401"/>
+          </a:xfrm>
+          <a:prstGeom prst="rect">
+            <a:avLst/>
+          </a:prstGeom>
+          <a:gradFill>
+            <a:gsLst>
+              <a:gs pos="0">
+                <a:srgbClr val="000000">
+                  <a:alpha val="59000"/>
+                </a:srgbClr>
+              </a:gs>
+              <a:gs pos="69000">
+                <a:schemeClr val="accent1">
+                  <a:alpha val="0"/>
+                </a:schemeClr>
+              </a:gs>
+            </a:gsLst>
+            <a:lin ang="13200000" scaled="0"/>
+          </a:gradFill>
+          <a:ln>
+            <a:noFill/>
+          </a:ln>
+        </p:spPr>
+        <p:style>
+          <a:lnRef idx="2">
+            <a:schemeClr val="accent1">
+              <a:shade val="50000"/>
+            </a:schemeClr>
+          </a:lnRef>
+          <a:fillRef idx="1">
+            <a:schemeClr val="accent1"/>
+          </a:fillRef>
+          <a:effectRef idx="0">
+            <a:schemeClr val="accent1"/>
+          </a:effectRef>
+          <a:fontRef idx="minor">
+            <a:schemeClr val="lt1"/>
+          </a:fontRef>
+        </p:style>
+        <p:txBody>
+          <a:bodyPr rtlCol="0" anchor="ctr"/>
+          <a:lstStyle/>
+          <a:p>
+            <a:pPr algn="ctr"/>
+            <a:endParaRPr lang="en-US" dirty="0"/>
+          </a:p>
+        </p:txBody>
+      </p:sp>
+      <p:sp>
+        <p:nvSpPr>
+          <p:cNvPr id="35" name="Freeform: Shape 34">
+            <a:extLst>
+              <a:ext uri="{FF2B5EF4-FFF2-40B4-BE49-F238E27FC236}">
+                <a16:creationId xmlns:a16="http://schemas.microsoft.com/office/drawing/2014/main" id="{F8260ED5-17F7-4158-B241-D51DD4CF1B7E}"/>
+              </a:ext>
+              <a:ext uri="{C183D7F6-B498-43B3-948B-1728B52AA6E4}">
+                <adec:decorative xmlns:adec="http://schemas.microsoft.com/office/drawing/2017/decorative" val="1"/>
+              </a:ext>
+            </a:extLst>
+          </p:cNvPr>
+          <p:cNvSpPr>
+            <a:spLocks noGrp="1" noRot="1" noChangeAspect="1" noMove="1" noResize="1" noEditPoints="1" noAdjustHandles="1" noChangeArrowheads="1" noChangeShapeType="1" noTextEdit="1"/>
+          </p:cNvSpPr>
+          <p:nvPr>
+            <p:extLst>
+              <p:ext uri="{386F3935-93C4-4BCD-93E2-E3B085C9AB24}">
+                <p16:designElem xmlns:p16="http://schemas.microsoft.com/office/powerpoint/2015/main" val="1"/>
+              </p:ext>
+            </p:extLst>
+          </p:nvPr>
+        </p:nvSpPr>
+        <p:spPr>
+          <a:xfrm rot="6097846">
+            <a:off x="-747355" y="1201312"/>
+            <a:ext cx="4808302" cy="4088666"/>
+          </a:xfrm>
+          <a:custGeom>
+            <a:avLst/>
+            <a:gdLst>
+              <a:gd name="connsiteX0" fmla="*/ 48844 w 4808302"/>
+              <a:gd name="connsiteY0" fmla="*/ 2888671 h 4088666"/>
+              <a:gd name="connsiteX1" fmla="*/ 0 w 4808302"/>
+              <a:gd name="connsiteY1" fmla="*/ 2404151 h 4088666"/>
+              <a:gd name="connsiteX2" fmla="*/ 2404151 w 4808302"/>
+              <a:gd name="connsiteY2" fmla="*/ 0 h 4088666"/>
+              <a:gd name="connsiteX3" fmla="*/ 4808302 w 4808302"/>
+              <a:gd name="connsiteY3" fmla="*/ 2404151 h 4088666"/>
+              <a:gd name="connsiteX4" fmla="*/ 4700216 w 4808302"/>
+              <a:gd name="connsiteY4" fmla="*/ 3119072 h 4088666"/>
+              <a:gd name="connsiteX5" fmla="*/ 4643143 w 4808302"/>
+              <a:gd name="connsiteY5" fmla="*/ 3275009 h 4088666"/>
+              <a:gd name="connsiteX6" fmla="*/ 690093 w 4808302"/>
+              <a:gd name="connsiteY6" fmla="*/ 4088666 h 4088666"/>
+              <a:gd name="connsiteX7" fmla="*/ 548991 w 4808302"/>
+              <a:gd name="connsiteY7" fmla="*/ 3933414 h 4088666"/>
+              <a:gd name="connsiteX8" fmla="*/ 48844 w 4808302"/>
+              <a:gd name="connsiteY8" fmla="*/ 2888671 h 4088666"/>
+            </a:gdLst>
+            <a:ahLst/>
+            <a:cxnLst>
+              <a:cxn ang="0">
+                <a:pos x="connsiteX0" y="connsiteY0"/>
+              </a:cxn>
+              <a:cxn ang="0">
+                <a:pos x="connsiteX1" y="connsiteY1"/>
+              </a:cxn>
+              <a:cxn ang="0">
+                <a:pos x="connsiteX2" y="connsiteY2"/>
+              </a:cxn>
+              <a:cxn ang="0">
+                <a:pos x="connsiteX3" y="connsiteY3"/>
+              </a:cxn>
+              <a:cxn ang="0">
+                <a:pos x="connsiteX4" y="connsiteY4"/>
+              </a:cxn>
+              <a:cxn ang="0">
+                <a:pos x="connsiteX5" y="connsiteY5"/>
+              </a:cxn>
+              <a:cxn ang="0">
+                <a:pos x="connsiteX6" y="connsiteY6"/>
+              </a:cxn>
+              <a:cxn ang="0">
+                <a:pos x="connsiteX7" y="connsiteY7"/>
+              </a:cxn>
+              <a:cxn ang="0">
+                <a:pos x="connsiteX8" y="connsiteY8"/>
+              </a:cxn>
+            </a:cxnLst>
+            <a:rect l="l" t="t" r="r" b="b"/>
+            <a:pathLst>
+              <a:path w="4808302" h="4088666">
+                <a:moveTo>
+                  <a:pt x="48844" y="2888671"/>
+                </a:moveTo>
+                <a:cubicBezTo>
+                  <a:pt x="16818" y="2732167"/>
+                  <a:pt x="0" y="2570123"/>
+                  <a:pt x="0" y="2404151"/>
+                </a:cubicBezTo>
+                <a:cubicBezTo>
+                  <a:pt x="0" y="1076375"/>
+                  <a:pt x="1076375" y="0"/>
+                  <a:pt x="2404151" y="0"/>
+                </a:cubicBezTo>
+                <a:cubicBezTo>
+                  <a:pt x="3731927" y="0"/>
+                  <a:pt x="4808302" y="1076375"/>
+                  <a:pt x="4808302" y="2404151"/>
+                </a:cubicBezTo>
+                <a:cubicBezTo>
+                  <a:pt x="4808302" y="2653109"/>
+                  <a:pt x="4770461" y="2893229"/>
+                  <a:pt x="4700216" y="3119072"/>
+                </a:cubicBezTo>
+                <a:lnTo>
+                  <a:pt x="4643143" y="3275009"/>
+                </a:lnTo>
+                <a:lnTo>
+                  <a:pt x="690093" y="4088666"/>
+                </a:lnTo>
+                <a:lnTo>
+                  <a:pt x="548991" y="3933414"/>
+                </a:lnTo>
+                <a:cubicBezTo>
+                  <a:pt x="304015" y="3636572"/>
+                  <a:pt x="128908" y="3279932"/>
+                  <a:pt x="48844" y="2888671"/>
+                </a:cubicBezTo>
+                <a:close/>
+              </a:path>
+            </a:pathLst>
+          </a:custGeom>
+          <a:gradFill>
+            <a:gsLst>
+              <a:gs pos="39000">
+                <a:schemeClr val="accent1">
+                  <a:lumMod val="60000"/>
+                  <a:lumOff val="40000"/>
+                  <a:alpha val="0"/>
+                </a:schemeClr>
+              </a:gs>
+              <a:gs pos="100000">
+                <a:schemeClr val="accent1">
+                  <a:lumMod val="75000"/>
+                  <a:alpha val="26000"/>
+                </a:schemeClr>
+              </a:gs>
+            </a:gsLst>
+            <a:lin ang="18600000" scaled="0"/>
+          </a:gradFill>
+          <a:ln>
+            <a:noFill/>
+          </a:ln>
+        </p:spPr>
+        <p:style>
+          <a:lnRef idx="2">
+            <a:schemeClr val="accent1">
+              <a:shade val="50000"/>
+            </a:schemeClr>
+          </a:lnRef>
+          <a:fillRef idx="1">
+            <a:schemeClr val="accent1"/>
+          </a:fillRef>
+          <a:effectRef idx="0">
+            <a:schemeClr val="accent1"/>
+          </a:effectRef>
+          <a:fontRef idx="minor">
+            <a:schemeClr val="lt1"/>
+          </a:fontRef>
+        </p:style>
+        <p:txBody>
+          <a:bodyPr wrap="square" rtlCol="0" anchor="ctr">
+            <a:noAutofit/>
+          </a:bodyPr>
+          <a:lstStyle/>
+          <a:p>
+            <a:pPr algn="ctr"/>
+            <a:endParaRPr lang="en-US" dirty="0"/>
+          </a:p>
+        </p:txBody>
+      </p:sp>
       <p:sp>
         <p:nvSpPr>
           <p:cNvPr id="2" name="Title 1">
             <a:extLst>
               <a:ext uri="{FF2B5EF4-FFF2-40B4-BE49-F238E27FC236}">
-                <a16:creationId xmlns:a16="http://schemas.microsoft.com/office/drawing/2014/main" id="{8B389B45-5E52-47C2-8FAD-764AFB86FEFA}"/>
+                <a16:creationId xmlns:a16="http://schemas.microsoft.com/office/drawing/2014/main" id="{C4341FD7-7307-44F9-8D2C-9D3F0904D5FF}"/>
               </a:ext>
             </a:extLst>
           </p:cNvPr>
@@ -6532,497 +7862,41 @@
             <p:ph type="title"/>
           </p:nvPr>
         </p:nvSpPr>
-        <p:spPr/>
-        <p:txBody>
-          <a:bodyPr/>
-          <a:lstStyle/>
-          <a:p>
-            <a:r>
-              <a:rPr lang="en-US" dirty="0"/>
-              <a:t>State Superlatives: ABV and IBU </a:t>
-            </a:r>
-          </a:p>
-        </p:txBody>
-      </p:sp>
-      <p:pic>
-        <p:nvPicPr>
-          <p:cNvPr id="4" name="Picture 4" descr="Chart, bar chart&#10;&#10;Description automatically generated">
-            <a:extLst>
-              <a:ext uri="{FF2B5EF4-FFF2-40B4-BE49-F238E27FC236}">
-                <a16:creationId xmlns:a16="http://schemas.microsoft.com/office/drawing/2014/main" id="{68C874B8-DA41-4183-B40D-3E74A080BF06}"/>
-              </a:ext>
-            </a:extLst>
-          </p:cNvPr>
-          <p:cNvPicPr>
-            <a:picLocks noGrp="1" noChangeAspect="1"/>
-          </p:cNvPicPr>
-          <p:nvPr>
-            <p:ph idx="1"/>
-          </p:nvPr>
-        </p:nvPicPr>
-        <p:blipFill>
-          <a:blip r:embed="rId2"/>
-          <a:stretch>
-            <a:fillRect/>
-          </a:stretch>
-        </p:blipFill>
         <p:spPr>
           <a:xfrm>
-            <a:off x="2056169" y="1912711"/>
-            <a:ext cx="8088369" cy="4351338"/>
+            <a:off x="354105" y="2767106"/>
+            <a:ext cx="3186764" cy="3071906"/>
           </a:xfrm>
+          <a:prstGeom prst="ellipse">
+            <a:avLst/>
+          </a:prstGeom>
         </p:spPr>
-      </p:pic>
-    </p:spTree>
-    <p:extLst>
-      <p:ext uri="{BB962C8B-B14F-4D97-AF65-F5344CB8AC3E}">
-        <p14:creationId xmlns:p14="http://schemas.microsoft.com/office/powerpoint/2010/main" val="196480873"/>
-      </p:ext>
-    </p:extLst>
-  </p:cSld>
-  <p:clrMapOvr>
-    <a:masterClrMapping/>
-  </p:clrMapOvr>
-</p:sld>
-</file>
-
-<file path=ppt/slides/slide6.xml><?xml version="1.0" encoding="utf-8"?>
-<p:sld xmlns:a="http://schemas.openxmlformats.org/drawingml/2006/main" xmlns:r="http://schemas.openxmlformats.org/officeDocument/2006/relationships" xmlns:p="http://schemas.openxmlformats.org/presentationml/2006/main">
-  <p:cSld>
-    <p:spTree>
-      <p:nvGrpSpPr>
-        <p:cNvPr id="1" name=""/>
-        <p:cNvGrpSpPr/>
-        <p:nvPr/>
-      </p:nvGrpSpPr>
-      <p:grpSpPr>
-        <a:xfrm>
-          <a:off x="0" y="0"/>
-          <a:ext cx="0" cy="0"/>
-          <a:chOff x="0" y="0"/>
-          <a:chExt cx="0" cy="0"/>
-        </a:xfrm>
-      </p:grpSpPr>
-      <p:sp>
-        <p:nvSpPr>
-          <p:cNvPr id="2" name="Title 1">
-            <a:extLst>
-              <a:ext uri="{FF2B5EF4-FFF2-40B4-BE49-F238E27FC236}">
-                <a16:creationId xmlns:a16="http://schemas.microsoft.com/office/drawing/2014/main" id="{662FD07D-95E2-4152-93F5-0CA6A2038423}"/>
-              </a:ext>
-            </a:extLst>
-          </p:cNvPr>
-          <p:cNvSpPr>
-            <a:spLocks noGrp="1"/>
-          </p:cNvSpPr>
-          <p:nvPr>
-            <p:ph type="title"/>
-          </p:nvPr>
-        </p:nvSpPr>
-        <p:spPr/>
-        <p:txBody>
-          <a:bodyPr>
+        <p:txBody>
+          <a:bodyPr vert="horz" lIns="91440" tIns="45720" rIns="91440" bIns="45720" rtlCol="0" anchor="t">
             <a:normAutofit/>
           </a:bodyPr>
           <a:lstStyle/>
           <a:p>
             <a:r>
-              <a:rPr lang="en-US">
-                <a:ea typeface="+mj-lt"/>
-                <a:cs typeface="+mj-lt"/>
+              <a:rPr lang="en-US" sz="3200" kern="1200" dirty="0">
+                <a:solidFill>
+                  <a:srgbClr val="FFFFFF"/>
+                </a:solidFill>
+                <a:latin typeface="+mj-lt"/>
+                <a:ea typeface="+mj-ea"/>
+                <a:cs typeface="+mj-cs"/>
               </a:rPr>
-              <a:t>State Superlatives: ABV and IBU </a:t>
+              <a:t>Bitterness Comparison by State</a:t>
             </a:r>
           </a:p>
         </p:txBody>
       </p:sp>
       <p:pic>
         <p:nvPicPr>
-          <p:cNvPr id="4" name="Picture 4" descr="Chart, bar chart&#10;&#10;Description automatically generated">
+          <p:cNvPr id="5" name="Picture 4" descr="Chart, bar chart, line chart, histogram&#10;&#10;Description automatically generated">
             <a:extLst>
               <a:ext uri="{FF2B5EF4-FFF2-40B4-BE49-F238E27FC236}">
-                <a16:creationId xmlns:a16="http://schemas.microsoft.com/office/drawing/2014/main" id="{146E791E-8806-4681-AB98-A8C163FEFBA6}"/>
-              </a:ext>
-            </a:extLst>
-          </p:cNvPr>
-          <p:cNvPicPr>
-            <a:picLocks noGrp="1" noChangeAspect="1"/>
-          </p:cNvPicPr>
-          <p:nvPr>
-            <p:ph idx="1"/>
-          </p:nvPr>
-        </p:nvPicPr>
-        <p:blipFill>
-          <a:blip r:embed="rId2"/>
-          <a:stretch>
-            <a:fillRect/>
-          </a:stretch>
-        </p:blipFill>
-        <p:spPr>
-          <a:xfrm>
-            <a:off x="2051815" y="1825625"/>
-            <a:ext cx="8088369" cy="4351338"/>
-          </a:xfrm>
-        </p:spPr>
-      </p:pic>
-    </p:spTree>
-    <p:extLst>
-      <p:ext uri="{BB962C8B-B14F-4D97-AF65-F5344CB8AC3E}">
-        <p14:creationId xmlns:p14="http://schemas.microsoft.com/office/powerpoint/2010/main" val="38533188"/>
-      </p:ext>
-    </p:extLst>
-  </p:cSld>
-  <p:clrMapOvr>
-    <a:masterClrMapping/>
-  </p:clrMapOvr>
-</p:sld>
-</file>
-
-<file path=ppt/slides/slide7.xml><?xml version="1.0" encoding="utf-8"?>
-<p:sld xmlns:a="http://schemas.openxmlformats.org/drawingml/2006/main" xmlns:r="http://schemas.openxmlformats.org/officeDocument/2006/relationships" xmlns:p="http://schemas.openxmlformats.org/presentationml/2006/main">
-  <p:cSld>
-    <p:spTree>
-      <p:nvGrpSpPr>
-        <p:cNvPr id="1" name=""/>
-        <p:cNvGrpSpPr/>
-        <p:nvPr/>
-      </p:nvGrpSpPr>
-      <p:grpSpPr>
-        <a:xfrm>
-          <a:off x="0" y="0"/>
-          <a:ext cx="0" cy="0"/>
-          <a:chOff x="0" y="0"/>
-          <a:chExt cx="0" cy="0"/>
-        </a:xfrm>
-      </p:grpSpPr>
-      <p:sp>
-        <p:nvSpPr>
-          <p:cNvPr id="2" name="Title 1">
-            <a:extLst>
-              <a:ext uri="{FF2B5EF4-FFF2-40B4-BE49-F238E27FC236}">
-                <a16:creationId xmlns:a16="http://schemas.microsoft.com/office/drawing/2014/main" id="{E2E2FB5B-A2D9-4647-911F-AF85BBB3EF19}"/>
-              </a:ext>
-            </a:extLst>
-          </p:cNvPr>
-          <p:cNvSpPr>
-            <a:spLocks noGrp="1"/>
-          </p:cNvSpPr>
-          <p:nvPr>
-            <p:ph type="title"/>
-          </p:nvPr>
-        </p:nvSpPr>
-        <p:spPr/>
-        <p:txBody>
-          <a:bodyPr/>
-          <a:lstStyle/>
-          <a:p>
-            <a:r>
-              <a:rPr lang="en-US" dirty="0"/>
-              <a:t>Summary Distribution</a:t>
-            </a:r>
-          </a:p>
-        </p:txBody>
-      </p:sp>
-      <p:graphicFrame>
-        <p:nvGraphicFramePr>
-          <p:cNvPr id="4" name="Table 4">
-            <a:extLst>
-              <a:ext uri="{FF2B5EF4-FFF2-40B4-BE49-F238E27FC236}">
-                <a16:creationId xmlns:a16="http://schemas.microsoft.com/office/drawing/2014/main" id="{B5D75CAC-EA9A-40DB-BB79-D123729897AD}"/>
-              </a:ext>
-            </a:extLst>
-          </p:cNvPr>
-          <p:cNvGraphicFramePr>
-            <a:graphicFrameLocks noGrp="1"/>
-          </p:cNvGraphicFramePr>
-          <p:nvPr>
-            <p:ph idx="1"/>
-            <p:extLst>
-              <p:ext uri="{D42A27DB-BD31-4B8C-83A1-F6EECF244321}">
-                <p14:modId xmlns:p14="http://schemas.microsoft.com/office/powerpoint/2010/main" val="2153140967"/>
-              </p:ext>
-            </p:extLst>
-          </p:nvPr>
-        </p:nvGraphicFramePr>
-        <p:xfrm>
-          <a:off x="728656" y="1860868"/>
-          <a:ext cx="10487463" cy="609600"/>
-        </p:xfrm>
-        <a:graphic>
-          <a:graphicData uri="http://schemas.openxmlformats.org/drawingml/2006/table">
-            <a:tbl>
-              <a:tblPr firstRow="1" bandRow="1">
-                <a:tableStyleId>{5202B0CA-FC54-4496-8BCA-5EF66A818D29}</a:tableStyleId>
-              </a:tblPr>
-              <a:tblGrid>
-                <a:gridCol w="1498209">
-                  <a:extLst>
-                    <a:ext uri="{9D8B030D-6E8A-4147-A177-3AD203B41FA5}">
-                      <a16:colId xmlns:a16="http://schemas.microsoft.com/office/drawing/2014/main" val="580718038"/>
-                    </a:ext>
-                  </a:extLst>
-                </a:gridCol>
-                <a:gridCol w="1498209">
-                  <a:extLst>
-                    <a:ext uri="{9D8B030D-6E8A-4147-A177-3AD203B41FA5}">
-                      <a16:colId xmlns:a16="http://schemas.microsoft.com/office/drawing/2014/main" val="1275676225"/>
-                    </a:ext>
-                  </a:extLst>
-                </a:gridCol>
-                <a:gridCol w="1498209">
-                  <a:extLst>
-                    <a:ext uri="{9D8B030D-6E8A-4147-A177-3AD203B41FA5}">
-                      <a16:colId xmlns:a16="http://schemas.microsoft.com/office/drawing/2014/main" val="513024440"/>
-                    </a:ext>
-                  </a:extLst>
-                </a:gridCol>
-                <a:gridCol w="1498209">
-                  <a:extLst>
-                    <a:ext uri="{9D8B030D-6E8A-4147-A177-3AD203B41FA5}">
-                      <a16:colId xmlns:a16="http://schemas.microsoft.com/office/drawing/2014/main" val="1202276863"/>
-                    </a:ext>
-                  </a:extLst>
-                </a:gridCol>
-                <a:gridCol w="1498209">
-                  <a:extLst>
-                    <a:ext uri="{9D8B030D-6E8A-4147-A177-3AD203B41FA5}">
-                      <a16:colId xmlns:a16="http://schemas.microsoft.com/office/drawing/2014/main" val="4051971797"/>
-                    </a:ext>
-                  </a:extLst>
-                </a:gridCol>
-                <a:gridCol w="1498209">
-                  <a:extLst>
-                    <a:ext uri="{9D8B030D-6E8A-4147-A177-3AD203B41FA5}">
-                      <a16:colId xmlns:a16="http://schemas.microsoft.com/office/drawing/2014/main" val="1453850908"/>
-                    </a:ext>
-                  </a:extLst>
-                </a:gridCol>
-                <a:gridCol w="1498209">
-                  <a:extLst>
-                    <a:ext uri="{9D8B030D-6E8A-4147-A177-3AD203B41FA5}">
-                      <a16:colId xmlns:a16="http://schemas.microsoft.com/office/drawing/2014/main" val="2421316139"/>
-                    </a:ext>
-                  </a:extLst>
-                </a:gridCol>
-              </a:tblGrid>
-              <a:tr h="288324">
-                <a:tc>
-                  <a:txBody>
-                    <a:bodyPr/>
-                    <a:lstStyle/>
-                    <a:p>
-                      <a:r>
-                        <a:rPr lang="en-US" sz="1400" dirty="0"/>
-                        <a:t>Min</a:t>
-                      </a:r>
-                    </a:p>
-                  </a:txBody>
-                  <a:tcPr/>
-                </a:tc>
-                <a:tc>
-                  <a:txBody>
-                    <a:bodyPr/>
-                    <a:lstStyle/>
-                    <a:p>
-                      <a:r>
-                        <a:rPr lang="en-US" sz="1400" dirty="0"/>
-                        <a:t>1st Quartile</a:t>
-                      </a:r>
-                    </a:p>
-                  </a:txBody>
-                  <a:tcPr/>
-                </a:tc>
-                <a:tc>
-                  <a:txBody>
-                    <a:bodyPr/>
-                    <a:lstStyle/>
-                    <a:p>
-                      <a:r>
-                        <a:rPr lang="en-US" sz="1400" dirty="0"/>
-                        <a:t>Median</a:t>
-                      </a:r>
-                    </a:p>
-                  </a:txBody>
-                  <a:tcPr/>
-                </a:tc>
-                <a:tc>
-                  <a:txBody>
-                    <a:bodyPr/>
-                    <a:lstStyle/>
-                    <a:p>
-                      <a:r>
-                        <a:rPr lang="en-US" sz="1400" dirty="0"/>
-                        <a:t>Mean</a:t>
-                      </a:r>
-                    </a:p>
-                  </a:txBody>
-                  <a:tcPr/>
-                </a:tc>
-                <a:tc>
-                  <a:txBody>
-                    <a:bodyPr/>
-                    <a:lstStyle/>
-                    <a:p>
-                      <a:r>
-                        <a:rPr lang="en-US" sz="1400" dirty="0"/>
-                        <a:t>3rd Quartile</a:t>
-                      </a:r>
-                    </a:p>
-                  </a:txBody>
-                  <a:tcPr/>
-                </a:tc>
-                <a:tc>
-                  <a:txBody>
-                    <a:bodyPr/>
-                    <a:lstStyle/>
-                    <a:p>
-                      <a:pPr lvl="0">
-                        <a:buNone/>
-                      </a:pPr>
-                      <a:r>
-                        <a:rPr lang="en-US" sz="1400" dirty="0"/>
-                        <a:t>Max</a:t>
-                      </a:r>
-                    </a:p>
-                  </a:txBody>
-                  <a:tcPr/>
-                </a:tc>
-                <a:tc>
-                  <a:txBody>
-                    <a:bodyPr/>
-                    <a:lstStyle/>
-                    <a:p>
-                      <a:pPr lvl="0">
-                        <a:buNone/>
-                      </a:pPr>
-                      <a:r>
-                        <a:rPr lang="en-US" sz="1400" dirty="0"/>
-                        <a:t>NA's</a:t>
-                      </a:r>
-                    </a:p>
-                  </a:txBody>
-                  <a:tcPr/>
-                </a:tc>
-                <a:extLst>
-                  <a:ext uri="{0D108BD9-81ED-4DB2-BD59-A6C34878D82A}">
-                    <a16:rowId xmlns:a16="http://schemas.microsoft.com/office/drawing/2014/main" val="1725901985"/>
-                  </a:ext>
-                </a:extLst>
-              </a:tr>
-              <a:tr h="288324">
-                <a:tc>
-                  <a:txBody>
-                    <a:bodyPr/>
-                    <a:lstStyle/>
-                    <a:p>
-                      <a:r>
-                        <a:rPr lang="en-US" sz="1400" dirty="0"/>
-                        <a:t>0.00100</a:t>
-                      </a:r>
-                    </a:p>
-                  </a:txBody>
-                  <a:tcPr/>
-                </a:tc>
-                <a:tc>
-                  <a:txBody>
-                    <a:bodyPr/>
-                    <a:lstStyle/>
-                    <a:p>
-                      <a:r>
-                        <a:rPr lang="en-US" sz="1400" dirty="0"/>
-                        <a:t>0.05000</a:t>
-                      </a:r>
-                    </a:p>
-                  </a:txBody>
-                  <a:tcPr/>
-                </a:tc>
-                <a:tc>
-                  <a:txBody>
-                    <a:bodyPr/>
-                    <a:lstStyle/>
-                    <a:p>
-                      <a:r>
-                        <a:rPr lang="en-US" sz="1400" dirty="0"/>
-                        <a:t>0.05600</a:t>
-                      </a:r>
-                    </a:p>
-                  </a:txBody>
-                  <a:tcPr/>
-                </a:tc>
-                <a:tc>
-                  <a:txBody>
-                    <a:bodyPr/>
-                    <a:lstStyle/>
-                    <a:p>
-                      <a:r>
-                        <a:rPr lang="en-US" sz="1400" dirty="0"/>
-                        <a:t>0.05977</a:t>
-                      </a:r>
-                    </a:p>
-                  </a:txBody>
-                  <a:tcPr/>
-                </a:tc>
-                <a:tc>
-                  <a:txBody>
-                    <a:bodyPr/>
-                    <a:lstStyle/>
-                    <a:p>
-                      <a:r>
-                        <a:rPr lang="en-US" sz="1400" dirty="0"/>
-                        <a:t>0.06700</a:t>
-                      </a:r>
-                    </a:p>
-                  </a:txBody>
-                  <a:tcPr/>
-                </a:tc>
-                <a:tc>
-                  <a:txBody>
-                    <a:bodyPr/>
-                    <a:lstStyle/>
-                    <a:p>
-                      <a:pPr lvl="0">
-                        <a:buNone/>
-                      </a:pPr>
-                      <a:r>
-                        <a:rPr lang="en-US" sz="1400" dirty="0"/>
-                        <a:t>0.12800</a:t>
-                      </a:r>
-                    </a:p>
-                  </a:txBody>
-                  <a:tcPr/>
-                </a:tc>
-                <a:tc>
-                  <a:txBody>
-                    <a:bodyPr/>
-                    <a:lstStyle/>
-                    <a:p>
-                      <a:pPr lvl="0">
-                        <a:buNone/>
-                      </a:pPr>
-                      <a:r>
-                        <a:rPr lang="en-US" sz="1400" dirty="0"/>
-                        <a:t>62</a:t>
-                      </a:r>
-                    </a:p>
-                  </a:txBody>
-                  <a:tcPr/>
-                </a:tc>
-                <a:extLst>
-                  <a:ext uri="{0D108BD9-81ED-4DB2-BD59-A6C34878D82A}">
-                    <a16:rowId xmlns:a16="http://schemas.microsoft.com/office/drawing/2014/main" val="3519542925"/>
-                  </a:ext>
-                </a:extLst>
-              </a:tr>
-            </a:tbl>
-          </a:graphicData>
-        </a:graphic>
-      </p:graphicFrame>
-      <p:pic>
-        <p:nvPicPr>
-          <p:cNvPr id="5" name="Picture 5" descr="Chart, histogram&#10;&#10;Description automatically generated">
-            <a:extLst>
-              <a:ext uri="{FF2B5EF4-FFF2-40B4-BE49-F238E27FC236}">
-                <a16:creationId xmlns:a16="http://schemas.microsoft.com/office/drawing/2014/main" id="{81BE6B52-DA0D-4B3A-AA6E-BC736BC039AB}"/>
+                <a16:creationId xmlns:a16="http://schemas.microsoft.com/office/drawing/2014/main" id="{51BC6848-8E69-9045-8658-4C5D0FFAC2EC}"/>
               </a:ext>
             </a:extLst>
           </p:cNvPr>
@@ -7039,8 +7913,1839 @@
         </p:blipFill>
         <p:spPr>
           <a:xfrm>
-            <a:off x="1769076" y="2530259"/>
-            <a:ext cx="8396416" cy="3795157"/>
+            <a:off x="3107441" y="-17820"/>
+            <a:ext cx="9107220" cy="6858000"/>
+          </a:xfrm>
+          <a:prstGeom prst="rect">
+            <a:avLst/>
+          </a:prstGeom>
+        </p:spPr>
+      </p:pic>
+    </p:spTree>
+    <p:extLst>
+      <p:ext uri="{BB962C8B-B14F-4D97-AF65-F5344CB8AC3E}">
+        <p14:creationId xmlns:p14="http://schemas.microsoft.com/office/powerpoint/2010/main" val="1270767628"/>
+      </p:ext>
+    </p:extLst>
+  </p:cSld>
+  <p:clrMapOvr>
+    <a:masterClrMapping/>
+  </p:clrMapOvr>
+  <p:timing>
+    <p:tnLst>
+      <p:par>
+        <p:cTn id="1" dur="indefinite" restart="never" nodeType="tmRoot">
+          <p:childTnLst>
+            <p:seq concurrent="1" nextAc="seek">
+              <p:cTn id="2" dur="indefinite" nodeType="mainSeq">
+                <p:childTnLst>
+                  <p:par>
+                    <p:cTn id="3" fill="hold">
+                      <p:stCondLst>
+                        <p:cond delay="indefinite"/>
+                      </p:stCondLst>
+                      <p:childTnLst>
+                        <p:par>
+                          <p:cTn id="4" fill="hold">
+                            <p:stCondLst>
+                              <p:cond delay="0"/>
+                            </p:stCondLst>
+                            <p:childTnLst>
+                              <p:par>
+                                <p:cTn id="5" presetID="16" presetClass="entr" presetSubtype="21" fill="hold" nodeType="clickEffect">
+                                  <p:stCondLst>
+                                    <p:cond delay="0"/>
+                                  </p:stCondLst>
+                                  <p:childTnLst>
+                                    <p:set>
+                                      <p:cBhvr>
+                                        <p:cTn id="6" dur="1" fill="hold">
+                                          <p:stCondLst>
+                                            <p:cond delay="0"/>
+                                          </p:stCondLst>
+                                        </p:cTn>
+                                        <p:tgtEl>
+                                          <p:spTgt spid="5"/>
+                                        </p:tgtEl>
+                                        <p:attrNameLst>
+                                          <p:attrName>style.visibility</p:attrName>
+                                        </p:attrNameLst>
+                                      </p:cBhvr>
+                                      <p:to>
+                                        <p:strVal val="visible"/>
+                                      </p:to>
+                                    </p:set>
+                                    <p:animEffect transition="in" filter="barn(inVertical)">
+                                      <p:cBhvr>
+                                        <p:cTn id="7" dur="500"/>
+                                        <p:tgtEl>
+                                          <p:spTgt spid="5"/>
+                                        </p:tgtEl>
+                                      </p:cBhvr>
+                                    </p:animEffect>
+                                  </p:childTnLst>
+                                </p:cTn>
+                              </p:par>
+                            </p:childTnLst>
+                          </p:cTn>
+                        </p:par>
+                      </p:childTnLst>
+                    </p:cTn>
+                  </p:par>
+                </p:childTnLst>
+              </p:cTn>
+              <p:prevCondLst>
+                <p:cond evt="onPrev" delay="0">
+                  <p:tgtEl>
+                    <p:sldTgt/>
+                  </p:tgtEl>
+                </p:cond>
+              </p:prevCondLst>
+              <p:nextCondLst>
+                <p:cond evt="onNext" delay="0">
+                  <p:tgtEl>
+                    <p:sldTgt/>
+                  </p:tgtEl>
+                </p:cond>
+              </p:nextCondLst>
+            </p:seq>
+          </p:childTnLst>
+        </p:cTn>
+      </p:par>
+    </p:tnLst>
+  </p:timing>
+</p:sld>
+</file>
+
+<file path=ppt/slides/slide6.xml><?xml version="1.0" encoding="utf-8"?>
+<p:sld xmlns:a="http://schemas.openxmlformats.org/drawingml/2006/main" xmlns:r="http://schemas.openxmlformats.org/officeDocument/2006/relationships" xmlns:p="http://schemas.openxmlformats.org/presentationml/2006/main">
+  <p:cSld>
+    <p:bg>
+      <p:bgPr>
+        <a:solidFill>
+          <a:schemeClr val="bg1"/>
+        </a:solidFill>
+        <a:effectLst/>
+      </p:bgPr>
+    </p:bg>
+    <p:spTree>
+      <p:nvGrpSpPr>
+        <p:cNvPr id="1" name=""/>
+        <p:cNvGrpSpPr/>
+        <p:nvPr/>
+      </p:nvGrpSpPr>
+      <p:grpSpPr>
+        <a:xfrm>
+          <a:off x="0" y="0"/>
+          <a:ext cx="0" cy="0"/>
+          <a:chOff x="0" y="0"/>
+          <a:chExt cx="0" cy="0"/>
+        </a:xfrm>
+      </p:grpSpPr>
+      <p:sp useBgFill="1">
+        <p:nvSpPr>
+          <p:cNvPr id="24" name="Rectangle 23">
+            <a:extLst>
+              <a:ext uri="{FF2B5EF4-FFF2-40B4-BE49-F238E27FC236}">
+                <a16:creationId xmlns:a16="http://schemas.microsoft.com/office/drawing/2014/main" id="{A8384FB5-9ADC-4DDC-881B-597D56F5B15D}"/>
+              </a:ext>
+              <a:ext uri="{C183D7F6-B498-43B3-948B-1728B52AA6E4}">
+                <adec:decorative xmlns:adec="http://schemas.microsoft.com/office/drawing/2017/decorative" val="1"/>
+              </a:ext>
+            </a:extLst>
+          </p:cNvPr>
+          <p:cNvSpPr>
+            <a:spLocks noGrp="1" noRot="1" noChangeAspect="1" noMove="1" noResize="1" noEditPoints="1" noAdjustHandles="1" noChangeArrowheads="1" noChangeShapeType="1" noTextEdit="1"/>
+          </p:cNvSpPr>
+          <p:nvPr>
+            <p:extLst>
+              <p:ext uri="{386F3935-93C4-4BCD-93E2-E3B085C9AB24}">
+                <p16:designElem xmlns:p16="http://schemas.microsoft.com/office/powerpoint/2015/main" val="1"/>
+              </p:ext>
+            </p:extLst>
+          </p:nvPr>
+        </p:nvSpPr>
+        <p:spPr>
+          <a:xfrm>
+            <a:off x="0" y="0"/>
+            <a:ext cx="12192000" cy="6858000"/>
+          </a:xfrm>
+          <a:prstGeom prst="rect">
+            <a:avLst/>
+          </a:prstGeom>
+          <a:ln w="12700" cap="flat" cmpd="sng" algn="ctr">
+            <a:noFill/>
+            <a:prstDash val="solid"/>
+            <a:miter lim="800000"/>
+          </a:ln>
+          <a:effectLst/>
+          <a:extLst>
+            <a:ext uri="{91240B29-F687-4F45-9708-019B960494DF}">
+              <a14:hiddenLine xmlns:a14="http://schemas.microsoft.com/office/drawing/2010/main" w="12700" cap="flat" cmpd="sng" algn="ctr">
+                <a:solidFill>
+                  <a:schemeClr val="accent1">
+                    <a:shade val="50000"/>
+                  </a:schemeClr>
+                </a:solidFill>
+                <a:prstDash val="solid"/>
+                <a:miter lim="800000"/>
+              </a14:hiddenLine>
+            </a:ext>
+          </a:extLst>
+        </p:spPr>
+        <p:style>
+          <a:lnRef idx="2">
+            <a:schemeClr val="accent1">
+              <a:shade val="50000"/>
+            </a:schemeClr>
+          </a:lnRef>
+          <a:fillRef idx="1">
+            <a:schemeClr val="accent1"/>
+          </a:fillRef>
+          <a:effectRef idx="0">
+            <a:schemeClr val="accent1"/>
+          </a:effectRef>
+          <a:fontRef idx="minor">
+            <a:schemeClr val="lt1"/>
+          </a:fontRef>
+        </p:style>
+        <p:txBody>
+          <a:bodyPr rtlCol="0" anchor="ctr"/>
+          <a:lstStyle/>
+          <a:p>
+            <a:pPr algn="ctr"/>
+            <a:endParaRPr lang="en-US"/>
+          </a:p>
+        </p:txBody>
+      </p:sp>
+      <p:sp>
+        <p:nvSpPr>
+          <p:cNvPr id="26" name="Rectangle 25">
+            <a:extLst>
+              <a:ext uri="{FF2B5EF4-FFF2-40B4-BE49-F238E27FC236}">
+                <a16:creationId xmlns:a16="http://schemas.microsoft.com/office/drawing/2014/main" id="{91E5A9A7-95C6-4F4F-B00E-C82E07FE62EF}"/>
+              </a:ext>
+              <a:ext uri="{C183D7F6-B498-43B3-948B-1728B52AA6E4}">
+                <adec:decorative xmlns:adec="http://schemas.microsoft.com/office/drawing/2017/decorative" val="1"/>
+              </a:ext>
+            </a:extLst>
+          </p:cNvPr>
+          <p:cNvSpPr>
+            <a:spLocks noGrp="1" noRot="1" noChangeAspect="1" noMove="1" noResize="1" noEditPoints="1" noAdjustHandles="1" noChangeArrowheads="1" noChangeShapeType="1" noTextEdit="1"/>
+          </p:cNvSpPr>
+          <p:nvPr>
+            <p:extLst>
+              <p:ext uri="{386F3935-93C4-4BCD-93E2-E3B085C9AB24}">
+                <p16:designElem xmlns:p16="http://schemas.microsoft.com/office/powerpoint/2015/main" val="1"/>
+              </p:ext>
+            </p:extLst>
+          </p:nvPr>
+        </p:nvSpPr>
+        <p:spPr>
+          <a:xfrm rot="5400000" flipH="1">
+            <a:off x="-1417539" y="1417538"/>
+            <a:ext cx="6875818" cy="4040744"/>
+          </a:xfrm>
+          <a:prstGeom prst="rect">
+            <a:avLst/>
+          </a:prstGeom>
+          <a:gradFill>
+            <a:gsLst>
+              <a:gs pos="0">
+                <a:srgbClr val="000000"/>
+              </a:gs>
+              <a:gs pos="100000">
+                <a:schemeClr val="accent1">
+                  <a:lumMod val="75000"/>
+                </a:schemeClr>
+              </a:gs>
+            </a:gsLst>
+            <a:lin ang="18600000" scaled="0"/>
+          </a:gradFill>
+          <a:ln>
+            <a:noFill/>
+          </a:ln>
+        </p:spPr>
+        <p:style>
+          <a:lnRef idx="2">
+            <a:schemeClr val="accent1">
+              <a:shade val="50000"/>
+            </a:schemeClr>
+          </a:lnRef>
+          <a:fillRef idx="1">
+            <a:schemeClr val="accent1"/>
+          </a:fillRef>
+          <a:effectRef idx="0">
+            <a:schemeClr val="accent1"/>
+          </a:effectRef>
+          <a:fontRef idx="minor">
+            <a:schemeClr val="lt1"/>
+          </a:fontRef>
+        </p:style>
+        <p:txBody>
+          <a:bodyPr rtlCol="0" anchor="ctr"/>
+          <a:lstStyle/>
+          <a:p>
+            <a:pPr algn="ctr"/>
+            <a:endParaRPr lang="en-US" dirty="0"/>
+          </a:p>
+        </p:txBody>
+      </p:sp>
+      <p:sp>
+        <p:nvSpPr>
+          <p:cNvPr id="28" name="Rectangle 27">
+            <a:extLst>
+              <a:ext uri="{FF2B5EF4-FFF2-40B4-BE49-F238E27FC236}">
+                <a16:creationId xmlns:a16="http://schemas.microsoft.com/office/drawing/2014/main" id="{D07DD2DE-F619-49DD-B5E7-03A290FF4ED1}"/>
+              </a:ext>
+              <a:ext uri="{C183D7F6-B498-43B3-948B-1728B52AA6E4}">
+                <adec:decorative xmlns:adec="http://schemas.microsoft.com/office/drawing/2017/decorative" val="1"/>
+              </a:ext>
+            </a:extLst>
+          </p:cNvPr>
+          <p:cNvSpPr>
+            <a:spLocks noGrp="1" noRot="1" noChangeAspect="1" noMove="1" noResize="1" noEditPoints="1" noAdjustHandles="1" noChangeArrowheads="1" noChangeShapeType="1" noTextEdit="1"/>
+          </p:cNvSpPr>
+          <p:nvPr>
+            <p:extLst>
+              <p:ext uri="{386F3935-93C4-4BCD-93E2-E3B085C9AB24}">
+                <p16:designElem xmlns:p16="http://schemas.microsoft.com/office/powerpoint/2015/main" val="1"/>
+              </p:ext>
+            </p:extLst>
+          </p:nvPr>
+        </p:nvSpPr>
+        <p:spPr>
+          <a:xfrm rot="16200000">
+            <a:off x="-158495" y="2660473"/>
+            <a:ext cx="4355594" cy="4038603"/>
+          </a:xfrm>
+          <a:prstGeom prst="rect">
+            <a:avLst/>
+          </a:prstGeom>
+          <a:gradFill>
+            <a:gsLst>
+              <a:gs pos="0">
+                <a:schemeClr val="accent1">
+                  <a:alpha val="50000"/>
+                </a:schemeClr>
+              </a:gs>
+              <a:gs pos="100000">
+                <a:schemeClr val="accent1">
+                  <a:lumMod val="50000"/>
+                  <a:alpha val="0"/>
+                </a:schemeClr>
+              </a:gs>
+            </a:gsLst>
+            <a:lin ang="11400000" scaled="0"/>
+          </a:gradFill>
+          <a:ln>
+            <a:noFill/>
+          </a:ln>
+        </p:spPr>
+        <p:style>
+          <a:lnRef idx="2">
+            <a:schemeClr val="accent1">
+              <a:shade val="50000"/>
+            </a:schemeClr>
+          </a:lnRef>
+          <a:fillRef idx="1">
+            <a:schemeClr val="accent1"/>
+          </a:fillRef>
+          <a:effectRef idx="0">
+            <a:schemeClr val="accent1"/>
+          </a:effectRef>
+          <a:fontRef idx="minor">
+            <a:schemeClr val="lt1"/>
+          </a:fontRef>
+        </p:style>
+        <p:txBody>
+          <a:bodyPr rtlCol="0" anchor="ctr"/>
+          <a:lstStyle/>
+          <a:p>
+            <a:pPr algn="ctr"/>
+            <a:endParaRPr lang="en-US"/>
+          </a:p>
+        </p:txBody>
+      </p:sp>
+      <p:sp>
+        <p:nvSpPr>
+          <p:cNvPr id="30" name="Rectangle 29">
+            <a:extLst>
+              <a:ext uri="{FF2B5EF4-FFF2-40B4-BE49-F238E27FC236}">
+                <a16:creationId xmlns:a16="http://schemas.microsoft.com/office/drawing/2014/main" id="{85149191-5F60-4A28-AAFF-039F96B0F3EC}"/>
+              </a:ext>
+              <a:ext uri="{C183D7F6-B498-43B3-948B-1728B52AA6E4}">
+                <adec:decorative xmlns:adec="http://schemas.microsoft.com/office/drawing/2017/decorative" val="1"/>
+              </a:ext>
+            </a:extLst>
+          </p:cNvPr>
+          <p:cNvSpPr>
+            <a:spLocks noGrp="1" noRot="1" noChangeAspect="1" noMove="1" noResize="1" noEditPoints="1" noAdjustHandles="1" noChangeArrowheads="1" noChangeShapeType="1" noTextEdit="1"/>
+          </p:cNvSpPr>
+          <p:nvPr>
+            <p:extLst>
+              <p:ext uri="{386F3935-93C4-4BCD-93E2-E3B085C9AB24}">
+                <p16:designElem xmlns:p16="http://schemas.microsoft.com/office/powerpoint/2015/main" val="1"/>
+              </p:ext>
+            </p:extLst>
+          </p:nvPr>
+        </p:nvSpPr>
+        <p:spPr>
+          <a:xfrm rot="16200000" flipH="1">
+            <a:off x="-1180882" y="1638085"/>
+            <a:ext cx="6857572" cy="3581401"/>
+          </a:xfrm>
+          <a:prstGeom prst="rect">
+            <a:avLst/>
+          </a:prstGeom>
+          <a:gradFill>
+            <a:gsLst>
+              <a:gs pos="0">
+                <a:srgbClr val="000000">
+                  <a:alpha val="59000"/>
+                </a:srgbClr>
+              </a:gs>
+              <a:gs pos="69000">
+                <a:schemeClr val="accent1">
+                  <a:alpha val="0"/>
+                </a:schemeClr>
+              </a:gs>
+            </a:gsLst>
+            <a:lin ang="13200000" scaled="0"/>
+          </a:gradFill>
+          <a:ln>
+            <a:noFill/>
+          </a:ln>
+        </p:spPr>
+        <p:style>
+          <a:lnRef idx="2">
+            <a:schemeClr val="accent1">
+              <a:shade val="50000"/>
+            </a:schemeClr>
+          </a:lnRef>
+          <a:fillRef idx="1">
+            <a:schemeClr val="accent1"/>
+          </a:fillRef>
+          <a:effectRef idx="0">
+            <a:schemeClr val="accent1"/>
+          </a:effectRef>
+          <a:fontRef idx="minor">
+            <a:schemeClr val="lt1"/>
+          </a:fontRef>
+        </p:style>
+        <p:txBody>
+          <a:bodyPr rtlCol="0" anchor="ctr"/>
+          <a:lstStyle/>
+          <a:p>
+            <a:pPr algn="ctr"/>
+            <a:endParaRPr lang="en-US" dirty="0"/>
+          </a:p>
+        </p:txBody>
+      </p:sp>
+      <p:sp>
+        <p:nvSpPr>
+          <p:cNvPr id="32" name="Freeform: Shape 31">
+            <a:extLst>
+              <a:ext uri="{FF2B5EF4-FFF2-40B4-BE49-F238E27FC236}">
+                <a16:creationId xmlns:a16="http://schemas.microsoft.com/office/drawing/2014/main" id="{F8260ED5-17F7-4158-B241-D51DD4CF1B7E}"/>
+              </a:ext>
+              <a:ext uri="{C183D7F6-B498-43B3-948B-1728B52AA6E4}">
+                <adec:decorative xmlns:adec="http://schemas.microsoft.com/office/drawing/2017/decorative" val="1"/>
+              </a:ext>
+            </a:extLst>
+          </p:cNvPr>
+          <p:cNvSpPr>
+            <a:spLocks noGrp="1" noRot="1" noChangeAspect="1" noMove="1" noResize="1" noEditPoints="1" noAdjustHandles="1" noChangeArrowheads="1" noChangeShapeType="1" noTextEdit="1"/>
+          </p:cNvSpPr>
+          <p:nvPr>
+            <p:extLst>
+              <p:ext uri="{386F3935-93C4-4BCD-93E2-E3B085C9AB24}">
+                <p16:designElem xmlns:p16="http://schemas.microsoft.com/office/powerpoint/2015/main" val="1"/>
+              </p:ext>
+            </p:extLst>
+          </p:nvPr>
+        </p:nvSpPr>
+        <p:spPr>
+          <a:xfrm rot="6097846">
+            <a:off x="-747355" y="1201312"/>
+            <a:ext cx="4808302" cy="4088666"/>
+          </a:xfrm>
+          <a:custGeom>
+            <a:avLst/>
+            <a:gdLst>
+              <a:gd name="connsiteX0" fmla="*/ 48844 w 4808302"/>
+              <a:gd name="connsiteY0" fmla="*/ 2888671 h 4088666"/>
+              <a:gd name="connsiteX1" fmla="*/ 0 w 4808302"/>
+              <a:gd name="connsiteY1" fmla="*/ 2404151 h 4088666"/>
+              <a:gd name="connsiteX2" fmla="*/ 2404151 w 4808302"/>
+              <a:gd name="connsiteY2" fmla="*/ 0 h 4088666"/>
+              <a:gd name="connsiteX3" fmla="*/ 4808302 w 4808302"/>
+              <a:gd name="connsiteY3" fmla="*/ 2404151 h 4088666"/>
+              <a:gd name="connsiteX4" fmla="*/ 4700216 w 4808302"/>
+              <a:gd name="connsiteY4" fmla="*/ 3119072 h 4088666"/>
+              <a:gd name="connsiteX5" fmla="*/ 4643143 w 4808302"/>
+              <a:gd name="connsiteY5" fmla="*/ 3275009 h 4088666"/>
+              <a:gd name="connsiteX6" fmla="*/ 690093 w 4808302"/>
+              <a:gd name="connsiteY6" fmla="*/ 4088666 h 4088666"/>
+              <a:gd name="connsiteX7" fmla="*/ 548991 w 4808302"/>
+              <a:gd name="connsiteY7" fmla="*/ 3933414 h 4088666"/>
+              <a:gd name="connsiteX8" fmla="*/ 48844 w 4808302"/>
+              <a:gd name="connsiteY8" fmla="*/ 2888671 h 4088666"/>
+            </a:gdLst>
+            <a:ahLst/>
+            <a:cxnLst>
+              <a:cxn ang="0">
+                <a:pos x="connsiteX0" y="connsiteY0"/>
+              </a:cxn>
+              <a:cxn ang="0">
+                <a:pos x="connsiteX1" y="connsiteY1"/>
+              </a:cxn>
+              <a:cxn ang="0">
+                <a:pos x="connsiteX2" y="connsiteY2"/>
+              </a:cxn>
+              <a:cxn ang="0">
+                <a:pos x="connsiteX3" y="connsiteY3"/>
+              </a:cxn>
+              <a:cxn ang="0">
+                <a:pos x="connsiteX4" y="connsiteY4"/>
+              </a:cxn>
+              <a:cxn ang="0">
+                <a:pos x="connsiteX5" y="connsiteY5"/>
+              </a:cxn>
+              <a:cxn ang="0">
+                <a:pos x="connsiteX6" y="connsiteY6"/>
+              </a:cxn>
+              <a:cxn ang="0">
+                <a:pos x="connsiteX7" y="connsiteY7"/>
+              </a:cxn>
+              <a:cxn ang="0">
+                <a:pos x="connsiteX8" y="connsiteY8"/>
+              </a:cxn>
+            </a:cxnLst>
+            <a:rect l="l" t="t" r="r" b="b"/>
+            <a:pathLst>
+              <a:path w="4808302" h="4088666">
+                <a:moveTo>
+                  <a:pt x="48844" y="2888671"/>
+                </a:moveTo>
+                <a:cubicBezTo>
+                  <a:pt x="16818" y="2732167"/>
+                  <a:pt x="0" y="2570123"/>
+                  <a:pt x="0" y="2404151"/>
+                </a:cubicBezTo>
+                <a:cubicBezTo>
+                  <a:pt x="0" y="1076375"/>
+                  <a:pt x="1076375" y="0"/>
+                  <a:pt x="2404151" y="0"/>
+                </a:cubicBezTo>
+                <a:cubicBezTo>
+                  <a:pt x="3731927" y="0"/>
+                  <a:pt x="4808302" y="1076375"/>
+                  <a:pt x="4808302" y="2404151"/>
+                </a:cubicBezTo>
+                <a:cubicBezTo>
+                  <a:pt x="4808302" y="2653109"/>
+                  <a:pt x="4770461" y="2893229"/>
+                  <a:pt x="4700216" y="3119072"/>
+                </a:cubicBezTo>
+                <a:lnTo>
+                  <a:pt x="4643143" y="3275009"/>
+                </a:lnTo>
+                <a:lnTo>
+                  <a:pt x="690093" y="4088666"/>
+                </a:lnTo>
+                <a:lnTo>
+                  <a:pt x="548991" y="3933414"/>
+                </a:lnTo>
+                <a:cubicBezTo>
+                  <a:pt x="304015" y="3636572"/>
+                  <a:pt x="128908" y="3279932"/>
+                  <a:pt x="48844" y="2888671"/>
+                </a:cubicBezTo>
+                <a:close/>
+              </a:path>
+            </a:pathLst>
+          </a:custGeom>
+          <a:gradFill>
+            <a:gsLst>
+              <a:gs pos="39000">
+                <a:schemeClr val="accent1">
+                  <a:lumMod val="60000"/>
+                  <a:lumOff val="40000"/>
+                  <a:alpha val="0"/>
+                </a:schemeClr>
+              </a:gs>
+              <a:gs pos="100000">
+                <a:schemeClr val="accent1">
+                  <a:lumMod val="75000"/>
+                  <a:alpha val="26000"/>
+                </a:schemeClr>
+              </a:gs>
+            </a:gsLst>
+            <a:lin ang="18600000" scaled="0"/>
+          </a:gradFill>
+          <a:ln>
+            <a:noFill/>
+          </a:ln>
+        </p:spPr>
+        <p:style>
+          <a:lnRef idx="2">
+            <a:schemeClr val="accent1">
+              <a:shade val="50000"/>
+            </a:schemeClr>
+          </a:lnRef>
+          <a:fillRef idx="1">
+            <a:schemeClr val="accent1"/>
+          </a:fillRef>
+          <a:effectRef idx="0">
+            <a:schemeClr val="accent1"/>
+          </a:effectRef>
+          <a:fontRef idx="minor">
+            <a:schemeClr val="lt1"/>
+          </a:fontRef>
+        </p:style>
+        <p:txBody>
+          <a:bodyPr wrap="square" rtlCol="0" anchor="ctr">
+            <a:noAutofit/>
+          </a:bodyPr>
+          <a:lstStyle/>
+          <a:p>
+            <a:pPr algn="ctr"/>
+            <a:endParaRPr lang="en-US" dirty="0"/>
+          </a:p>
+        </p:txBody>
+      </p:sp>
+      <p:sp>
+        <p:nvSpPr>
+          <p:cNvPr id="2" name="Title 1">
+            <a:extLst>
+              <a:ext uri="{FF2B5EF4-FFF2-40B4-BE49-F238E27FC236}">
+                <a16:creationId xmlns:a16="http://schemas.microsoft.com/office/drawing/2014/main" id="{0F645862-F094-264C-B56E-23FEFCE0203E}"/>
+              </a:ext>
+            </a:extLst>
+          </p:cNvPr>
+          <p:cNvSpPr>
+            <a:spLocks noGrp="1"/>
+          </p:cNvSpPr>
+          <p:nvPr>
+            <p:ph type="title"/>
+          </p:nvPr>
+        </p:nvSpPr>
+        <p:spPr>
+          <a:xfrm>
+            <a:off x="94449" y="2804176"/>
+            <a:ext cx="2880828" cy="3071906"/>
+          </a:xfrm>
+          <a:prstGeom prst="ellipse">
+            <a:avLst/>
+          </a:prstGeom>
+        </p:spPr>
+        <p:txBody>
+          <a:bodyPr vert="horz" lIns="91440" tIns="45720" rIns="91440" bIns="45720" rtlCol="0" anchor="t">
+            <a:normAutofit fontScale="90000"/>
+          </a:bodyPr>
+          <a:lstStyle/>
+          <a:p>
+            <a:r>
+              <a:rPr lang="en-US" sz="3700" kern="1200" dirty="0">
+                <a:solidFill>
+                  <a:srgbClr val="FFFFFF"/>
+                </a:solidFill>
+                <a:latin typeface="+mj-lt"/>
+                <a:ea typeface="+mj-ea"/>
+                <a:cs typeface="+mj-cs"/>
+              </a:rPr>
+              <a:t>Alcohol by Volume per </a:t>
+            </a:r>
+            <a:br>
+              <a:rPr lang="en-US" sz="3700" kern="1200" dirty="0">
+                <a:solidFill>
+                  <a:srgbClr val="FFFFFF"/>
+                </a:solidFill>
+                <a:latin typeface="+mj-lt"/>
+                <a:ea typeface="+mj-ea"/>
+                <a:cs typeface="+mj-cs"/>
+              </a:rPr>
+            </a:br>
+            <a:r>
+              <a:rPr lang="en-US" sz="3700" kern="1200" dirty="0">
+                <a:solidFill>
+                  <a:srgbClr val="FFFFFF"/>
+                </a:solidFill>
+                <a:latin typeface="+mj-lt"/>
+                <a:ea typeface="+mj-ea"/>
+                <a:cs typeface="+mj-cs"/>
+              </a:rPr>
+              <a:t>U.S. State</a:t>
+            </a:r>
+          </a:p>
+        </p:txBody>
+      </p:sp>
+      <p:pic>
+        <p:nvPicPr>
+          <p:cNvPr id="5" name="Content Placeholder 4" descr="Chart, histogram&#10;&#10;Description automatically generated">
+            <a:extLst>
+              <a:ext uri="{FF2B5EF4-FFF2-40B4-BE49-F238E27FC236}">
+                <a16:creationId xmlns:a16="http://schemas.microsoft.com/office/drawing/2014/main" id="{8186E1B8-CF9B-8049-8146-5C86F9763080}"/>
+              </a:ext>
+            </a:extLst>
+          </p:cNvPr>
+          <p:cNvPicPr>
+            <a:picLocks noGrp="1" noChangeAspect="1"/>
+          </p:cNvPicPr>
+          <p:nvPr>
+            <p:ph idx="1"/>
+          </p:nvPr>
+        </p:nvPicPr>
+        <p:blipFill>
+          <a:blip r:embed="rId2"/>
+          <a:stretch>
+            <a:fillRect/>
+          </a:stretch>
+        </p:blipFill>
+        <p:spPr>
+          <a:xfrm>
+            <a:off x="3078375" y="17819"/>
+            <a:ext cx="9113625" cy="6858000"/>
+          </a:xfrm>
+          <a:prstGeom prst="rect">
+            <a:avLst/>
+          </a:prstGeom>
+        </p:spPr>
+      </p:pic>
+    </p:spTree>
+    <p:extLst>
+      <p:ext uri="{BB962C8B-B14F-4D97-AF65-F5344CB8AC3E}">
+        <p14:creationId xmlns:p14="http://schemas.microsoft.com/office/powerpoint/2010/main" val="1549325104"/>
+      </p:ext>
+    </p:extLst>
+  </p:cSld>
+  <p:clrMapOvr>
+    <a:masterClrMapping/>
+  </p:clrMapOvr>
+  <p:timing>
+    <p:tnLst>
+      <p:par>
+        <p:cTn id="1" dur="indefinite" restart="never" nodeType="tmRoot">
+          <p:childTnLst>
+            <p:seq concurrent="1" nextAc="seek">
+              <p:cTn id="2" dur="indefinite" nodeType="mainSeq">
+                <p:childTnLst>
+                  <p:par>
+                    <p:cTn id="3" fill="hold">
+                      <p:stCondLst>
+                        <p:cond delay="indefinite"/>
+                      </p:stCondLst>
+                      <p:childTnLst>
+                        <p:par>
+                          <p:cTn id="4" fill="hold">
+                            <p:stCondLst>
+                              <p:cond delay="0"/>
+                            </p:stCondLst>
+                            <p:childTnLst>
+                              <p:par>
+                                <p:cTn id="5" presetID="9" presetClass="entr" presetSubtype="0" fill="hold" nodeType="clickEffect">
+                                  <p:stCondLst>
+                                    <p:cond delay="0"/>
+                                  </p:stCondLst>
+                                  <p:childTnLst>
+                                    <p:set>
+                                      <p:cBhvr>
+                                        <p:cTn id="6" dur="1" fill="hold">
+                                          <p:stCondLst>
+                                            <p:cond delay="0"/>
+                                          </p:stCondLst>
+                                        </p:cTn>
+                                        <p:tgtEl>
+                                          <p:spTgt spid="5"/>
+                                        </p:tgtEl>
+                                        <p:attrNameLst>
+                                          <p:attrName>style.visibility</p:attrName>
+                                        </p:attrNameLst>
+                                      </p:cBhvr>
+                                      <p:to>
+                                        <p:strVal val="visible"/>
+                                      </p:to>
+                                    </p:set>
+                                    <p:animEffect transition="in" filter="dissolve">
+                                      <p:cBhvr>
+                                        <p:cTn id="7" dur="500"/>
+                                        <p:tgtEl>
+                                          <p:spTgt spid="5"/>
+                                        </p:tgtEl>
+                                      </p:cBhvr>
+                                    </p:animEffect>
+                                  </p:childTnLst>
+                                </p:cTn>
+                              </p:par>
+                            </p:childTnLst>
+                          </p:cTn>
+                        </p:par>
+                      </p:childTnLst>
+                    </p:cTn>
+                  </p:par>
+                </p:childTnLst>
+              </p:cTn>
+              <p:prevCondLst>
+                <p:cond evt="onPrev" delay="0">
+                  <p:tgtEl>
+                    <p:sldTgt/>
+                  </p:tgtEl>
+                </p:cond>
+              </p:prevCondLst>
+              <p:nextCondLst>
+                <p:cond evt="onNext" delay="0">
+                  <p:tgtEl>
+                    <p:sldTgt/>
+                  </p:tgtEl>
+                </p:cond>
+              </p:nextCondLst>
+            </p:seq>
+          </p:childTnLst>
+        </p:cTn>
+      </p:par>
+    </p:tnLst>
+  </p:timing>
+</p:sld>
+</file>
+
+<file path=ppt/slides/slide7.xml><?xml version="1.0" encoding="utf-8"?>
+<p:sld xmlns:a="http://schemas.openxmlformats.org/drawingml/2006/main" xmlns:r="http://schemas.openxmlformats.org/officeDocument/2006/relationships" xmlns:p="http://schemas.openxmlformats.org/presentationml/2006/main">
+  <p:cSld>
+    <p:bg>
+      <p:bgPr>
+        <a:solidFill>
+          <a:schemeClr val="bg1"/>
+        </a:solidFill>
+        <a:effectLst/>
+      </p:bgPr>
+    </p:bg>
+    <p:spTree>
+      <p:nvGrpSpPr>
+        <p:cNvPr id="1" name=""/>
+        <p:cNvGrpSpPr/>
+        <p:nvPr/>
+      </p:nvGrpSpPr>
+      <p:grpSpPr>
+        <a:xfrm>
+          <a:off x="0" y="0"/>
+          <a:ext cx="0" cy="0"/>
+          <a:chOff x="0" y="0"/>
+          <a:chExt cx="0" cy="0"/>
+        </a:xfrm>
+      </p:grpSpPr>
+      <p:sp>
+        <p:nvSpPr>
+          <p:cNvPr id="47" name="Rectangle 36">
+            <a:extLst>
+              <a:ext uri="{FF2B5EF4-FFF2-40B4-BE49-F238E27FC236}">
+                <a16:creationId xmlns:a16="http://schemas.microsoft.com/office/drawing/2014/main" id="{6753252F-4873-4F63-801D-CC719279A7D5}"/>
+              </a:ext>
+              <a:ext uri="{C183D7F6-B498-43B3-948B-1728B52AA6E4}">
+                <adec:decorative xmlns:adec="http://schemas.microsoft.com/office/drawing/2017/decorative" val="1"/>
+              </a:ext>
+            </a:extLst>
+          </p:cNvPr>
+          <p:cNvSpPr>
+            <a:spLocks noGrp="1" noRot="1" noChangeAspect="1" noMove="1" noResize="1" noEditPoints="1" noAdjustHandles="1" noChangeArrowheads="1" noChangeShapeType="1" noTextEdit="1"/>
+          </p:cNvSpPr>
+          <p:nvPr>
+            <p:extLst>
+              <p:ext uri="{386F3935-93C4-4BCD-93E2-E3B085C9AB24}">
+                <p16:designElem xmlns:p16="http://schemas.microsoft.com/office/powerpoint/2015/main" val="1"/>
+              </p:ext>
+            </p:extLst>
+          </p:nvPr>
+        </p:nvSpPr>
+        <p:spPr>
+          <a:xfrm>
+            <a:off x="0" y="0"/>
+            <a:ext cx="12192000" cy="6858000"/>
+          </a:xfrm>
+          <a:prstGeom prst="rect">
+            <a:avLst/>
+          </a:prstGeom>
+          <a:solidFill>
+            <a:srgbClr val="FFFFFF"/>
+          </a:solidFill>
+          <a:ln>
+            <a:noFill/>
+          </a:ln>
+        </p:spPr>
+        <p:style>
+          <a:lnRef idx="2">
+            <a:schemeClr val="accent1">
+              <a:shade val="50000"/>
+            </a:schemeClr>
+          </a:lnRef>
+          <a:fillRef idx="1">
+            <a:schemeClr val="accent1"/>
+          </a:fillRef>
+          <a:effectRef idx="0">
+            <a:schemeClr val="accent1"/>
+          </a:effectRef>
+          <a:fontRef idx="minor">
+            <a:schemeClr val="lt1"/>
+          </a:fontRef>
+        </p:style>
+        <p:txBody>
+          <a:bodyPr rtlCol="0" anchor="ctr"/>
+          <a:lstStyle/>
+          <a:p>
+            <a:pPr algn="ctr"/>
+            <a:endParaRPr lang="en-US"/>
+          </a:p>
+        </p:txBody>
+      </p:sp>
+      <p:sp>
+        <p:nvSpPr>
+          <p:cNvPr id="48" name="Rectangle 38">
+            <a:extLst>
+              <a:ext uri="{FF2B5EF4-FFF2-40B4-BE49-F238E27FC236}">
+                <a16:creationId xmlns:a16="http://schemas.microsoft.com/office/drawing/2014/main" id="{047C8CCB-F95D-4249-92DD-651249D3535A}"/>
+              </a:ext>
+              <a:ext uri="{C183D7F6-B498-43B3-948B-1728B52AA6E4}">
+                <adec:decorative xmlns:adec="http://schemas.microsoft.com/office/drawing/2017/decorative" val="1"/>
+              </a:ext>
+            </a:extLst>
+          </p:cNvPr>
+          <p:cNvSpPr>
+            <a:spLocks noGrp="1" noRot="1" noChangeAspect="1" noMove="1" noResize="1" noEditPoints="1" noAdjustHandles="1" noChangeArrowheads="1" noChangeShapeType="1" noTextEdit="1"/>
+          </p:cNvSpPr>
+          <p:nvPr>
+            <p:extLst>
+              <p:ext uri="{386F3935-93C4-4BCD-93E2-E3B085C9AB24}">
+                <p16:designElem xmlns:p16="http://schemas.microsoft.com/office/powerpoint/2015/main" val="1"/>
+              </p:ext>
+            </p:extLst>
+          </p:nvPr>
+        </p:nvSpPr>
+        <p:spPr>
+          <a:xfrm>
+            <a:off x="0" y="0"/>
+            <a:ext cx="2013557" cy="6858000"/>
+          </a:xfrm>
+          <a:prstGeom prst="rect">
+            <a:avLst/>
+          </a:prstGeom>
+          <a:solidFill>
+            <a:srgbClr val="3E585C"/>
+          </a:solidFill>
+          <a:ln>
+            <a:noFill/>
+          </a:ln>
+        </p:spPr>
+        <p:style>
+          <a:lnRef idx="2">
+            <a:schemeClr val="accent1">
+              <a:shade val="50000"/>
+            </a:schemeClr>
+          </a:lnRef>
+          <a:fillRef idx="1">
+            <a:schemeClr val="accent1"/>
+          </a:fillRef>
+          <a:effectRef idx="0">
+            <a:schemeClr val="accent1"/>
+          </a:effectRef>
+          <a:fontRef idx="minor">
+            <a:schemeClr val="lt1"/>
+          </a:fontRef>
+        </p:style>
+        <p:txBody>
+          <a:bodyPr rtlCol="0" anchor="ctr"/>
+          <a:lstStyle/>
+          <a:p>
+            <a:pPr algn="ctr"/>
+            <a:endParaRPr lang="en-US"/>
+          </a:p>
+        </p:txBody>
+      </p:sp>
+      <p:sp>
+        <p:nvSpPr>
+          <p:cNvPr id="2" name="Title 1">
+            <a:extLst>
+              <a:ext uri="{FF2B5EF4-FFF2-40B4-BE49-F238E27FC236}">
+                <a16:creationId xmlns:a16="http://schemas.microsoft.com/office/drawing/2014/main" id="{0F645862-F094-264C-B56E-23FEFCE0203E}"/>
+              </a:ext>
+            </a:extLst>
+          </p:cNvPr>
+          <p:cNvSpPr>
+            <a:spLocks noGrp="1"/>
+          </p:cNvSpPr>
+          <p:nvPr>
+            <p:ph type="title"/>
+          </p:nvPr>
+        </p:nvSpPr>
+        <p:spPr>
+          <a:xfrm>
+            <a:off x="156061" y="2074362"/>
+            <a:ext cx="2752354" cy="2709275"/>
+          </a:xfrm>
+          <a:prstGeom prst="ellipse">
+            <a:avLst/>
+          </a:prstGeom>
+          <a:solidFill>
+            <a:srgbClr val="262626"/>
+          </a:solidFill>
+          <a:ln w="174625" cmpd="thinThick">
+            <a:solidFill>
+              <a:srgbClr val="262626"/>
+            </a:solidFill>
+          </a:ln>
+        </p:spPr>
+        <p:txBody>
+          <a:bodyPr vert="horz" lIns="91440" tIns="45720" rIns="91440" bIns="45720" rtlCol="0" anchor="ctr">
+            <a:normAutofit/>
+          </a:bodyPr>
+          <a:lstStyle/>
+          <a:p>
+            <a:pPr algn="ctr"/>
+            <a:r>
+              <a:rPr lang="en-US" sz="2600" kern="1200" dirty="0">
+                <a:solidFill>
+                  <a:srgbClr val="FFFFFF"/>
+                </a:solidFill>
+                <a:latin typeface="+mj-lt"/>
+                <a:ea typeface="+mj-ea"/>
+                <a:cs typeface="+mj-cs"/>
+              </a:rPr>
+              <a:t>Highest Bitterness per </a:t>
+            </a:r>
+            <a:br>
+              <a:rPr lang="en-US" sz="2600" kern="1200" dirty="0">
+                <a:solidFill>
+                  <a:srgbClr val="FFFFFF"/>
+                </a:solidFill>
+                <a:latin typeface="+mj-lt"/>
+                <a:ea typeface="+mj-ea"/>
+                <a:cs typeface="+mj-cs"/>
+              </a:rPr>
+            </a:br>
+            <a:r>
+              <a:rPr lang="en-US" sz="2600" kern="1200" dirty="0">
+                <a:solidFill>
+                  <a:srgbClr val="FFFFFF"/>
+                </a:solidFill>
+                <a:latin typeface="+mj-lt"/>
+                <a:ea typeface="+mj-ea"/>
+                <a:cs typeface="+mj-cs"/>
+              </a:rPr>
+              <a:t>U.S. State</a:t>
+            </a:r>
+          </a:p>
+        </p:txBody>
+      </p:sp>
+      <p:pic>
+        <p:nvPicPr>
+          <p:cNvPr id="7" name="Picture 6">
+            <a:extLst>
+              <a:ext uri="{FF2B5EF4-FFF2-40B4-BE49-F238E27FC236}">
+                <a16:creationId xmlns:a16="http://schemas.microsoft.com/office/drawing/2014/main" id="{E4866684-C3EA-C446-8068-2883F1068E48}"/>
+              </a:ext>
+            </a:extLst>
+          </p:cNvPr>
+          <p:cNvPicPr>
+            <a:picLocks noChangeAspect="1"/>
+          </p:cNvPicPr>
+          <p:nvPr/>
+        </p:nvPicPr>
+        <p:blipFill>
+          <a:blip r:embed="rId2"/>
+          <a:stretch>
+            <a:fillRect/>
+          </a:stretch>
+        </p:blipFill>
+        <p:spPr>
+          <a:xfrm>
+            <a:off x="3064476" y="-21702"/>
+            <a:ext cx="9112188" cy="6879702"/>
+          </a:xfrm>
+          <a:prstGeom prst="rect">
+            <a:avLst/>
+          </a:prstGeom>
+        </p:spPr>
+      </p:pic>
+    </p:spTree>
+    <p:extLst>
+      <p:ext uri="{BB962C8B-B14F-4D97-AF65-F5344CB8AC3E}">
+        <p14:creationId xmlns:p14="http://schemas.microsoft.com/office/powerpoint/2010/main" val="4139698873"/>
+      </p:ext>
+    </p:extLst>
+  </p:cSld>
+  <p:clrMapOvr>
+    <a:masterClrMapping/>
+  </p:clrMapOvr>
+  <p:timing>
+    <p:tnLst>
+      <p:par>
+        <p:cTn id="1" dur="indefinite" restart="never" nodeType="tmRoot">
+          <p:childTnLst>
+            <p:seq concurrent="1" nextAc="seek">
+              <p:cTn id="2" dur="indefinite" nodeType="mainSeq">
+                <p:childTnLst>
+                  <p:par>
+                    <p:cTn id="3" fill="hold">
+                      <p:stCondLst>
+                        <p:cond delay="indefinite"/>
+                      </p:stCondLst>
+                      <p:childTnLst>
+                        <p:par>
+                          <p:cTn id="4" fill="hold">
+                            <p:stCondLst>
+                              <p:cond delay="0"/>
+                            </p:stCondLst>
+                            <p:childTnLst>
+                              <p:par>
+                                <p:cTn id="5" presetID="5" presetClass="entr" presetSubtype="10" fill="hold" nodeType="clickEffect">
+                                  <p:stCondLst>
+                                    <p:cond delay="0"/>
+                                  </p:stCondLst>
+                                  <p:childTnLst>
+                                    <p:set>
+                                      <p:cBhvr>
+                                        <p:cTn id="6" dur="1" fill="hold">
+                                          <p:stCondLst>
+                                            <p:cond delay="0"/>
+                                          </p:stCondLst>
+                                        </p:cTn>
+                                        <p:tgtEl>
+                                          <p:spTgt spid="7"/>
+                                        </p:tgtEl>
+                                        <p:attrNameLst>
+                                          <p:attrName>style.visibility</p:attrName>
+                                        </p:attrNameLst>
+                                      </p:cBhvr>
+                                      <p:to>
+                                        <p:strVal val="visible"/>
+                                      </p:to>
+                                    </p:set>
+                                    <p:animEffect transition="in" filter="checkerboard(across)">
+                                      <p:cBhvr>
+                                        <p:cTn id="7" dur="500"/>
+                                        <p:tgtEl>
+                                          <p:spTgt spid="7"/>
+                                        </p:tgtEl>
+                                      </p:cBhvr>
+                                    </p:animEffect>
+                                  </p:childTnLst>
+                                </p:cTn>
+                              </p:par>
+                            </p:childTnLst>
+                          </p:cTn>
+                        </p:par>
+                      </p:childTnLst>
+                    </p:cTn>
+                  </p:par>
+                </p:childTnLst>
+              </p:cTn>
+              <p:prevCondLst>
+                <p:cond evt="onPrev" delay="0">
+                  <p:tgtEl>
+                    <p:sldTgt/>
+                  </p:tgtEl>
+                </p:cond>
+              </p:prevCondLst>
+              <p:nextCondLst>
+                <p:cond evt="onNext" delay="0">
+                  <p:tgtEl>
+                    <p:sldTgt/>
+                  </p:tgtEl>
+                </p:cond>
+              </p:nextCondLst>
+            </p:seq>
+          </p:childTnLst>
+        </p:cTn>
+      </p:par>
+    </p:tnLst>
+  </p:timing>
+</p:sld>
+</file>
+
+<file path=ppt/slides/slide8.xml><?xml version="1.0" encoding="utf-8"?>
+<p:sld xmlns:a="http://schemas.openxmlformats.org/drawingml/2006/main" xmlns:r="http://schemas.openxmlformats.org/officeDocument/2006/relationships" xmlns:p="http://schemas.openxmlformats.org/presentationml/2006/main">
+  <p:cSld>
+    <p:bg>
+      <p:bgPr>
+        <a:solidFill>
+          <a:schemeClr val="bg1"/>
+        </a:solidFill>
+        <a:effectLst/>
+      </p:bgPr>
+    </p:bg>
+    <p:spTree>
+      <p:nvGrpSpPr>
+        <p:cNvPr id="1" name=""/>
+        <p:cNvGrpSpPr/>
+        <p:nvPr/>
+      </p:nvGrpSpPr>
+      <p:grpSpPr>
+        <a:xfrm>
+          <a:off x="0" y="0"/>
+          <a:ext cx="0" cy="0"/>
+          <a:chOff x="0" y="0"/>
+          <a:chExt cx="0" cy="0"/>
+        </a:xfrm>
+      </p:grpSpPr>
+      <p:sp useBgFill="1">
+        <p:nvSpPr>
+          <p:cNvPr id="9" name="Rectangle 8">
+            <a:extLst>
+              <a:ext uri="{FF2B5EF4-FFF2-40B4-BE49-F238E27FC236}">
+                <a16:creationId xmlns:a16="http://schemas.microsoft.com/office/drawing/2014/main" id="{BACC6370-2D7E-4714-9D71-7542949D7D5D}"/>
+              </a:ext>
+              <a:ext uri="{C183D7F6-B498-43B3-948B-1728B52AA6E4}">
+                <adec:decorative xmlns:adec="http://schemas.microsoft.com/office/drawing/2017/decorative" val="1"/>
+              </a:ext>
+            </a:extLst>
+          </p:cNvPr>
+          <p:cNvSpPr>
+            <a:spLocks noGrp="1" noRot="1" noChangeAspect="1" noMove="1" noResize="1" noEditPoints="1" noAdjustHandles="1" noChangeArrowheads="1" noChangeShapeType="1" noTextEdit="1"/>
+          </p:cNvSpPr>
+          <p:nvPr>
+            <p:extLst>
+              <p:ext uri="{386F3935-93C4-4BCD-93E2-E3B085C9AB24}">
+                <p16:designElem xmlns:p16="http://schemas.microsoft.com/office/powerpoint/2015/main" val="1"/>
+              </p:ext>
+            </p:extLst>
+          </p:nvPr>
+        </p:nvSpPr>
+        <p:spPr>
+          <a:xfrm>
+            <a:off x="0" y="0"/>
+            <a:ext cx="12192000" cy="6858000"/>
+          </a:xfrm>
+          <a:prstGeom prst="rect">
+            <a:avLst/>
+          </a:prstGeom>
+          <a:ln w="12700" cap="flat" cmpd="sng" algn="ctr">
+            <a:noFill/>
+            <a:prstDash val="solid"/>
+            <a:miter lim="800000"/>
+          </a:ln>
+          <a:effectLst/>
+          <a:extLst>
+            <a:ext uri="{91240B29-F687-4F45-9708-019B960494DF}">
+              <a14:hiddenLine xmlns:a14="http://schemas.microsoft.com/office/drawing/2010/main" w="12700" cap="flat" cmpd="sng" algn="ctr">
+                <a:solidFill>
+                  <a:schemeClr val="accent1">
+                    <a:shade val="50000"/>
+                  </a:schemeClr>
+                </a:solidFill>
+                <a:prstDash val="solid"/>
+                <a:miter lim="800000"/>
+              </a14:hiddenLine>
+            </a:ext>
+          </a:extLst>
+        </p:spPr>
+        <p:style>
+          <a:lnRef idx="2">
+            <a:schemeClr val="accent1">
+              <a:shade val="50000"/>
+            </a:schemeClr>
+          </a:lnRef>
+          <a:fillRef idx="1">
+            <a:schemeClr val="accent1"/>
+          </a:fillRef>
+          <a:effectRef idx="0">
+            <a:schemeClr val="accent1"/>
+          </a:effectRef>
+          <a:fontRef idx="minor">
+            <a:schemeClr val="lt1"/>
+          </a:fontRef>
+        </p:style>
+        <p:txBody>
+          <a:bodyPr rtlCol="0" anchor="ctr"/>
+          <a:lstStyle/>
+          <a:p>
+            <a:pPr algn="ctr"/>
+            <a:endParaRPr lang="en-US"/>
+          </a:p>
+        </p:txBody>
+      </p:sp>
+      <p:sp>
+        <p:nvSpPr>
+          <p:cNvPr id="11" name="Rectangle 10">
+            <a:extLst>
+              <a:ext uri="{FF2B5EF4-FFF2-40B4-BE49-F238E27FC236}">
+                <a16:creationId xmlns:a16="http://schemas.microsoft.com/office/drawing/2014/main" id="{F68B3F68-107C-434F-AA38-110D5EA91B85}"/>
+              </a:ext>
+              <a:ext uri="{C183D7F6-B498-43B3-948B-1728B52AA6E4}">
+                <adec:decorative xmlns:adec="http://schemas.microsoft.com/office/drawing/2017/decorative" val="1"/>
+              </a:ext>
+            </a:extLst>
+          </p:cNvPr>
+          <p:cNvSpPr>
+            <a:spLocks noGrp="1" noRot="1" noChangeAspect="1" noMove="1" noResize="1" noEditPoints="1" noAdjustHandles="1" noChangeArrowheads="1" noChangeShapeType="1" noTextEdit="1"/>
+          </p:cNvSpPr>
+          <p:nvPr>
+            <p:extLst>
+              <p:ext uri="{386F3935-93C4-4BCD-93E2-E3B085C9AB24}">
+                <p16:designElem xmlns:p16="http://schemas.microsoft.com/office/powerpoint/2015/main" val="1"/>
+              </p:ext>
+            </p:extLst>
+          </p:nvPr>
+        </p:nvSpPr>
+        <p:spPr>
+          <a:xfrm flipH="1">
+            <a:off x="2" y="0"/>
+            <a:ext cx="12191998" cy="2170031"/>
+          </a:xfrm>
+          <a:prstGeom prst="rect">
+            <a:avLst/>
+          </a:prstGeom>
+          <a:gradFill>
+            <a:gsLst>
+              <a:gs pos="0">
+                <a:srgbClr val="000000">
+                  <a:alpha val="96000"/>
+                </a:srgbClr>
+              </a:gs>
+              <a:gs pos="100000">
+                <a:schemeClr val="accent1">
+                  <a:lumMod val="75000"/>
+                </a:schemeClr>
+              </a:gs>
+            </a:gsLst>
+            <a:lin ang="19800000" scaled="0"/>
+          </a:gradFill>
+          <a:ln>
+            <a:noFill/>
+          </a:ln>
+        </p:spPr>
+        <p:style>
+          <a:lnRef idx="2">
+            <a:schemeClr val="accent1">
+              <a:shade val="50000"/>
+            </a:schemeClr>
+          </a:lnRef>
+          <a:fillRef idx="1">
+            <a:schemeClr val="accent1"/>
+          </a:fillRef>
+          <a:effectRef idx="0">
+            <a:schemeClr val="accent1"/>
+          </a:effectRef>
+          <a:fontRef idx="minor">
+            <a:schemeClr val="lt1"/>
+          </a:fontRef>
+        </p:style>
+        <p:txBody>
+          <a:bodyPr rtlCol="0" anchor="ctr"/>
+          <a:lstStyle/>
+          <a:p>
+            <a:pPr algn="ctr"/>
+            <a:endParaRPr lang="en-US"/>
+          </a:p>
+        </p:txBody>
+      </p:sp>
+      <p:sp>
+        <p:nvSpPr>
+          <p:cNvPr id="13" name="Rectangle 12">
+            <a:extLst>
+              <a:ext uri="{FF2B5EF4-FFF2-40B4-BE49-F238E27FC236}">
+                <a16:creationId xmlns:a16="http://schemas.microsoft.com/office/drawing/2014/main" id="{AAD0DBB9-1A4B-4391-81D4-CB19F9AB918A}"/>
+              </a:ext>
+              <a:ext uri="{C183D7F6-B498-43B3-948B-1728B52AA6E4}">
+                <adec:decorative xmlns:adec="http://schemas.microsoft.com/office/drawing/2017/decorative" val="1"/>
+              </a:ext>
+            </a:extLst>
+          </p:cNvPr>
+          <p:cNvSpPr>
+            <a:spLocks noGrp="1" noRot="1" noChangeAspect="1" noMove="1" noResize="1" noEditPoints="1" noAdjustHandles="1" noChangeArrowheads="1" noChangeShapeType="1" noTextEdit="1"/>
+          </p:cNvSpPr>
+          <p:nvPr>
+            <p:extLst>
+              <p:ext uri="{386F3935-93C4-4BCD-93E2-E3B085C9AB24}">
+                <p16:designElem xmlns:p16="http://schemas.microsoft.com/office/powerpoint/2015/main" val="1"/>
+              </p:ext>
+            </p:extLst>
+          </p:nvPr>
+        </p:nvSpPr>
+        <p:spPr>
+          <a:xfrm flipH="1">
+            <a:off x="8082819" y="0"/>
+            <a:ext cx="4097211" cy="2170661"/>
+          </a:xfrm>
+          <a:prstGeom prst="rect">
+            <a:avLst/>
+          </a:prstGeom>
+          <a:gradFill>
+            <a:gsLst>
+              <a:gs pos="19000">
+                <a:schemeClr val="accent1">
+                  <a:lumMod val="50000"/>
+                  <a:alpha val="68000"/>
+                </a:schemeClr>
+              </a:gs>
+              <a:gs pos="100000">
+                <a:schemeClr val="accent1">
+                  <a:alpha val="48000"/>
+                </a:schemeClr>
+              </a:gs>
+            </a:gsLst>
+            <a:lin ang="19200000" scaled="0"/>
+          </a:gradFill>
+          <a:ln>
+            <a:noFill/>
+          </a:ln>
+        </p:spPr>
+        <p:style>
+          <a:lnRef idx="2">
+            <a:schemeClr val="accent1">
+              <a:shade val="50000"/>
+            </a:schemeClr>
+          </a:lnRef>
+          <a:fillRef idx="1">
+            <a:schemeClr val="accent1"/>
+          </a:fillRef>
+          <a:effectRef idx="0">
+            <a:schemeClr val="accent1"/>
+          </a:effectRef>
+          <a:fontRef idx="minor">
+            <a:schemeClr val="lt1"/>
+          </a:fontRef>
+        </p:style>
+        <p:txBody>
+          <a:bodyPr rtlCol="0" anchor="ctr"/>
+          <a:lstStyle/>
+          <a:p>
+            <a:pPr algn="ctr"/>
+            <a:endParaRPr lang="en-US"/>
+          </a:p>
+        </p:txBody>
+      </p:sp>
+      <p:sp>
+        <p:nvSpPr>
+          <p:cNvPr id="15" name="Rectangle 14">
+            <a:extLst>
+              <a:ext uri="{FF2B5EF4-FFF2-40B4-BE49-F238E27FC236}">
+                <a16:creationId xmlns:a16="http://schemas.microsoft.com/office/drawing/2014/main" id="{063BBA22-50EA-4C4D-BE05-F1CE4E63AA56}"/>
+              </a:ext>
+              <a:ext uri="{C183D7F6-B498-43B3-948B-1728B52AA6E4}">
+                <adec:decorative xmlns:adec="http://schemas.microsoft.com/office/drawing/2017/decorative" val="1"/>
+              </a:ext>
+            </a:extLst>
+          </p:cNvPr>
+          <p:cNvSpPr>
+            <a:spLocks noGrp="1" noRot="1" noChangeAspect="1" noMove="1" noResize="1" noEditPoints="1" noAdjustHandles="1" noChangeArrowheads="1" noChangeShapeType="1" noTextEdit="1"/>
+          </p:cNvSpPr>
+          <p:nvPr>
+            <p:extLst>
+              <p:ext uri="{386F3935-93C4-4BCD-93E2-E3B085C9AB24}">
+                <p16:designElem xmlns:p16="http://schemas.microsoft.com/office/powerpoint/2015/main" val="1"/>
+              </p:ext>
+            </p:extLst>
+          </p:nvPr>
+        </p:nvSpPr>
+        <p:spPr>
+          <a:xfrm rot="16200000" flipH="1">
+            <a:off x="5010646" y="-5010043"/>
+            <a:ext cx="2170709" cy="12192000"/>
+          </a:xfrm>
+          <a:prstGeom prst="rect">
+            <a:avLst/>
+          </a:prstGeom>
+          <a:gradFill>
+            <a:gsLst>
+              <a:gs pos="23000">
+                <a:schemeClr val="accent1">
+                  <a:lumMod val="75000"/>
+                  <a:alpha val="16000"/>
+                </a:schemeClr>
+              </a:gs>
+              <a:gs pos="99000">
+                <a:srgbClr val="000000">
+                  <a:alpha val="45000"/>
+                </a:srgbClr>
+              </a:gs>
+            </a:gsLst>
+            <a:lin ang="21000000" scaled="0"/>
+          </a:gradFill>
+          <a:ln>
+            <a:noFill/>
+          </a:ln>
+        </p:spPr>
+        <p:style>
+          <a:lnRef idx="2">
+            <a:schemeClr val="accent1">
+              <a:shade val="50000"/>
+            </a:schemeClr>
+          </a:lnRef>
+          <a:fillRef idx="1">
+            <a:schemeClr val="accent1"/>
+          </a:fillRef>
+          <a:effectRef idx="0">
+            <a:schemeClr val="accent1"/>
+          </a:effectRef>
+          <a:fontRef idx="minor">
+            <a:schemeClr val="lt1"/>
+          </a:fontRef>
+        </p:style>
+        <p:txBody>
+          <a:bodyPr rtlCol="0" anchor="ctr"/>
+          <a:lstStyle/>
+          <a:p>
+            <a:pPr algn="ctr"/>
+            <a:endParaRPr lang="en-US" dirty="0"/>
+          </a:p>
+        </p:txBody>
+      </p:sp>
+      <p:sp>
+        <p:nvSpPr>
+          <p:cNvPr id="2" name="Title 1">
+            <a:extLst>
+              <a:ext uri="{FF2B5EF4-FFF2-40B4-BE49-F238E27FC236}">
+                <a16:creationId xmlns:a16="http://schemas.microsoft.com/office/drawing/2014/main" id="{E2E2FB5B-A2D9-4647-911F-AF85BBB3EF19}"/>
+              </a:ext>
+            </a:extLst>
+          </p:cNvPr>
+          <p:cNvSpPr>
+            <a:spLocks noGrp="1"/>
+          </p:cNvSpPr>
+          <p:nvPr>
+            <p:ph type="title"/>
+          </p:nvPr>
+        </p:nvSpPr>
+        <p:spPr>
+          <a:xfrm>
+            <a:off x="11970" y="0"/>
+            <a:ext cx="9718111" cy="577892"/>
+          </a:xfrm>
+        </p:spPr>
+        <p:txBody>
+          <a:bodyPr anchor="ctr">
+            <a:normAutofit fontScale="90000"/>
+          </a:bodyPr>
+          <a:lstStyle/>
+          <a:p>
+            <a:r>
+              <a:rPr lang="en-US" sz="4000" dirty="0">
+                <a:solidFill>
+                  <a:srgbClr val="FFFFFF"/>
+                </a:solidFill>
+              </a:rPr>
+              <a:t>Summary Distribution</a:t>
+            </a:r>
+          </a:p>
+        </p:txBody>
+      </p:sp>
+      <p:graphicFrame>
+        <p:nvGraphicFramePr>
+          <p:cNvPr id="4" name="Table 4">
+            <a:extLst>
+              <a:ext uri="{FF2B5EF4-FFF2-40B4-BE49-F238E27FC236}">
+                <a16:creationId xmlns:a16="http://schemas.microsoft.com/office/drawing/2014/main" id="{B5D75CAC-EA9A-40DB-BB79-D123729897AD}"/>
+              </a:ext>
+            </a:extLst>
+          </p:cNvPr>
+          <p:cNvGraphicFramePr>
+            <a:graphicFrameLocks noGrp="1"/>
+          </p:cNvGraphicFramePr>
+          <p:nvPr>
+            <p:ph idx="1"/>
+            <p:extLst>
+              <p:ext uri="{D42A27DB-BD31-4B8C-83A1-F6EECF244321}">
+                <p14:modId xmlns:p14="http://schemas.microsoft.com/office/powerpoint/2010/main" val="2533977801"/>
+              </p:ext>
+            </p:extLst>
+          </p:nvPr>
+        </p:nvGraphicFramePr>
+        <p:xfrm>
+          <a:off x="0" y="577892"/>
+          <a:ext cx="12168061" cy="919222"/>
+        </p:xfrm>
+        <a:graphic>
+          <a:graphicData uri="http://schemas.openxmlformats.org/drawingml/2006/table">
+            <a:tbl>
+              <a:tblPr firstRow="1" bandRow="1">
+                <a:tableStyleId>{5202B0CA-FC54-4496-8BCA-5EF66A818D29}</a:tableStyleId>
+              </a:tblPr>
+              <a:tblGrid>
+                <a:gridCol w="1812603">
+                  <a:extLst>
+                    <a:ext uri="{9D8B030D-6E8A-4147-A177-3AD203B41FA5}">
+                      <a16:colId xmlns:a16="http://schemas.microsoft.com/office/drawing/2014/main" val="580718038"/>
+                    </a:ext>
+                  </a:extLst>
+                </a:gridCol>
+                <a:gridCol w="1812603">
+                  <a:extLst>
+                    <a:ext uri="{9D8B030D-6E8A-4147-A177-3AD203B41FA5}">
+                      <a16:colId xmlns:a16="http://schemas.microsoft.com/office/drawing/2014/main" val="1275676225"/>
+                    </a:ext>
+                  </a:extLst>
+                </a:gridCol>
+                <a:gridCol w="1812603">
+                  <a:extLst>
+                    <a:ext uri="{9D8B030D-6E8A-4147-A177-3AD203B41FA5}">
+                      <a16:colId xmlns:a16="http://schemas.microsoft.com/office/drawing/2014/main" val="513024440"/>
+                    </a:ext>
+                  </a:extLst>
+                </a:gridCol>
+                <a:gridCol w="1812603">
+                  <a:extLst>
+                    <a:ext uri="{9D8B030D-6E8A-4147-A177-3AD203B41FA5}">
+                      <a16:colId xmlns:a16="http://schemas.microsoft.com/office/drawing/2014/main" val="1202276863"/>
+                    </a:ext>
+                  </a:extLst>
+                </a:gridCol>
+                <a:gridCol w="1812603">
+                  <a:extLst>
+                    <a:ext uri="{9D8B030D-6E8A-4147-A177-3AD203B41FA5}">
+                      <a16:colId xmlns:a16="http://schemas.microsoft.com/office/drawing/2014/main" val="4051971797"/>
+                    </a:ext>
+                  </a:extLst>
+                </a:gridCol>
+                <a:gridCol w="1812603">
+                  <a:extLst>
+                    <a:ext uri="{9D8B030D-6E8A-4147-A177-3AD203B41FA5}">
+                      <a16:colId xmlns:a16="http://schemas.microsoft.com/office/drawing/2014/main" val="1453850908"/>
+                    </a:ext>
+                  </a:extLst>
+                </a:gridCol>
+                <a:gridCol w="1292443">
+                  <a:extLst>
+                    <a:ext uri="{9D8B030D-6E8A-4147-A177-3AD203B41FA5}">
+                      <a16:colId xmlns:a16="http://schemas.microsoft.com/office/drawing/2014/main" val="2421316139"/>
+                    </a:ext>
+                  </a:extLst>
+                </a:gridCol>
+              </a:tblGrid>
+              <a:tr h="517104">
+                <a:tc>
+                  <a:txBody>
+                    <a:bodyPr/>
+                    <a:lstStyle/>
+                    <a:p>
+                      <a:r>
+                        <a:rPr lang="en-US" sz="1600"/>
+                        <a:t>Min</a:t>
+                      </a:r>
+                    </a:p>
+                  </a:txBody>
+                  <a:tcPr marL="158279" marR="158279" marT="79139" marB="79139"/>
+                </a:tc>
+                <a:tc>
+                  <a:txBody>
+                    <a:bodyPr/>
+                    <a:lstStyle/>
+                    <a:p>
+                      <a:r>
+                        <a:rPr lang="en-US" sz="1600"/>
+                        <a:t>1st Quartile</a:t>
+                      </a:r>
+                    </a:p>
+                  </a:txBody>
+                  <a:tcPr marL="158279" marR="158279" marT="79139" marB="79139"/>
+                </a:tc>
+                <a:tc>
+                  <a:txBody>
+                    <a:bodyPr/>
+                    <a:lstStyle/>
+                    <a:p>
+                      <a:r>
+                        <a:rPr lang="en-US" sz="1600"/>
+                        <a:t>Median</a:t>
+                      </a:r>
+                    </a:p>
+                  </a:txBody>
+                  <a:tcPr marL="158279" marR="158279" marT="79139" marB="79139"/>
+                </a:tc>
+                <a:tc>
+                  <a:txBody>
+                    <a:bodyPr/>
+                    <a:lstStyle/>
+                    <a:p>
+                      <a:r>
+                        <a:rPr lang="en-US" sz="1600" dirty="0"/>
+                        <a:t>Mean</a:t>
+                      </a:r>
+                    </a:p>
+                  </a:txBody>
+                  <a:tcPr marL="158279" marR="158279" marT="79139" marB="79139"/>
+                </a:tc>
+                <a:tc>
+                  <a:txBody>
+                    <a:bodyPr/>
+                    <a:lstStyle/>
+                    <a:p>
+                      <a:r>
+                        <a:rPr lang="en-US" sz="1600" dirty="0"/>
+                        <a:t>3rd Quartile</a:t>
+                      </a:r>
+                    </a:p>
+                  </a:txBody>
+                  <a:tcPr marL="158279" marR="158279" marT="79139" marB="79139"/>
+                </a:tc>
+                <a:tc>
+                  <a:txBody>
+                    <a:bodyPr/>
+                    <a:lstStyle/>
+                    <a:p>
+                      <a:pPr lvl="0">
+                        <a:buNone/>
+                      </a:pPr>
+                      <a:r>
+                        <a:rPr lang="en-US" sz="1600"/>
+                        <a:t>Max</a:t>
+                      </a:r>
+                    </a:p>
+                  </a:txBody>
+                  <a:tcPr marL="158279" marR="158279" marT="79139" marB="79139"/>
+                </a:tc>
+                <a:tc>
+                  <a:txBody>
+                    <a:bodyPr/>
+                    <a:lstStyle/>
+                    <a:p>
+                      <a:pPr lvl="0">
+                        <a:buNone/>
+                      </a:pPr>
+                      <a:r>
+                        <a:rPr lang="en-US" sz="1600"/>
+                        <a:t>NA's</a:t>
+                      </a:r>
+                    </a:p>
+                  </a:txBody>
+                  <a:tcPr marL="158279" marR="158279" marT="79139" marB="79139"/>
+                </a:tc>
+                <a:extLst>
+                  <a:ext uri="{0D108BD9-81ED-4DB2-BD59-A6C34878D82A}">
+                    <a16:rowId xmlns:a16="http://schemas.microsoft.com/office/drawing/2014/main" val="1725901985"/>
+                  </a:ext>
+                </a:extLst>
+              </a:tr>
+              <a:tr h="361241">
+                <a:tc>
+                  <a:txBody>
+                    <a:bodyPr/>
+                    <a:lstStyle/>
+                    <a:p>
+                      <a:r>
+                        <a:rPr lang="en-US" sz="1600"/>
+                        <a:t>0.00100</a:t>
+                      </a:r>
+                    </a:p>
+                  </a:txBody>
+                  <a:tcPr marL="158279" marR="158279" marT="79139" marB="79139"/>
+                </a:tc>
+                <a:tc>
+                  <a:txBody>
+                    <a:bodyPr/>
+                    <a:lstStyle/>
+                    <a:p>
+                      <a:r>
+                        <a:rPr lang="en-US" sz="1600"/>
+                        <a:t>0.05000</a:t>
+                      </a:r>
+                    </a:p>
+                  </a:txBody>
+                  <a:tcPr marL="158279" marR="158279" marT="79139" marB="79139"/>
+                </a:tc>
+                <a:tc>
+                  <a:txBody>
+                    <a:bodyPr/>
+                    <a:lstStyle/>
+                    <a:p>
+                      <a:r>
+                        <a:rPr lang="en-US" sz="1600"/>
+                        <a:t>0.05600</a:t>
+                      </a:r>
+                    </a:p>
+                  </a:txBody>
+                  <a:tcPr marL="158279" marR="158279" marT="79139" marB="79139"/>
+                </a:tc>
+                <a:tc>
+                  <a:txBody>
+                    <a:bodyPr/>
+                    <a:lstStyle/>
+                    <a:p>
+                      <a:r>
+                        <a:rPr lang="en-US" sz="1600" dirty="0"/>
+                        <a:t>0.05977</a:t>
+                      </a:r>
+                    </a:p>
+                  </a:txBody>
+                  <a:tcPr marL="158279" marR="158279" marT="79139" marB="79139"/>
+                </a:tc>
+                <a:tc>
+                  <a:txBody>
+                    <a:bodyPr/>
+                    <a:lstStyle/>
+                    <a:p>
+                      <a:r>
+                        <a:rPr lang="en-US" sz="1600"/>
+                        <a:t>0.06700</a:t>
+                      </a:r>
+                    </a:p>
+                  </a:txBody>
+                  <a:tcPr marL="158279" marR="158279" marT="79139" marB="79139"/>
+                </a:tc>
+                <a:tc>
+                  <a:txBody>
+                    <a:bodyPr/>
+                    <a:lstStyle/>
+                    <a:p>
+                      <a:pPr lvl="0">
+                        <a:buNone/>
+                      </a:pPr>
+                      <a:r>
+                        <a:rPr lang="en-US" sz="1600"/>
+                        <a:t>0.12800</a:t>
+                      </a:r>
+                    </a:p>
+                  </a:txBody>
+                  <a:tcPr marL="158279" marR="158279" marT="79139" marB="79139"/>
+                </a:tc>
+                <a:tc>
+                  <a:txBody>
+                    <a:bodyPr/>
+                    <a:lstStyle/>
+                    <a:p>
+                      <a:pPr lvl="0">
+                        <a:buNone/>
+                      </a:pPr>
+                      <a:r>
+                        <a:rPr lang="en-US" sz="1600" dirty="0"/>
+                        <a:t>62</a:t>
+                      </a:r>
+                    </a:p>
+                  </a:txBody>
+                  <a:tcPr marL="158279" marR="158279" marT="79139" marB="79139"/>
+                </a:tc>
+                <a:extLst>
+                  <a:ext uri="{0D108BD9-81ED-4DB2-BD59-A6C34878D82A}">
+                    <a16:rowId xmlns:a16="http://schemas.microsoft.com/office/drawing/2014/main" val="3519542925"/>
+                  </a:ext>
+                </a:extLst>
+              </a:tr>
+            </a:tbl>
+          </a:graphicData>
+        </a:graphic>
+      </p:graphicFrame>
+      <p:pic>
+        <p:nvPicPr>
+          <p:cNvPr id="8" name="Picture 7" descr="Chart&#10;&#10;Description automatically generated">
+            <a:extLst>
+              <a:ext uri="{FF2B5EF4-FFF2-40B4-BE49-F238E27FC236}">
+                <a16:creationId xmlns:a16="http://schemas.microsoft.com/office/drawing/2014/main" id="{B7D81F19-2251-4244-BC81-80DA466CB728}"/>
+              </a:ext>
+            </a:extLst>
+          </p:cNvPr>
+          <p:cNvPicPr>
+            <a:picLocks noChangeAspect="1"/>
+          </p:cNvPicPr>
+          <p:nvPr/>
+        </p:nvPicPr>
+        <p:blipFill>
+          <a:blip r:embed="rId3"/>
+          <a:stretch>
+            <a:fillRect/>
+          </a:stretch>
+        </p:blipFill>
+        <p:spPr>
+          <a:xfrm>
+            <a:off x="2596637" y="1566913"/>
+            <a:ext cx="6998726" cy="5291402"/>
           </a:xfrm>
           <a:prstGeom prst="rect">
             <a:avLst/>
@@ -7057,12 +9762,103 @@
   <p:clrMapOvr>
     <a:masterClrMapping/>
   </p:clrMapOvr>
+  <p:timing>
+    <p:tnLst>
+      <p:par>
+        <p:cTn id="1" dur="indefinite" restart="never" nodeType="tmRoot">
+          <p:childTnLst>
+            <p:seq concurrent="1" nextAc="seek">
+              <p:cTn id="2" dur="indefinite" nodeType="mainSeq">
+                <p:childTnLst>
+                  <p:par>
+                    <p:cTn id="3" fill="hold">
+                      <p:stCondLst>
+                        <p:cond delay="indefinite"/>
+                      </p:stCondLst>
+                      <p:childTnLst>
+                        <p:par>
+                          <p:cTn id="4" fill="hold">
+                            <p:stCondLst>
+                              <p:cond delay="0"/>
+                            </p:stCondLst>
+                            <p:childTnLst>
+                              <p:par>
+                                <p:cTn id="5" presetID="3" presetClass="entr" presetSubtype="10" fill="hold" nodeType="clickEffect">
+                                  <p:stCondLst>
+                                    <p:cond delay="0"/>
+                                  </p:stCondLst>
+                                  <p:childTnLst>
+                                    <p:set>
+                                      <p:cBhvr>
+                                        <p:cTn id="6" dur="1" fill="hold">
+                                          <p:stCondLst>
+                                            <p:cond delay="0"/>
+                                          </p:stCondLst>
+                                        </p:cTn>
+                                        <p:tgtEl>
+                                          <p:spTgt spid="8"/>
+                                        </p:tgtEl>
+                                        <p:attrNameLst>
+                                          <p:attrName>style.visibility</p:attrName>
+                                        </p:attrNameLst>
+                                      </p:cBhvr>
+                                      <p:to>
+                                        <p:strVal val="visible"/>
+                                      </p:to>
+                                    </p:set>
+                                    <p:animEffect transition="in" filter="blinds(horizontal)">
+                                      <p:cBhvr>
+                                        <p:cTn id="7" dur="500"/>
+                                        <p:tgtEl>
+                                          <p:spTgt spid="8"/>
+                                        </p:tgtEl>
+                                      </p:cBhvr>
+                                    </p:animEffect>
+                                  </p:childTnLst>
+                                </p:cTn>
+                              </p:par>
+                            </p:childTnLst>
+                          </p:cTn>
+                        </p:par>
+                      </p:childTnLst>
+                    </p:cTn>
+                  </p:par>
+                </p:childTnLst>
+              </p:cTn>
+              <p:prevCondLst>
+                <p:cond evt="onPrev" delay="0">
+                  <p:tgtEl>
+                    <p:sldTgt/>
+                  </p:tgtEl>
+                </p:cond>
+              </p:prevCondLst>
+              <p:nextCondLst>
+                <p:cond evt="onNext" delay="0">
+                  <p:tgtEl>
+                    <p:sldTgt/>
+                  </p:tgtEl>
+                </p:cond>
+              </p:nextCondLst>
+            </p:seq>
+          </p:childTnLst>
+        </p:cTn>
+      </p:par>
+    </p:tnLst>
+  </p:timing>
 </p:sld>
 </file>
 
-<file path=ppt/slides/slide8.xml><?xml version="1.0" encoding="utf-8"?>
+<file path=ppt/slides/slide9.xml><?xml version="1.0" encoding="utf-8"?>
 <p:sld xmlns:a="http://schemas.openxmlformats.org/drawingml/2006/main" xmlns:r="http://schemas.openxmlformats.org/officeDocument/2006/relationships" xmlns:p="http://schemas.openxmlformats.org/presentationml/2006/main">
   <p:cSld>
+    <p:bg>
+      <p:bgPr>
+        <a:solidFill>
+          <a:schemeClr val="bg1"/>
+        </a:solidFill>
+        <a:effectLst/>
+      </p:bgPr>
+    </p:bg>
     <p:spTree>
       <p:nvGrpSpPr>
         <p:cNvPr id="1" name=""/>
@@ -7077,6 +9873,35 @@
           <a:chExt cx="0" cy="0"/>
         </a:xfrm>
       </p:grpSpPr>
+      <p:pic>
+        <p:nvPicPr>
+          <p:cNvPr id="7" name="Picture 6" descr="Chart, scatter chart&#10;&#10;Description automatically generated">
+            <a:extLst>
+              <a:ext uri="{FF2B5EF4-FFF2-40B4-BE49-F238E27FC236}">
+                <a16:creationId xmlns:a16="http://schemas.microsoft.com/office/drawing/2014/main" id="{1841CAA6-C8FA-8A45-83D9-424D8DE92489}"/>
+              </a:ext>
+            </a:extLst>
+          </p:cNvPr>
+          <p:cNvPicPr>
+            <a:picLocks noChangeAspect="1"/>
+          </p:cNvPicPr>
+          <p:nvPr/>
+        </p:nvPicPr>
+        <p:blipFill rotWithShape="1">
+          <a:blip r:embed="rId3"/>
+          <a:srcRect t="17170" b="8079"/>
+          <a:stretch/>
+        </p:blipFill>
+        <p:spPr>
+          <a:xfrm>
+            <a:off x="20" y="10"/>
+            <a:ext cx="12191980" cy="6857990"/>
+          </a:xfrm>
+          <a:prstGeom prst="rect">
+            <a:avLst/>
+          </a:prstGeom>
+        </p:spPr>
+      </p:pic>
       <p:sp>
         <p:nvSpPr>
           <p:cNvPr id="2" name="Title 1">
@@ -7093,47 +9918,41 @@
             <p:ph type="title"/>
           </p:nvPr>
         </p:nvSpPr>
-        <p:spPr/>
-        <p:txBody>
-          <a:bodyPr/>
-          <a:lstStyle/>
-          <a:p>
-            <a:r>
-              <a:rPr lang="en-US" dirty="0"/>
-              <a:t>Bitterness &amp; ABV</a:t>
-            </a:r>
-          </a:p>
-        </p:txBody>
-      </p:sp>
-      <p:pic>
-        <p:nvPicPr>
-          <p:cNvPr id="4" name="Picture 4" descr="Chart, scatter chart&#10;&#10;Description automatically generated">
-            <a:extLst>
-              <a:ext uri="{FF2B5EF4-FFF2-40B4-BE49-F238E27FC236}">
-                <a16:creationId xmlns:a16="http://schemas.microsoft.com/office/drawing/2014/main" id="{0590AAD4-347A-484B-BF24-8D428A1A511F}"/>
-              </a:ext>
-            </a:extLst>
-          </p:cNvPr>
-          <p:cNvPicPr>
-            <a:picLocks noGrp="1" noChangeAspect="1"/>
-          </p:cNvPicPr>
-          <p:nvPr>
-            <p:ph idx="1"/>
-          </p:nvPr>
-        </p:nvPicPr>
-        <p:blipFill>
-          <a:blip r:embed="rId3"/>
-          <a:stretch>
-            <a:fillRect/>
-          </a:stretch>
-        </p:blipFill>
         <p:spPr>
           <a:xfrm>
-            <a:off x="1375032" y="1825625"/>
-            <a:ext cx="9441935" cy="4351338"/>
+            <a:off x="640080" y="640080"/>
+            <a:ext cx="2752354" cy="2709275"/>
           </a:xfrm>
+          <a:prstGeom prst="ellipse">
+            <a:avLst/>
+          </a:prstGeom>
+          <a:solidFill>
+            <a:srgbClr val="FFFFFF"/>
+          </a:solidFill>
+          <a:ln w="174625" cmpd="thinThick">
+            <a:solidFill>
+              <a:srgbClr val="FFFFFF"/>
+            </a:solidFill>
+          </a:ln>
         </p:spPr>
-      </p:pic>
+        <p:txBody>
+          <a:bodyPr vert="horz" lIns="91440" tIns="45720" rIns="91440" bIns="45720" rtlCol="0" anchor="ctr">
+            <a:normAutofit/>
+          </a:bodyPr>
+          <a:lstStyle/>
+          <a:p>
+            <a:pPr algn="ctr"/>
+            <a:r>
+              <a:rPr lang="en-US" sz="2800" dirty="0">
+                <a:solidFill>
+                  <a:srgbClr val="262626"/>
+                </a:solidFill>
+              </a:rPr>
+              <a:t>Bitterness &amp; ABV</a:t>
+            </a:r>
+          </a:p>
+        </p:txBody>
+      </p:sp>
     </p:spTree>
     <p:extLst>
       <p:ext uri="{BB962C8B-B14F-4D97-AF65-F5344CB8AC3E}">
@@ -7144,6 +9963,98 @@
   <p:clrMapOvr>
     <a:masterClrMapping/>
   </p:clrMapOvr>
+  <p:timing>
+    <p:tnLst>
+      <p:par>
+        <p:cTn id="1" dur="indefinite" restart="never" nodeType="tmRoot">
+          <p:childTnLst>
+            <p:seq concurrent="1" nextAc="seek">
+              <p:cTn id="2" dur="indefinite" nodeType="mainSeq">
+                <p:childTnLst>
+                  <p:par>
+                    <p:cTn id="3" fill="hold">
+                      <p:stCondLst>
+                        <p:cond delay="indefinite"/>
+                        <p:cond evt="onBegin" delay="0">
+                          <p:tn val="2"/>
+                        </p:cond>
+                      </p:stCondLst>
+                      <p:childTnLst>
+                        <p:par>
+                          <p:cTn id="4" fill="hold">
+                            <p:stCondLst>
+                              <p:cond delay="0"/>
+                            </p:stCondLst>
+                            <p:childTnLst>
+                              <p:par>
+                                <p:cTn id="5" presetID="10" presetClass="entr" presetSubtype="0" fill="hold" grpId="0" nodeType="withEffect">
+                                  <p:stCondLst>
+                                    <p:cond delay="1000"/>
+                                  </p:stCondLst>
+                                  <p:iterate>
+                                    <p:tmPct val="10000"/>
+                                  </p:iterate>
+                                  <p:childTnLst>
+                                    <p:set>
+                                      <p:cBhvr>
+                                        <p:cTn id="6" dur="1" fill="hold">
+                                          <p:stCondLst>
+                                            <p:cond delay="0"/>
+                                          </p:stCondLst>
+                                        </p:cTn>
+                                        <p:tgtEl>
+                                          <p:spTgt spid="2"/>
+                                        </p:tgtEl>
+                                        <p:attrNameLst>
+                                          <p:attrName>style.visibility</p:attrName>
+                                        </p:attrNameLst>
+                                      </p:cBhvr>
+                                      <p:to>
+                                        <p:strVal val="visible"/>
+                                      </p:to>
+                                    </p:set>
+                                    <p:animEffect transition="in" filter="fade">
+                                      <p:cBhvr>
+                                        <p:cTn id="7" dur="700"/>
+                                        <p:tgtEl>
+                                          <p:spTgt spid="2"/>
+                                        </p:tgtEl>
+                                      </p:cBhvr>
+                                    </p:animEffect>
+                                  </p:childTnLst>
+                                </p:cTn>
+                              </p:par>
+                            </p:childTnLst>
+                          </p:cTn>
+                        </p:par>
+                      </p:childTnLst>
+                    </p:cTn>
+                  </p:par>
+                </p:childTnLst>
+              </p:cTn>
+              <p:prevCondLst>
+                <p:cond evt="onPrev" delay="0">
+                  <p:tgtEl>
+                    <p:sldTgt/>
+                  </p:tgtEl>
+                </p:cond>
+              </p:prevCondLst>
+              <p:nextCondLst>
+                <p:cond evt="onNext" delay="0">
+                  <p:tgtEl>
+                    <p:sldTgt/>
+                  </p:tgtEl>
+                </p:cond>
+              </p:nextCondLst>
+            </p:seq>
+          </p:childTnLst>
+        </p:cTn>
+      </p:par>
+    </p:tnLst>
+    <p:bldLst>
+      <p:bldP spid="2" grpId="0"/>
+    </p:bldLst>
+  </p:timing>
 </p:sld>
 </file>
 

--- a/EDA_Beer_and_Brews-Case_Study1.pptx
+++ b/EDA_Beer_and_Brews-Case_Study1.pptx
@@ -5,18 +5,23 @@
     <p:sldMasterId id="2147483686" r:id="rId1"/>
   </p:sldMasterIdLst>
   <p:notesMasterIdLst>
-    <p:notesMasterId r:id="rId11"/>
+    <p:notesMasterId r:id="rId16"/>
   </p:notesMasterIdLst>
   <p:sldIdLst>
     <p:sldId id="266" r:id="rId2"/>
     <p:sldId id="258" r:id="rId3"/>
-    <p:sldId id="265" r:id="rId4"/>
-    <p:sldId id="260" r:id="rId5"/>
-    <p:sldId id="267" r:id="rId6"/>
-    <p:sldId id="268" r:id="rId7"/>
-    <p:sldId id="269" r:id="rId8"/>
-    <p:sldId id="263" r:id="rId9"/>
-    <p:sldId id="264" r:id="rId10"/>
+    <p:sldId id="270" r:id="rId4"/>
+    <p:sldId id="265" r:id="rId5"/>
+    <p:sldId id="260" r:id="rId6"/>
+    <p:sldId id="267" r:id="rId7"/>
+    <p:sldId id="268" r:id="rId8"/>
+    <p:sldId id="269" r:id="rId9"/>
+    <p:sldId id="263" r:id="rId10"/>
+    <p:sldId id="264" r:id="rId11"/>
+    <p:sldId id="271" r:id="rId12"/>
+    <p:sldId id="272" r:id="rId13"/>
+    <p:sldId id="273" r:id="rId14"/>
+    <p:sldId id="275" r:id="rId15"/>
   </p:sldIdLst>
   <p:sldSz cx="12192000" cy="6858000"/>
   <p:notesSz cx="6858000" cy="9144000"/>
@@ -2075,7 +2080,7 @@
           <a:p>
             <a:fld id="{19BB0C0E-41D0-4AF2-AEEC-7F6152B76511}" type="slidenum">
               <a:rPr lang="en-US"/>
-              <a:t>4</a:t>
+              <a:t>5</a:t>
             </a:fld>
             <a:endParaRPr lang="en-US"/>
           </a:p>
@@ -2187,7 +2192,7 @@
           <a:p>
             <a:fld id="{19BB0C0E-41D0-4AF2-AEEC-7F6152B76511}" type="slidenum">
               <a:rPr lang="en-US"/>
-              <a:t>5</a:t>
+              <a:t>6</a:t>
             </a:fld>
             <a:endParaRPr lang="en-US"/>
           </a:p>
@@ -2454,7 +2459,7 @@
           <a:p>
             <a:fld id="{19BB0C0E-41D0-4AF2-AEEC-7F6152B76511}" type="slidenum">
               <a:rPr lang="en-US"/>
-              <a:t>8</a:t>
+              <a:t>9</a:t>
             </a:fld>
             <a:endParaRPr lang="en-US"/>
           </a:p>
@@ -2645,7 +2650,7 @@
           <a:p>
             <a:fld id="{19BB0C0E-41D0-4AF2-AEEC-7F6152B76511}" type="slidenum">
               <a:rPr lang="en-US"/>
-              <a:t>9</a:t>
+              <a:t>10</a:t>
             </a:fld>
             <a:endParaRPr lang="en-US"/>
           </a:p>
@@ -5937,6 +5942,2193 @@
 </p:sld>
 </file>
 
+<file path=ppt/slides/slide10.xml><?xml version="1.0" encoding="utf-8"?>
+<p:sld xmlns:a="http://schemas.openxmlformats.org/drawingml/2006/main" xmlns:r="http://schemas.openxmlformats.org/officeDocument/2006/relationships" xmlns:p="http://schemas.openxmlformats.org/presentationml/2006/main">
+  <p:cSld>
+    <p:bg>
+      <p:bgPr>
+        <a:solidFill>
+          <a:schemeClr val="bg1"/>
+        </a:solidFill>
+        <a:effectLst/>
+      </p:bgPr>
+    </p:bg>
+    <p:spTree>
+      <p:nvGrpSpPr>
+        <p:cNvPr id="1" name=""/>
+        <p:cNvGrpSpPr/>
+        <p:nvPr/>
+      </p:nvGrpSpPr>
+      <p:grpSpPr>
+        <a:xfrm>
+          <a:off x="0" y="0"/>
+          <a:ext cx="0" cy="0"/>
+          <a:chOff x="0" y="0"/>
+          <a:chExt cx="0" cy="0"/>
+        </a:xfrm>
+      </p:grpSpPr>
+      <p:pic>
+        <p:nvPicPr>
+          <p:cNvPr id="7" name="Picture 6" descr="Chart, scatter chart&#10;&#10;Description automatically generated">
+            <a:extLst>
+              <a:ext uri="{FF2B5EF4-FFF2-40B4-BE49-F238E27FC236}">
+                <a16:creationId xmlns:a16="http://schemas.microsoft.com/office/drawing/2014/main" id="{1841CAA6-C8FA-8A45-83D9-424D8DE92489}"/>
+              </a:ext>
+            </a:extLst>
+          </p:cNvPr>
+          <p:cNvPicPr>
+            <a:picLocks noChangeAspect="1"/>
+          </p:cNvPicPr>
+          <p:nvPr/>
+        </p:nvPicPr>
+        <p:blipFill rotWithShape="1">
+          <a:blip r:embed="rId3"/>
+          <a:srcRect t="17170" b="8079"/>
+          <a:stretch/>
+        </p:blipFill>
+        <p:spPr>
+          <a:xfrm>
+            <a:off x="20" y="10"/>
+            <a:ext cx="12191980" cy="6857990"/>
+          </a:xfrm>
+          <a:prstGeom prst="rect">
+            <a:avLst/>
+          </a:prstGeom>
+        </p:spPr>
+      </p:pic>
+      <p:sp>
+        <p:nvSpPr>
+          <p:cNvPr id="2" name="Title 1">
+            <a:extLst>
+              <a:ext uri="{FF2B5EF4-FFF2-40B4-BE49-F238E27FC236}">
+                <a16:creationId xmlns:a16="http://schemas.microsoft.com/office/drawing/2014/main" id="{23EF1D2E-D715-42C2-B58D-ACBFEE05F5A1}"/>
+              </a:ext>
+            </a:extLst>
+          </p:cNvPr>
+          <p:cNvSpPr>
+            <a:spLocks noGrp="1"/>
+          </p:cNvSpPr>
+          <p:nvPr>
+            <p:ph type="title"/>
+          </p:nvPr>
+        </p:nvSpPr>
+        <p:spPr>
+          <a:xfrm>
+            <a:off x="640080" y="640080"/>
+            <a:ext cx="2752354" cy="2709275"/>
+          </a:xfrm>
+          <a:prstGeom prst="ellipse">
+            <a:avLst/>
+          </a:prstGeom>
+          <a:solidFill>
+            <a:srgbClr val="FFFFFF"/>
+          </a:solidFill>
+          <a:ln w="174625" cmpd="thinThick">
+            <a:solidFill>
+              <a:srgbClr val="FFFFFF"/>
+            </a:solidFill>
+          </a:ln>
+        </p:spPr>
+        <p:txBody>
+          <a:bodyPr vert="horz" lIns="91440" tIns="45720" rIns="91440" bIns="45720" rtlCol="0" anchor="ctr">
+            <a:normAutofit/>
+          </a:bodyPr>
+          <a:lstStyle/>
+          <a:p>
+            <a:pPr algn="ctr"/>
+            <a:r>
+              <a:rPr lang="en-US" sz="2800" dirty="0">
+                <a:solidFill>
+                  <a:srgbClr val="262626"/>
+                </a:solidFill>
+              </a:rPr>
+              <a:t>Bitterness &amp; ABV</a:t>
+            </a:r>
+          </a:p>
+        </p:txBody>
+      </p:sp>
+    </p:spTree>
+    <p:extLst>
+      <p:ext uri="{BB962C8B-B14F-4D97-AF65-F5344CB8AC3E}">
+        <p14:creationId xmlns:p14="http://schemas.microsoft.com/office/powerpoint/2010/main" val="1442204552"/>
+      </p:ext>
+    </p:extLst>
+  </p:cSld>
+  <p:clrMapOvr>
+    <a:masterClrMapping/>
+  </p:clrMapOvr>
+  <p:timing>
+    <p:tnLst>
+      <p:par>
+        <p:cTn id="1" dur="indefinite" restart="never" nodeType="tmRoot">
+          <p:childTnLst>
+            <p:seq concurrent="1" nextAc="seek">
+              <p:cTn id="2" dur="indefinite" nodeType="mainSeq">
+                <p:childTnLst>
+                  <p:par>
+                    <p:cTn id="3" fill="hold">
+                      <p:stCondLst>
+                        <p:cond delay="indefinite"/>
+                        <p:cond evt="onBegin" delay="0">
+                          <p:tn val="2"/>
+                        </p:cond>
+                      </p:stCondLst>
+                      <p:childTnLst>
+                        <p:par>
+                          <p:cTn id="4" fill="hold">
+                            <p:stCondLst>
+                              <p:cond delay="0"/>
+                            </p:stCondLst>
+                            <p:childTnLst>
+                              <p:par>
+                                <p:cTn id="5" presetID="10" presetClass="entr" presetSubtype="0" fill="hold" grpId="0" nodeType="withEffect">
+                                  <p:stCondLst>
+                                    <p:cond delay="1000"/>
+                                  </p:stCondLst>
+                                  <p:iterate>
+                                    <p:tmPct val="10000"/>
+                                  </p:iterate>
+                                  <p:childTnLst>
+                                    <p:set>
+                                      <p:cBhvr>
+                                        <p:cTn id="6" dur="1" fill="hold">
+                                          <p:stCondLst>
+                                            <p:cond delay="0"/>
+                                          </p:stCondLst>
+                                        </p:cTn>
+                                        <p:tgtEl>
+                                          <p:spTgt spid="2"/>
+                                        </p:tgtEl>
+                                        <p:attrNameLst>
+                                          <p:attrName>style.visibility</p:attrName>
+                                        </p:attrNameLst>
+                                      </p:cBhvr>
+                                      <p:to>
+                                        <p:strVal val="visible"/>
+                                      </p:to>
+                                    </p:set>
+                                    <p:animEffect transition="in" filter="fade">
+                                      <p:cBhvr>
+                                        <p:cTn id="7" dur="700"/>
+                                        <p:tgtEl>
+                                          <p:spTgt spid="2"/>
+                                        </p:tgtEl>
+                                      </p:cBhvr>
+                                    </p:animEffect>
+                                  </p:childTnLst>
+                                </p:cTn>
+                              </p:par>
+                            </p:childTnLst>
+                          </p:cTn>
+                        </p:par>
+                      </p:childTnLst>
+                    </p:cTn>
+                  </p:par>
+                </p:childTnLst>
+              </p:cTn>
+              <p:prevCondLst>
+                <p:cond evt="onPrev" delay="0">
+                  <p:tgtEl>
+                    <p:sldTgt/>
+                  </p:tgtEl>
+                </p:cond>
+              </p:prevCondLst>
+              <p:nextCondLst>
+                <p:cond evt="onNext" delay="0">
+                  <p:tgtEl>
+                    <p:sldTgt/>
+                  </p:tgtEl>
+                </p:cond>
+              </p:nextCondLst>
+            </p:seq>
+          </p:childTnLst>
+        </p:cTn>
+      </p:par>
+    </p:tnLst>
+    <p:bldLst>
+      <p:bldP spid="2" grpId="0"/>
+    </p:bldLst>
+  </p:timing>
+</p:sld>
+</file>
+
+<file path=ppt/slides/slide11.xml><?xml version="1.0" encoding="utf-8"?>
+<p:sld xmlns:a="http://schemas.openxmlformats.org/drawingml/2006/main" xmlns:r="http://schemas.openxmlformats.org/officeDocument/2006/relationships" xmlns:p="http://schemas.openxmlformats.org/presentationml/2006/main">
+  <p:cSld>
+    <p:bg>
+      <p:bgPr>
+        <a:solidFill>
+          <a:schemeClr val="bg1"/>
+        </a:solidFill>
+        <a:effectLst/>
+      </p:bgPr>
+    </p:bg>
+    <p:spTree>
+      <p:nvGrpSpPr>
+        <p:cNvPr id="1" name=""/>
+        <p:cNvGrpSpPr/>
+        <p:nvPr/>
+      </p:nvGrpSpPr>
+      <p:grpSpPr>
+        <a:xfrm>
+          <a:off x="0" y="0"/>
+          <a:ext cx="0" cy="0"/>
+          <a:chOff x="0" y="0"/>
+          <a:chExt cx="0" cy="0"/>
+        </a:xfrm>
+      </p:grpSpPr>
+      <p:pic>
+        <p:nvPicPr>
+          <p:cNvPr id="8" name="Picture 7" descr="Chart, bar chart, funnel chart&#10;&#10;Description automatically generated">
+            <a:extLst>
+              <a:ext uri="{FF2B5EF4-FFF2-40B4-BE49-F238E27FC236}">
+                <a16:creationId xmlns:a16="http://schemas.microsoft.com/office/drawing/2014/main" id="{B70BB2D8-37C6-8043-A5D4-986D9323CA3B}"/>
+              </a:ext>
+            </a:extLst>
+          </p:cNvPr>
+          <p:cNvPicPr>
+            <a:picLocks noChangeAspect="1"/>
+          </p:cNvPicPr>
+          <p:nvPr/>
+        </p:nvPicPr>
+        <p:blipFill>
+          <a:blip r:embed="rId2"/>
+          <a:stretch>
+            <a:fillRect/>
+          </a:stretch>
+        </p:blipFill>
+        <p:spPr>
+          <a:xfrm>
+            <a:off x="3636359" y="656725"/>
+            <a:ext cx="8555642" cy="5496998"/>
+          </a:xfrm>
+          <a:prstGeom prst="rect">
+            <a:avLst/>
+          </a:prstGeom>
+        </p:spPr>
+      </p:pic>
+      <p:sp>
+        <p:nvSpPr>
+          <p:cNvPr id="28" name="Down Arrow 7">
+            <a:extLst>
+              <a:ext uri="{FF2B5EF4-FFF2-40B4-BE49-F238E27FC236}">
+                <a16:creationId xmlns:a16="http://schemas.microsoft.com/office/drawing/2014/main" id="{73DE2CFE-42F2-48F0-8706-5264E012B10C}"/>
+              </a:ext>
+              <a:ext uri="{C183D7F6-B498-43B3-948B-1728B52AA6E4}">
+                <adec:decorative xmlns:adec="http://schemas.microsoft.com/office/drawing/2017/decorative" val="1"/>
+              </a:ext>
+            </a:extLst>
+          </p:cNvPr>
+          <p:cNvSpPr>
+            <a:spLocks noGrp="1" noRot="1" noChangeAspect="1" noMove="1" noResize="1" noEditPoints="1" noAdjustHandles="1" noChangeArrowheads="1" noChangeShapeType="1" noTextEdit="1"/>
+          </p:cNvSpPr>
+          <p:nvPr>
+            <p:extLst>
+              <p:ext uri="{386F3935-93C4-4BCD-93E2-E3B085C9AB24}">
+                <p16:designElem xmlns:p16="http://schemas.microsoft.com/office/powerpoint/2015/main" val="1"/>
+              </p:ext>
+            </p:extLst>
+          </p:nvPr>
+        </p:nvSpPr>
+        <p:spPr>
+          <a:xfrm rot="16200000">
+            <a:off x="1288521" y="381403"/>
+            <a:ext cx="2200313" cy="3342508"/>
+          </a:xfrm>
+          <a:prstGeom prst="downArrow">
+            <a:avLst>
+              <a:gd name="adj1" fmla="val 100000"/>
+              <a:gd name="adj2" fmla="val 15788"/>
+            </a:avLst>
+          </a:prstGeom>
+          <a:solidFill>
+            <a:srgbClr val="404040"/>
+          </a:solidFill>
+          <a:ln w="53975">
+            <a:noFill/>
+          </a:ln>
+        </p:spPr>
+        <p:style>
+          <a:lnRef idx="2">
+            <a:schemeClr val="accent1">
+              <a:shade val="50000"/>
+            </a:schemeClr>
+          </a:lnRef>
+          <a:fillRef idx="1">
+            <a:schemeClr val="accent1"/>
+          </a:fillRef>
+          <a:effectRef idx="0">
+            <a:schemeClr val="accent1"/>
+          </a:effectRef>
+          <a:fontRef idx="minor">
+            <a:schemeClr val="lt1"/>
+          </a:fontRef>
+        </p:style>
+        <p:txBody>
+          <a:bodyPr rtlCol="0" anchor="ctr"/>
+          <a:lstStyle/>
+          <a:p>
+            <a:pPr marL="0" marR="0" lvl="0" indent="0" algn="ctr" defTabSz="914400" rtl="0" eaLnBrk="1" fontAlgn="auto" latinLnBrk="0" hangingPunct="1">
+              <a:lnSpc>
+                <a:spcPct val="100000"/>
+              </a:lnSpc>
+              <a:spcBef>
+                <a:spcPts val="0"/>
+              </a:spcBef>
+              <a:spcAft>
+                <a:spcPts val="0"/>
+              </a:spcAft>
+              <a:buClrTx/>
+              <a:buSzTx/>
+              <a:buFontTx/>
+              <a:buNone/>
+              <a:tabLst/>
+              <a:defRPr/>
+            </a:pPr>
+            <a:endParaRPr kumimoji="0" lang="en-US" sz="1800" b="0" i="0" u="none" strike="noStrike" kern="1200" cap="none" spc="0" normalizeH="0" baseline="0" noProof="0">
+              <a:ln>
+                <a:noFill/>
+              </a:ln>
+              <a:solidFill>
+                <a:prstClr val="white"/>
+              </a:solidFill>
+              <a:effectLst/>
+              <a:uLnTx/>
+              <a:uFillTx/>
+              <a:latin typeface="Calibri" panose="020F0502020204030204"/>
+              <a:ea typeface="+mn-ea"/>
+              <a:cs typeface="+mn-cs"/>
+            </a:endParaRPr>
+          </a:p>
+        </p:txBody>
+      </p:sp>
+      <p:sp>
+        <p:nvSpPr>
+          <p:cNvPr id="2" name="Title 1">
+            <a:extLst>
+              <a:ext uri="{FF2B5EF4-FFF2-40B4-BE49-F238E27FC236}">
+                <a16:creationId xmlns:a16="http://schemas.microsoft.com/office/drawing/2014/main" id="{CB3B4C28-AF1D-7747-8515-BB243178EC8F}"/>
+              </a:ext>
+            </a:extLst>
+          </p:cNvPr>
+          <p:cNvSpPr>
+            <a:spLocks noGrp="1"/>
+          </p:cNvSpPr>
+          <p:nvPr>
+            <p:ph type="title"/>
+          </p:nvPr>
+        </p:nvSpPr>
+        <p:spPr>
+          <a:xfrm>
+            <a:off x="966952" y="1204108"/>
+            <a:ext cx="2669406" cy="1781175"/>
+          </a:xfrm>
+          <a:prstGeom prst="ellipse">
+            <a:avLst/>
+          </a:prstGeom>
+        </p:spPr>
+        <p:txBody>
+          <a:bodyPr vert="horz" lIns="91440" tIns="45720" rIns="91440" bIns="45720" rtlCol="0" anchor="ctr">
+            <a:normAutofit/>
+          </a:bodyPr>
+          <a:lstStyle/>
+          <a:p>
+            <a:r>
+              <a:rPr lang="en-US" sz="3200" kern="1200" dirty="0">
+                <a:solidFill>
+                  <a:srgbClr val="FFFFFF"/>
+                </a:solidFill>
+                <a:latin typeface="+mj-lt"/>
+                <a:ea typeface="+mj-ea"/>
+                <a:cs typeface="+mj-cs"/>
+              </a:rPr>
+              <a:t>Bonus Insights</a:t>
+            </a:r>
+          </a:p>
+        </p:txBody>
+      </p:sp>
+    </p:spTree>
+    <p:extLst>
+      <p:ext uri="{BB962C8B-B14F-4D97-AF65-F5344CB8AC3E}">
+        <p14:creationId xmlns:p14="http://schemas.microsoft.com/office/powerpoint/2010/main" val="909896755"/>
+      </p:ext>
+    </p:extLst>
+  </p:cSld>
+  <p:clrMapOvr>
+    <a:masterClrMapping/>
+  </p:clrMapOvr>
+  <p:timing>
+    <p:tnLst>
+      <p:par>
+        <p:cTn id="1" dur="indefinite" restart="never" nodeType="tmRoot">
+          <p:childTnLst>
+            <p:seq concurrent="1" nextAc="seek">
+              <p:cTn id="2" dur="indefinite" nodeType="mainSeq">
+                <p:childTnLst>
+                  <p:par>
+                    <p:cTn id="3" fill="hold">
+                      <p:stCondLst>
+                        <p:cond delay="indefinite"/>
+                      </p:stCondLst>
+                      <p:childTnLst>
+                        <p:par>
+                          <p:cTn id="4" fill="hold">
+                            <p:stCondLst>
+                              <p:cond delay="0"/>
+                            </p:stCondLst>
+                            <p:childTnLst>
+                              <p:par>
+                                <p:cTn id="5" presetID="5" presetClass="entr" presetSubtype="10" fill="hold" nodeType="clickEffect">
+                                  <p:stCondLst>
+                                    <p:cond delay="0"/>
+                                  </p:stCondLst>
+                                  <p:childTnLst>
+                                    <p:set>
+                                      <p:cBhvr>
+                                        <p:cTn id="6" dur="1" fill="hold">
+                                          <p:stCondLst>
+                                            <p:cond delay="0"/>
+                                          </p:stCondLst>
+                                        </p:cTn>
+                                        <p:tgtEl>
+                                          <p:spTgt spid="8"/>
+                                        </p:tgtEl>
+                                        <p:attrNameLst>
+                                          <p:attrName>style.visibility</p:attrName>
+                                        </p:attrNameLst>
+                                      </p:cBhvr>
+                                      <p:to>
+                                        <p:strVal val="visible"/>
+                                      </p:to>
+                                    </p:set>
+                                    <p:animEffect transition="in" filter="checkerboard(across)">
+                                      <p:cBhvr>
+                                        <p:cTn id="7" dur="500"/>
+                                        <p:tgtEl>
+                                          <p:spTgt spid="8"/>
+                                        </p:tgtEl>
+                                      </p:cBhvr>
+                                    </p:animEffect>
+                                  </p:childTnLst>
+                                </p:cTn>
+                              </p:par>
+                            </p:childTnLst>
+                          </p:cTn>
+                        </p:par>
+                      </p:childTnLst>
+                    </p:cTn>
+                  </p:par>
+                </p:childTnLst>
+              </p:cTn>
+              <p:prevCondLst>
+                <p:cond evt="onPrev" delay="0">
+                  <p:tgtEl>
+                    <p:sldTgt/>
+                  </p:tgtEl>
+                </p:cond>
+              </p:prevCondLst>
+              <p:nextCondLst>
+                <p:cond evt="onNext" delay="0">
+                  <p:tgtEl>
+                    <p:sldTgt/>
+                  </p:tgtEl>
+                </p:cond>
+              </p:nextCondLst>
+            </p:seq>
+          </p:childTnLst>
+        </p:cTn>
+      </p:par>
+    </p:tnLst>
+  </p:timing>
+</p:sld>
+</file>
+
+<file path=ppt/slides/slide12.xml><?xml version="1.0" encoding="utf-8"?>
+<p:sld xmlns:a="http://schemas.openxmlformats.org/drawingml/2006/main" xmlns:r="http://schemas.openxmlformats.org/officeDocument/2006/relationships" xmlns:p="http://schemas.openxmlformats.org/presentationml/2006/main">
+  <p:cSld>
+    <p:bg>
+      <p:bgPr>
+        <a:solidFill>
+          <a:schemeClr val="bg1"/>
+        </a:solidFill>
+        <a:effectLst/>
+      </p:bgPr>
+    </p:bg>
+    <p:spTree>
+      <p:nvGrpSpPr>
+        <p:cNvPr id="1" name=""/>
+        <p:cNvGrpSpPr/>
+        <p:nvPr/>
+      </p:nvGrpSpPr>
+      <p:grpSpPr>
+        <a:xfrm>
+          <a:off x="0" y="0"/>
+          <a:ext cx="0" cy="0"/>
+          <a:chOff x="0" y="0"/>
+          <a:chExt cx="0" cy="0"/>
+        </a:xfrm>
+      </p:grpSpPr>
+      <p:sp useBgFill="1">
+        <p:nvSpPr>
+          <p:cNvPr id="33" name="Rectangle 32">
+            <a:extLst>
+              <a:ext uri="{FF2B5EF4-FFF2-40B4-BE49-F238E27FC236}">
+                <a16:creationId xmlns:a16="http://schemas.microsoft.com/office/drawing/2014/main" id="{A8384FB5-9ADC-4DDC-881B-597D56F5B15D}"/>
+              </a:ext>
+              <a:ext uri="{C183D7F6-B498-43B3-948B-1728B52AA6E4}">
+                <adec:decorative xmlns:adec="http://schemas.microsoft.com/office/drawing/2017/decorative" val="1"/>
+              </a:ext>
+            </a:extLst>
+          </p:cNvPr>
+          <p:cNvSpPr>
+            <a:spLocks noGrp="1" noRot="1" noChangeAspect="1" noMove="1" noResize="1" noEditPoints="1" noAdjustHandles="1" noChangeArrowheads="1" noChangeShapeType="1" noTextEdit="1"/>
+          </p:cNvSpPr>
+          <p:nvPr>
+            <p:extLst>
+              <p:ext uri="{386F3935-93C4-4BCD-93E2-E3B085C9AB24}">
+                <p16:designElem xmlns:p16="http://schemas.microsoft.com/office/powerpoint/2015/main" val="1"/>
+              </p:ext>
+            </p:extLst>
+          </p:nvPr>
+        </p:nvSpPr>
+        <p:spPr>
+          <a:xfrm>
+            <a:off x="0" y="0"/>
+            <a:ext cx="12192000" cy="6858000"/>
+          </a:xfrm>
+          <a:prstGeom prst="rect">
+            <a:avLst/>
+          </a:prstGeom>
+          <a:ln w="12700" cap="flat" cmpd="sng" algn="ctr">
+            <a:noFill/>
+            <a:prstDash val="solid"/>
+            <a:miter lim="800000"/>
+          </a:ln>
+          <a:effectLst/>
+          <a:extLst>
+            <a:ext uri="{91240B29-F687-4F45-9708-019B960494DF}">
+              <a14:hiddenLine xmlns:a14="http://schemas.microsoft.com/office/drawing/2010/main" w="12700" cap="flat" cmpd="sng" algn="ctr">
+                <a:solidFill>
+                  <a:schemeClr val="accent1">
+                    <a:shade val="50000"/>
+                  </a:schemeClr>
+                </a:solidFill>
+                <a:prstDash val="solid"/>
+                <a:miter lim="800000"/>
+              </a14:hiddenLine>
+            </a:ext>
+          </a:extLst>
+        </p:spPr>
+        <p:style>
+          <a:lnRef idx="2">
+            <a:schemeClr val="accent1">
+              <a:shade val="50000"/>
+            </a:schemeClr>
+          </a:lnRef>
+          <a:fillRef idx="1">
+            <a:schemeClr val="accent1"/>
+          </a:fillRef>
+          <a:effectRef idx="0">
+            <a:schemeClr val="accent1"/>
+          </a:effectRef>
+          <a:fontRef idx="minor">
+            <a:schemeClr val="lt1"/>
+          </a:fontRef>
+        </p:style>
+        <p:txBody>
+          <a:bodyPr rtlCol="0" anchor="ctr"/>
+          <a:lstStyle/>
+          <a:p>
+            <a:pPr algn="ctr"/>
+            <a:endParaRPr lang="en-US"/>
+          </a:p>
+        </p:txBody>
+      </p:sp>
+      <p:sp>
+        <p:nvSpPr>
+          <p:cNvPr id="35" name="Rectangle 34">
+            <a:extLst>
+              <a:ext uri="{FF2B5EF4-FFF2-40B4-BE49-F238E27FC236}">
+                <a16:creationId xmlns:a16="http://schemas.microsoft.com/office/drawing/2014/main" id="{91E5A9A7-95C6-4F4F-B00E-C82E07FE62EF}"/>
+              </a:ext>
+              <a:ext uri="{C183D7F6-B498-43B3-948B-1728B52AA6E4}">
+                <adec:decorative xmlns:adec="http://schemas.microsoft.com/office/drawing/2017/decorative" val="1"/>
+              </a:ext>
+            </a:extLst>
+          </p:cNvPr>
+          <p:cNvSpPr>
+            <a:spLocks noGrp="1" noRot="1" noChangeAspect="1" noMove="1" noResize="1" noEditPoints="1" noAdjustHandles="1" noChangeArrowheads="1" noChangeShapeType="1" noTextEdit="1"/>
+          </p:cNvSpPr>
+          <p:nvPr>
+            <p:extLst>
+              <p:ext uri="{386F3935-93C4-4BCD-93E2-E3B085C9AB24}">
+                <p16:designElem xmlns:p16="http://schemas.microsoft.com/office/powerpoint/2015/main" val="1"/>
+              </p:ext>
+            </p:extLst>
+          </p:nvPr>
+        </p:nvSpPr>
+        <p:spPr>
+          <a:xfrm rot="5400000" flipH="1">
+            <a:off x="-1417539" y="1417538"/>
+            <a:ext cx="6875818" cy="4040744"/>
+          </a:xfrm>
+          <a:prstGeom prst="rect">
+            <a:avLst/>
+          </a:prstGeom>
+          <a:gradFill>
+            <a:gsLst>
+              <a:gs pos="0">
+                <a:srgbClr val="000000"/>
+              </a:gs>
+              <a:gs pos="100000">
+                <a:schemeClr val="accent1">
+                  <a:lumMod val="75000"/>
+                </a:schemeClr>
+              </a:gs>
+            </a:gsLst>
+            <a:lin ang="18600000" scaled="0"/>
+          </a:gradFill>
+          <a:ln>
+            <a:noFill/>
+          </a:ln>
+        </p:spPr>
+        <p:style>
+          <a:lnRef idx="2">
+            <a:schemeClr val="accent1">
+              <a:shade val="50000"/>
+            </a:schemeClr>
+          </a:lnRef>
+          <a:fillRef idx="1">
+            <a:schemeClr val="accent1"/>
+          </a:fillRef>
+          <a:effectRef idx="0">
+            <a:schemeClr val="accent1"/>
+          </a:effectRef>
+          <a:fontRef idx="minor">
+            <a:schemeClr val="lt1"/>
+          </a:fontRef>
+        </p:style>
+        <p:txBody>
+          <a:bodyPr rtlCol="0" anchor="ctr"/>
+          <a:lstStyle/>
+          <a:p>
+            <a:pPr algn="ctr"/>
+            <a:endParaRPr lang="en-US" dirty="0"/>
+          </a:p>
+        </p:txBody>
+      </p:sp>
+      <p:sp>
+        <p:nvSpPr>
+          <p:cNvPr id="37" name="Rectangle 36">
+            <a:extLst>
+              <a:ext uri="{FF2B5EF4-FFF2-40B4-BE49-F238E27FC236}">
+                <a16:creationId xmlns:a16="http://schemas.microsoft.com/office/drawing/2014/main" id="{D07DD2DE-F619-49DD-B5E7-03A290FF4ED1}"/>
+              </a:ext>
+              <a:ext uri="{C183D7F6-B498-43B3-948B-1728B52AA6E4}">
+                <adec:decorative xmlns:adec="http://schemas.microsoft.com/office/drawing/2017/decorative" val="1"/>
+              </a:ext>
+            </a:extLst>
+          </p:cNvPr>
+          <p:cNvSpPr>
+            <a:spLocks noGrp="1" noRot="1" noChangeAspect="1" noMove="1" noResize="1" noEditPoints="1" noAdjustHandles="1" noChangeArrowheads="1" noChangeShapeType="1" noTextEdit="1"/>
+          </p:cNvSpPr>
+          <p:nvPr>
+            <p:extLst>
+              <p:ext uri="{386F3935-93C4-4BCD-93E2-E3B085C9AB24}">
+                <p16:designElem xmlns:p16="http://schemas.microsoft.com/office/powerpoint/2015/main" val="1"/>
+              </p:ext>
+            </p:extLst>
+          </p:nvPr>
+        </p:nvSpPr>
+        <p:spPr>
+          <a:xfrm rot="16200000">
+            <a:off x="-158495" y="2660473"/>
+            <a:ext cx="4355594" cy="4038603"/>
+          </a:xfrm>
+          <a:prstGeom prst="rect">
+            <a:avLst/>
+          </a:prstGeom>
+          <a:gradFill>
+            <a:gsLst>
+              <a:gs pos="0">
+                <a:schemeClr val="accent1">
+                  <a:alpha val="50000"/>
+                </a:schemeClr>
+              </a:gs>
+              <a:gs pos="100000">
+                <a:schemeClr val="accent1">
+                  <a:lumMod val="50000"/>
+                  <a:alpha val="0"/>
+                </a:schemeClr>
+              </a:gs>
+            </a:gsLst>
+            <a:lin ang="11400000" scaled="0"/>
+          </a:gradFill>
+          <a:ln>
+            <a:noFill/>
+          </a:ln>
+        </p:spPr>
+        <p:style>
+          <a:lnRef idx="2">
+            <a:schemeClr val="accent1">
+              <a:shade val="50000"/>
+            </a:schemeClr>
+          </a:lnRef>
+          <a:fillRef idx="1">
+            <a:schemeClr val="accent1"/>
+          </a:fillRef>
+          <a:effectRef idx="0">
+            <a:schemeClr val="accent1"/>
+          </a:effectRef>
+          <a:fontRef idx="minor">
+            <a:schemeClr val="lt1"/>
+          </a:fontRef>
+        </p:style>
+        <p:txBody>
+          <a:bodyPr rtlCol="0" anchor="ctr"/>
+          <a:lstStyle/>
+          <a:p>
+            <a:pPr algn="ctr"/>
+            <a:endParaRPr lang="en-US"/>
+          </a:p>
+        </p:txBody>
+      </p:sp>
+      <p:sp>
+        <p:nvSpPr>
+          <p:cNvPr id="39" name="Rectangle 38">
+            <a:extLst>
+              <a:ext uri="{FF2B5EF4-FFF2-40B4-BE49-F238E27FC236}">
+                <a16:creationId xmlns:a16="http://schemas.microsoft.com/office/drawing/2014/main" id="{85149191-5F60-4A28-AAFF-039F96B0F3EC}"/>
+              </a:ext>
+              <a:ext uri="{C183D7F6-B498-43B3-948B-1728B52AA6E4}">
+                <adec:decorative xmlns:adec="http://schemas.microsoft.com/office/drawing/2017/decorative" val="1"/>
+              </a:ext>
+            </a:extLst>
+          </p:cNvPr>
+          <p:cNvSpPr>
+            <a:spLocks noGrp="1" noRot="1" noChangeAspect="1" noMove="1" noResize="1" noEditPoints="1" noAdjustHandles="1" noChangeArrowheads="1" noChangeShapeType="1" noTextEdit="1"/>
+          </p:cNvSpPr>
+          <p:nvPr>
+            <p:extLst>
+              <p:ext uri="{386F3935-93C4-4BCD-93E2-E3B085C9AB24}">
+                <p16:designElem xmlns:p16="http://schemas.microsoft.com/office/powerpoint/2015/main" val="1"/>
+              </p:ext>
+            </p:extLst>
+          </p:nvPr>
+        </p:nvSpPr>
+        <p:spPr>
+          <a:xfrm rot="16200000" flipH="1">
+            <a:off x="-1180882" y="1638085"/>
+            <a:ext cx="6857572" cy="3581401"/>
+          </a:xfrm>
+          <a:prstGeom prst="rect">
+            <a:avLst/>
+          </a:prstGeom>
+          <a:gradFill>
+            <a:gsLst>
+              <a:gs pos="0">
+                <a:srgbClr val="000000">
+                  <a:alpha val="59000"/>
+                </a:srgbClr>
+              </a:gs>
+              <a:gs pos="69000">
+                <a:schemeClr val="accent1">
+                  <a:alpha val="0"/>
+                </a:schemeClr>
+              </a:gs>
+            </a:gsLst>
+            <a:lin ang="13200000" scaled="0"/>
+          </a:gradFill>
+          <a:ln>
+            <a:noFill/>
+          </a:ln>
+        </p:spPr>
+        <p:style>
+          <a:lnRef idx="2">
+            <a:schemeClr val="accent1">
+              <a:shade val="50000"/>
+            </a:schemeClr>
+          </a:lnRef>
+          <a:fillRef idx="1">
+            <a:schemeClr val="accent1"/>
+          </a:fillRef>
+          <a:effectRef idx="0">
+            <a:schemeClr val="accent1"/>
+          </a:effectRef>
+          <a:fontRef idx="minor">
+            <a:schemeClr val="lt1"/>
+          </a:fontRef>
+        </p:style>
+        <p:txBody>
+          <a:bodyPr rtlCol="0" anchor="ctr"/>
+          <a:lstStyle/>
+          <a:p>
+            <a:pPr algn="ctr"/>
+            <a:endParaRPr lang="en-US" dirty="0"/>
+          </a:p>
+        </p:txBody>
+      </p:sp>
+      <p:sp>
+        <p:nvSpPr>
+          <p:cNvPr id="41" name="Freeform: Shape 40">
+            <a:extLst>
+              <a:ext uri="{FF2B5EF4-FFF2-40B4-BE49-F238E27FC236}">
+                <a16:creationId xmlns:a16="http://schemas.microsoft.com/office/drawing/2014/main" id="{F8260ED5-17F7-4158-B241-D51DD4CF1B7E}"/>
+              </a:ext>
+              <a:ext uri="{C183D7F6-B498-43B3-948B-1728B52AA6E4}">
+                <adec:decorative xmlns:adec="http://schemas.microsoft.com/office/drawing/2017/decorative" val="1"/>
+              </a:ext>
+            </a:extLst>
+          </p:cNvPr>
+          <p:cNvSpPr>
+            <a:spLocks noGrp="1" noRot="1" noChangeAspect="1" noMove="1" noResize="1" noEditPoints="1" noAdjustHandles="1" noChangeArrowheads="1" noChangeShapeType="1" noTextEdit="1"/>
+          </p:cNvSpPr>
+          <p:nvPr>
+            <p:extLst>
+              <p:ext uri="{386F3935-93C4-4BCD-93E2-E3B085C9AB24}">
+                <p16:designElem xmlns:p16="http://schemas.microsoft.com/office/powerpoint/2015/main" val="1"/>
+              </p:ext>
+            </p:extLst>
+          </p:nvPr>
+        </p:nvSpPr>
+        <p:spPr>
+          <a:xfrm rot="6097846">
+            <a:off x="-747355" y="1201312"/>
+            <a:ext cx="4808302" cy="4088666"/>
+          </a:xfrm>
+          <a:custGeom>
+            <a:avLst/>
+            <a:gdLst>
+              <a:gd name="connsiteX0" fmla="*/ 48844 w 4808302"/>
+              <a:gd name="connsiteY0" fmla="*/ 2888671 h 4088666"/>
+              <a:gd name="connsiteX1" fmla="*/ 0 w 4808302"/>
+              <a:gd name="connsiteY1" fmla="*/ 2404151 h 4088666"/>
+              <a:gd name="connsiteX2" fmla="*/ 2404151 w 4808302"/>
+              <a:gd name="connsiteY2" fmla="*/ 0 h 4088666"/>
+              <a:gd name="connsiteX3" fmla="*/ 4808302 w 4808302"/>
+              <a:gd name="connsiteY3" fmla="*/ 2404151 h 4088666"/>
+              <a:gd name="connsiteX4" fmla="*/ 4700216 w 4808302"/>
+              <a:gd name="connsiteY4" fmla="*/ 3119072 h 4088666"/>
+              <a:gd name="connsiteX5" fmla="*/ 4643143 w 4808302"/>
+              <a:gd name="connsiteY5" fmla="*/ 3275009 h 4088666"/>
+              <a:gd name="connsiteX6" fmla="*/ 690093 w 4808302"/>
+              <a:gd name="connsiteY6" fmla="*/ 4088666 h 4088666"/>
+              <a:gd name="connsiteX7" fmla="*/ 548991 w 4808302"/>
+              <a:gd name="connsiteY7" fmla="*/ 3933414 h 4088666"/>
+              <a:gd name="connsiteX8" fmla="*/ 48844 w 4808302"/>
+              <a:gd name="connsiteY8" fmla="*/ 2888671 h 4088666"/>
+            </a:gdLst>
+            <a:ahLst/>
+            <a:cxnLst>
+              <a:cxn ang="0">
+                <a:pos x="connsiteX0" y="connsiteY0"/>
+              </a:cxn>
+              <a:cxn ang="0">
+                <a:pos x="connsiteX1" y="connsiteY1"/>
+              </a:cxn>
+              <a:cxn ang="0">
+                <a:pos x="connsiteX2" y="connsiteY2"/>
+              </a:cxn>
+              <a:cxn ang="0">
+                <a:pos x="connsiteX3" y="connsiteY3"/>
+              </a:cxn>
+              <a:cxn ang="0">
+                <a:pos x="connsiteX4" y="connsiteY4"/>
+              </a:cxn>
+              <a:cxn ang="0">
+                <a:pos x="connsiteX5" y="connsiteY5"/>
+              </a:cxn>
+              <a:cxn ang="0">
+                <a:pos x="connsiteX6" y="connsiteY6"/>
+              </a:cxn>
+              <a:cxn ang="0">
+                <a:pos x="connsiteX7" y="connsiteY7"/>
+              </a:cxn>
+              <a:cxn ang="0">
+                <a:pos x="connsiteX8" y="connsiteY8"/>
+              </a:cxn>
+            </a:cxnLst>
+            <a:rect l="l" t="t" r="r" b="b"/>
+            <a:pathLst>
+              <a:path w="4808302" h="4088666">
+                <a:moveTo>
+                  <a:pt x="48844" y="2888671"/>
+                </a:moveTo>
+                <a:cubicBezTo>
+                  <a:pt x="16818" y="2732167"/>
+                  <a:pt x="0" y="2570123"/>
+                  <a:pt x="0" y="2404151"/>
+                </a:cubicBezTo>
+                <a:cubicBezTo>
+                  <a:pt x="0" y="1076375"/>
+                  <a:pt x="1076375" y="0"/>
+                  <a:pt x="2404151" y="0"/>
+                </a:cubicBezTo>
+                <a:cubicBezTo>
+                  <a:pt x="3731927" y="0"/>
+                  <a:pt x="4808302" y="1076375"/>
+                  <a:pt x="4808302" y="2404151"/>
+                </a:cubicBezTo>
+                <a:cubicBezTo>
+                  <a:pt x="4808302" y="2653109"/>
+                  <a:pt x="4770461" y="2893229"/>
+                  <a:pt x="4700216" y="3119072"/>
+                </a:cubicBezTo>
+                <a:lnTo>
+                  <a:pt x="4643143" y="3275009"/>
+                </a:lnTo>
+                <a:lnTo>
+                  <a:pt x="690093" y="4088666"/>
+                </a:lnTo>
+                <a:lnTo>
+                  <a:pt x="548991" y="3933414"/>
+                </a:lnTo>
+                <a:cubicBezTo>
+                  <a:pt x="304015" y="3636572"/>
+                  <a:pt x="128908" y="3279932"/>
+                  <a:pt x="48844" y="2888671"/>
+                </a:cubicBezTo>
+                <a:close/>
+              </a:path>
+            </a:pathLst>
+          </a:custGeom>
+          <a:gradFill>
+            <a:gsLst>
+              <a:gs pos="39000">
+                <a:schemeClr val="accent1">
+                  <a:lumMod val="60000"/>
+                  <a:lumOff val="40000"/>
+                  <a:alpha val="0"/>
+                </a:schemeClr>
+              </a:gs>
+              <a:gs pos="100000">
+                <a:schemeClr val="accent1">
+                  <a:lumMod val="75000"/>
+                  <a:alpha val="26000"/>
+                </a:schemeClr>
+              </a:gs>
+            </a:gsLst>
+            <a:lin ang="18600000" scaled="0"/>
+          </a:gradFill>
+          <a:ln>
+            <a:noFill/>
+          </a:ln>
+        </p:spPr>
+        <p:style>
+          <a:lnRef idx="2">
+            <a:schemeClr val="accent1">
+              <a:shade val="50000"/>
+            </a:schemeClr>
+          </a:lnRef>
+          <a:fillRef idx="1">
+            <a:schemeClr val="accent1"/>
+          </a:fillRef>
+          <a:effectRef idx="0">
+            <a:schemeClr val="accent1"/>
+          </a:effectRef>
+          <a:fontRef idx="minor">
+            <a:schemeClr val="lt1"/>
+          </a:fontRef>
+        </p:style>
+        <p:txBody>
+          <a:bodyPr wrap="square" rtlCol="0" anchor="ctr">
+            <a:noAutofit/>
+          </a:bodyPr>
+          <a:lstStyle/>
+          <a:p>
+            <a:pPr algn="ctr"/>
+            <a:endParaRPr lang="en-US" dirty="0"/>
+          </a:p>
+        </p:txBody>
+      </p:sp>
+      <p:pic>
+        <p:nvPicPr>
+          <p:cNvPr id="4" name="Picture 3" descr="Chart, bar chart&#10;&#10;Description automatically generated">
+            <a:extLst>
+              <a:ext uri="{FF2B5EF4-FFF2-40B4-BE49-F238E27FC236}">
+                <a16:creationId xmlns:a16="http://schemas.microsoft.com/office/drawing/2014/main" id="{96B1CFD6-884C-8646-9450-93A51ECADFFB}"/>
+              </a:ext>
+            </a:extLst>
+          </p:cNvPr>
+          <p:cNvPicPr>
+            <a:picLocks noChangeAspect="1"/>
+          </p:cNvPicPr>
+          <p:nvPr/>
+        </p:nvPicPr>
+        <p:blipFill>
+          <a:blip r:embed="rId2"/>
+          <a:stretch>
+            <a:fillRect/>
+          </a:stretch>
+        </p:blipFill>
+        <p:spPr>
+          <a:xfrm>
+            <a:off x="4078462" y="845422"/>
+            <a:ext cx="8113538" cy="5192664"/>
+          </a:xfrm>
+          <a:prstGeom prst="rect">
+            <a:avLst/>
+          </a:prstGeom>
+        </p:spPr>
+      </p:pic>
+      <p:sp>
+        <p:nvSpPr>
+          <p:cNvPr id="2" name="Title 1">
+            <a:extLst>
+              <a:ext uri="{FF2B5EF4-FFF2-40B4-BE49-F238E27FC236}">
+                <a16:creationId xmlns:a16="http://schemas.microsoft.com/office/drawing/2014/main" id="{CB3B4C28-AF1D-7747-8515-BB243178EC8F}"/>
+              </a:ext>
+            </a:extLst>
+          </p:cNvPr>
+          <p:cNvSpPr>
+            <a:spLocks noGrp="1"/>
+          </p:cNvSpPr>
+          <p:nvPr>
+            <p:ph type="title"/>
+          </p:nvPr>
+        </p:nvSpPr>
+        <p:spPr>
+          <a:xfrm>
+            <a:off x="660041" y="2767106"/>
+            <a:ext cx="2880828" cy="3071906"/>
+          </a:xfrm>
+          <a:prstGeom prst="ellipse">
+            <a:avLst/>
+          </a:prstGeom>
+        </p:spPr>
+        <p:txBody>
+          <a:bodyPr vert="horz" lIns="91440" tIns="45720" rIns="91440" bIns="45720" rtlCol="0" anchor="t">
+            <a:normAutofit/>
+          </a:bodyPr>
+          <a:lstStyle/>
+          <a:p>
+            <a:r>
+              <a:rPr lang="en-US" sz="4000" kern="1200">
+                <a:solidFill>
+                  <a:srgbClr val="FFFFFF"/>
+                </a:solidFill>
+                <a:latin typeface="+mj-lt"/>
+                <a:ea typeface="+mj-ea"/>
+                <a:cs typeface="+mj-cs"/>
+              </a:rPr>
+              <a:t>Bonus Insights</a:t>
+            </a:r>
+          </a:p>
+        </p:txBody>
+      </p:sp>
+    </p:spTree>
+    <p:extLst>
+      <p:ext uri="{BB962C8B-B14F-4D97-AF65-F5344CB8AC3E}">
+        <p14:creationId xmlns:p14="http://schemas.microsoft.com/office/powerpoint/2010/main" val="503759073"/>
+      </p:ext>
+    </p:extLst>
+  </p:cSld>
+  <p:clrMapOvr>
+    <a:masterClrMapping/>
+  </p:clrMapOvr>
+  <p:timing>
+    <p:tnLst>
+      <p:par>
+        <p:cTn id="1" dur="indefinite" restart="never" nodeType="tmRoot">
+          <p:childTnLst>
+            <p:seq concurrent="1" nextAc="seek">
+              <p:cTn id="2" dur="indefinite" nodeType="mainSeq">
+                <p:childTnLst>
+                  <p:par>
+                    <p:cTn id="3" fill="hold">
+                      <p:stCondLst>
+                        <p:cond delay="indefinite"/>
+                      </p:stCondLst>
+                      <p:childTnLst>
+                        <p:par>
+                          <p:cTn id="4" fill="hold">
+                            <p:stCondLst>
+                              <p:cond delay="0"/>
+                            </p:stCondLst>
+                            <p:childTnLst>
+                              <p:par>
+                                <p:cTn id="5" presetID="5" presetClass="entr" presetSubtype="10" fill="hold" nodeType="clickEffect">
+                                  <p:stCondLst>
+                                    <p:cond delay="0"/>
+                                  </p:stCondLst>
+                                  <p:childTnLst>
+                                    <p:set>
+                                      <p:cBhvr>
+                                        <p:cTn id="6" dur="1" fill="hold">
+                                          <p:stCondLst>
+                                            <p:cond delay="0"/>
+                                          </p:stCondLst>
+                                        </p:cTn>
+                                        <p:tgtEl>
+                                          <p:spTgt spid="4"/>
+                                        </p:tgtEl>
+                                        <p:attrNameLst>
+                                          <p:attrName>style.visibility</p:attrName>
+                                        </p:attrNameLst>
+                                      </p:cBhvr>
+                                      <p:to>
+                                        <p:strVal val="visible"/>
+                                      </p:to>
+                                    </p:set>
+                                    <p:animEffect transition="in" filter="checkerboard(across)">
+                                      <p:cBhvr>
+                                        <p:cTn id="7" dur="500"/>
+                                        <p:tgtEl>
+                                          <p:spTgt spid="4"/>
+                                        </p:tgtEl>
+                                      </p:cBhvr>
+                                    </p:animEffect>
+                                  </p:childTnLst>
+                                </p:cTn>
+                              </p:par>
+                            </p:childTnLst>
+                          </p:cTn>
+                        </p:par>
+                      </p:childTnLst>
+                    </p:cTn>
+                  </p:par>
+                </p:childTnLst>
+              </p:cTn>
+              <p:prevCondLst>
+                <p:cond evt="onPrev" delay="0">
+                  <p:tgtEl>
+                    <p:sldTgt/>
+                  </p:tgtEl>
+                </p:cond>
+              </p:prevCondLst>
+              <p:nextCondLst>
+                <p:cond evt="onNext" delay="0">
+                  <p:tgtEl>
+                    <p:sldTgt/>
+                  </p:tgtEl>
+                </p:cond>
+              </p:nextCondLst>
+            </p:seq>
+          </p:childTnLst>
+        </p:cTn>
+      </p:par>
+    </p:tnLst>
+  </p:timing>
+</p:sld>
+</file>
+
+<file path=ppt/slides/slide13.xml><?xml version="1.0" encoding="utf-8"?>
+<p:sld xmlns:a="http://schemas.openxmlformats.org/drawingml/2006/main" xmlns:r="http://schemas.openxmlformats.org/officeDocument/2006/relationships" xmlns:p="http://schemas.openxmlformats.org/presentationml/2006/main">
+  <p:cSld>
+    <p:spTree>
+      <p:nvGrpSpPr>
+        <p:cNvPr id="1" name=""/>
+        <p:cNvGrpSpPr/>
+        <p:nvPr/>
+      </p:nvGrpSpPr>
+      <p:grpSpPr>
+        <a:xfrm>
+          <a:off x="0" y="0"/>
+          <a:ext cx="0" cy="0"/>
+          <a:chOff x="0" y="0"/>
+          <a:chExt cx="0" cy="0"/>
+        </a:xfrm>
+      </p:grpSpPr>
+      <p:sp>
+        <p:nvSpPr>
+          <p:cNvPr id="2" name="Title 1">
+            <a:extLst>
+              <a:ext uri="{FF2B5EF4-FFF2-40B4-BE49-F238E27FC236}">
+                <a16:creationId xmlns:a16="http://schemas.microsoft.com/office/drawing/2014/main" id="{41D3978A-7484-164D-9C2B-1E43B8CC953F}"/>
+              </a:ext>
+            </a:extLst>
+          </p:cNvPr>
+          <p:cNvSpPr>
+            <a:spLocks noGrp="1"/>
+          </p:cNvSpPr>
+          <p:nvPr>
+            <p:ph type="title"/>
+          </p:nvPr>
+        </p:nvSpPr>
+        <p:spPr>
+          <a:xfrm>
+            <a:off x="0" y="0"/>
+            <a:ext cx="12192000" cy="518593"/>
+          </a:xfrm>
+          <a:gradFill flip="none" rotWithShape="1">
+            <a:gsLst>
+              <a:gs pos="0">
+                <a:srgbClr val="00B0F0">
+                  <a:shade val="30000"/>
+                  <a:satMod val="115000"/>
+                </a:srgbClr>
+              </a:gs>
+              <a:gs pos="50000">
+                <a:srgbClr val="00B0F0">
+                  <a:shade val="67500"/>
+                  <a:satMod val="115000"/>
+                </a:srgbClr>
+              </a:gs>
+              <a:gs pos="100000">
+                <a:srgbClr val="00B0F0">
+                  <a:shade val="100000"/>
+                  <a:satMod val="115000"/>
+                </a:srgbClr>
+              </a:gs>
+            </a:gsLst>
+            <a:path path="circle">
+              <a:fillToRect l="100000" b="100000"/>
+            </a:path>
+            <a:tileRect t="-100000" r="-100000"/>
+          </a:gradFill>
+        </p:spPr>
+        <p:txBody>
+          <a:bodyPr>
+            <a:normAutofit/>
+          </a:bodyPr>
+          <a:lstStyle/>
+          <a:p>
+            <a:r>
+              <a:rPr lang="en-US" sz="3000" dirty="0"/>
+              <a:t>Classifying Ale based upon Alcohol Content and Bitterness</a:t>
+            </a:r>
+          </a:p>
+        </p:txBody>
+      </p:sp>
+      <p:pic>
+        <p:nvPicPr>
+          <p:cNvPr id="5" name="Picture 4" descr="Chart, scatter chart&#10;&#10;Description automatically generated">
+            <a:extLst>
+              <a:ext uri="{FF2B5EF4-FFF2-40B4-BE49-F238E27FC236}">
+                <a16:creationId xmlns:a16="http://schemas.microsoft.com/office/drawing/2014/main" id="{C7488A6F-056F-3B4C-858C-EEAEE5A592EA}"/>
+              </a:ext>
+            </a:extLst>
+          </p:cNvPr>
+          <p:cNvPicPr>
+            <a:picLocks noChangeAspect="1"/>
+          </p:cNvPicPr>
+          <p:nvPr/>
+        </p:nvPicPr>
+        <p:blipFill>
+          <a:blip r:embed="rId2"/>
+          <a:stretch>
+            <a:fillRect/>
+          </a:stretch>
+        </p:blipFill>
+        <p:spPr>
+          <a:xfrm>
+            <a:off x="1767015" y="662712"/>
+            <a:ext cx="9701849" cy="6199632"/>
+          </a:xfrm>
+          <a:prstGeom prst="rect">
+            <a:avLst/>
+          </a:prstGeom>
+        </p:spPr>
+      </p:pic>
+    </p:spTree>
+    <p:extLst>
+      <p:ext uri="{BB962C8B-B14F-4D97-AF65-F5344CB8AC3E}">
+        <p14:creationId xmlns:p14="http://schemas.microsoft.com/office/powerpoint/2010/main" val="1534072698"/>
+      </p:ext>
+    </p:extLst>
+  </p:cSld>
+  <p:clrMapOvr>
+    <a:masterClrMapping/>
+  </p:clrMapOvr>
+  <p:timing>
+    <p:tnLst>
+      <p:par>
+        <p:cTn id="1" dur="indefinite" restart="never" nodeType="tmRoot">
+          <p:childTnLst>
+            <p:seq concurrent="1" nextAc="seek">
+              <p:cTn id="2" dur="indefinite" nodeType="mainSeq">
+                <p:childTnLst>
+                  <p:par>
+                    <p:cTn id="3" fill="hold">
+                      <p:stCondLst>
+                        <p:cond delay="indefinite"/>
+                      </p:stCondLst>
+                      <p:childTnLst>
+                        <p:par>
+                          <p:cTn id="4" fill="hold">
+                            <p:stCondLst>
+                              <p:cond delay="0"/>
+                            </p:stCondLst>
+                            <p:childTnLst>
+                              <p:par>
+                                <p:cTn id="5" presetID="3" presetClass="entr" presetSubtype="10" fill="hold" nodeType="clickEffect">
+                                  <p:stCondLst>
+                                    <p:cond delay="0"/>
+                                  </p:stCondLst>
+                                  <p:childTnLst>
+                                    <p:set>
+                                      <p:cBhvr>
+                                        <p:cTn id="6" dur="1" fill="hold">
+                                          <p:stCondLst>
+                                            <p:cond delay="0"/>
+                                          </p:stCondLst>
+                                        </p:cTn>
+                                        <p:tgtEl>
+                                          <p:spTgt spid="5"/>
+                                        </p:tgtEl>
+                                        <p:attrNameLst>
+                                          <p:attrName>style.visibility</p:attrName>
+                                        </p:attrNameLst>
+                                      </p:cBhvr>
+                                      <p:to>
+                                        <p:strVal val="visible"/>
+                                      </p:to>
+                                    </p:set>
+                                    <p:animEffect transition="in" filter="blinds(horizontal)">
+                                      <p:cBhvr>
+                                        <p:cTn id="7" dur="500"/>
+                                        <p:tgtEl>
+                                          <p:spTgt spid="5"/>
+                                        </p:tgtEl>
+                                      </p:cBhvr>
+                                    </p:animEffect>
+                                  </p:childTnLst>
+                                </p:cTn>
+                              </p:par>
+                            </p:childTnLst>
+                          </p:cTn>
+                        </p:par>
+                      </p:childTnLst>
+                    </p:cTn>
+                  </p:par>
+                </p:childTnLst>
+              </p:cTn>
+              <p:prevCondLst>
+                <p:cond evt="onPrev" delay="0">
+                  <p:tgtEl>
+                    <p:sldTgt/>
+                  </p:tgtEl>
+                </p:cond>
+              </p:prevCondLst>
+              <p:nextCondLst>
+                <p:cond evt="onNext" delay="0">
+                  <p:tgtEl>
+                    <p:sldTgt/>
+                  </p:tgtEl>
+                </p:cond>
+              </p:nextCondLst>
+            </p:seq>
+          </p:childTnLst>
+        </p:cTn>
+      </p:par>
+    </p:tnLst>
+  </p:timing>
+</p:sld>
+</file>
+
+<file path=ppt/slides/slide14.xml><?xml version="1.0" encoding="utf-8"?>
+<p:sld xmlns:a="http://schemas.openxmlformats.org/drawingml/2006/main" xmlns:r="http://schemas.openxmlformats.org/officeDocument/2006/relationships" xmlns:p="http://schemas.openxmlformats.org/presentationml/2006/main">
+  <p:cSld>
+    <p:bg>
+      <p:bgPr>
+        <a:solidFill>
+          <a:schemeClr val="bg1"/>
+        </a:solidFill>
+        <a:effectLst/>
+      </p:bgPr>
+    </p:bg>
+    <p:spTree>
+      <p:nvGrpSpPr>
+        <p:cNvPr id="1" name=""/>
+        <p:cNvGrpSpPr/>
+        <p:nvPr/>
+      </p:nvGrpSpPr>
+      <p:grpSpPr>
+        <a:xfrm>
+          <a:off x="0" y="0"/>
+          <a:ext cx="0" cy="0"/>
+          <a:chOff x="0" y="0"/>
+          <a:chExt cx="0" cy="0"/>
+        </a:xfrm>
+      </p:grpSpPr>
+      <p:sp useBgFill="1">
+        <p:nvSpPr>
+          <p:cNvPr id="53" name="Rectangle 52">
+            <a:extLst>
+              <a:ext uri="{FF2B5EF4-FFF2-40B4-BE49-F238E27FC236}">
+                <a16:creationId xmlns:a16="http://schemas.microsoft.com/office/drawing/2014/main" id="{F575A102-D95D-4D6E-8F1B-49EED0AEC65C}"/>
+              </a:ext>
+              <a:ext uri="{C183D7F6-B498-43B3-948B-1728B52AA6E4}">
+                <adec:decorative xmlns:adec="http://schemas.microsoft.com/office/drawing/2017/decorative" val="1"/>
+              </a:ext>
+            </a:extLst>
+          </p:cNvPr>
+          <p:cNvSpPr>
+            <a:spLocks noGrp="1" noRot="1" noChangeAspect="1" noMove="1" noResize="1" noEditPoints="1" noAdjustHandles="1" noChangeArrowheads="1" noChangeShapeType="1" noTextEdit="1"/>
+          </p:cNvSpPr>
+          <p:nvPr>
+            <p:extLst>
+              <p:ext uri="{386F3935-93C4-4BCD-93E2-E3B085C9AB24}">
+                <p16:designElem xmlns:p16="http://schemas.microsoft.com/office/powerpoint/2015/main" val="1"/>
+              </p:ext>
+            </p:extLst>
+          </p:nvPr>
+        </p:nvSpPr>
+        <p:spPr>
+          <a:xfrm>
+            <a:off x="0" y="0"/>
+            <a:ext cx="12192000" cy="6858000"/>
+          </a:xfrm>
+          <a:prstGeom prst="rect">
+            <a:avLst/>
+          </a:prstGeom>
+          <a:ln>
+            <a:noFill/>
+          </a:ln>
+        </p:spPr>
+        <p:style>
+          <a:lnRef idx="2">
+            <a:schemeClr val="accent1">
+              <a:shade val="50000"/>
+            </a:schemeClr>
+          </a:lnRef>
+          <a:fillRef idx="1">
+            <a:schemeClr val="accent1"/>
+          </a:fillRef>
+          <a:effectRef idx="0">
+            <a:schemeClr val="accent1"/>
+          </a:effectRef>
+          <a:fontRef idx="minor">
+            <a:schemeClr val="lt1"/>
+          </a:fontRef>
+        </p:style>
+        <p:txBody>
+          <a:bodyPr rtlCol="0" anchor="ctr"/>
+          <a:lstStyle/>
+          <a:p>
+            <a:pPr algn="ctr"/>
+            <a:endParaRPr lang="en-US"/>
+          </a:p>
+        </p:txBody>
+      </p:sp>
+      <p:sp>
+        <p:nvSpPr>
+          <p:cNvPr id="55" name="Rectangle 54">
+            <a:extLst>
+              <a:ext uri="{FF2B5EF4-FFF2-40B4-BE49-F238E27FC236}">
+                <a16:creationId xmlns:a16="http://schemas.microsoft.com/office/drawing/2014/main" id="{158B3569-73B2-4D05-8E95-886A6EE17F1F}"/>
+              </a:ext>
+              <a:ext uri="{C183D7F6-B498-43B3-948B-1728B52AA6E4}">
+                <adec:decorative xmlns:adec="http://schemas.microsoft.com/office/drawing/2017/decorative" val="1"/>
+              </a:ext>
+            </a:extLst>
+          </p:cNvPr>
+          <p:cNvSpPr>
+            <a:spLocks noGrp="1" noRot="1" noChangeAspect="1" noMove="1" noResize="1" noEditPoints="1" noAdjustHandles="1" noChangeArrowheads="1" noChangeShapeType="1" noTextEdit="1"/>
+          </p:cNvSpPr>
+          <p:nvPr>
+            <p:extLst>
+              <p:ext uri="{386F3935-93C4-4BCD-93E2-E3B085C9AB24}">
+                <p16:designElem xmlns:p16="http://schemas.microsoft.com/office/powerpoint/2015/main" val="1"/>
+              </p:ext>
+            </p:extLst>
+          </p:nvPr>
+        </p:nvSpPr>
+        <p:spPr>
+          <a:xfrm>
+            <a:off x="0" y="0"/>
+            <a:ext cx="12192000" cy="6858000"/>
+          </a:xfrm>
+          <a:prstGeom prst="rect">
+            <a:avLst/>
+          </a:prstGeom>
+          <a:gradFill flip="none" rotWithShape="1">
+            <a:gsLst>
+              <a:gs pos="0">
+                <a:schemeClr val="accent1"/>
+              </a:gs>
+              <a:gs pos="100000">
+                <a:schemeClr val="accent2"/>
+              </a:gs>
+            </a:gsLst>
+            <a:lin ang="2700000" scaled="1"/>
+            <a:tileRect/>
+          </a:gradFill>
+          <a:ln>
+            <a:noFill/>
+          </a:ln>
+        </p:spPr>
+        <p:style>
+          <a:lnRef idx="2">
+            <a:schemeClr val="accent1">
+              <a:shade val="50000"/>
+            </a:schemeClr>
+          </a:lnRef>
+          <a:fillRef idx="1">
+            <a:schemeClr val="accent1"/>
+          </a:fillRef>
+          <a:effectRef idx="0">
+            <a:schemeClr val="accent1"/>
+          </a:effectRef>
+          <a:fontRef idx="minor">
+            <a:schemeClr val="lt1"/>
+          </a:fontRef>
+        </p:style>
+        <p:txBody>
+          <a:bodyPr rtlCol="0" anchor="ctr"/>
+          <a:lstStyle/>
+          <a:p>
+            <a:pPr algn="ctr"/>
+            <a:endParaRPr lang="en-US">
+              <a:solidFill>
+                <a:srgbClr val="FFFFFF"/>
+              </a:solidFill>
+            </a:endParaRPr>
+          </a:p>
+        </p:txBody>
+      </p:sp>
+      <p:sp>
+        <p:nvSpPr>
+          <p:cNvPr id="2" name="Title 1">
+            <a:extLst>
+              <a:ext uri="{FF2B5EF4-FFF2-40B4-BE49-F238E27FC236}">
+                <a16:creationId xmlns:a16="http://schemas.microsoft.com/office/drawing/2014/main" id="{CB3B4C28-AF1D-7747-8515-BB243178EC8F}"/>
+              </a:ext>
+            </a:extLst>
+          </p:cNvPr>
+          <p:cNvSpPr>
+            <a:spLocks noGrp="1"/>
+          </p:cNvSpPr>
+          <p:nvPr>
+            <p:ph type="title"/>
+          </p:nvPr>
+        </p:nvSpPr>
+        <p:spPr>
+          <a:xfrm>
+            <a:off x="793159" y="1377146"/>
+            <a:ext cx="4076460" cy="3626217"/>
+          </a:xfrm>
+          <a:prstGeom prst="ellipse">
+            <a:avLst/>
+          </a:prstGeom>
+        </p:spPr>
+        <p:txBody>
+          <a:bodyPr vert="horz" lIns="91440" tIns="45720" rIns="91440" bIns="45720" rtlCol="0" anchor="b">
+            <a:normAutofit/>
+          </a:bodyPr>
+          <a:lstStyle/>
+          <a:p>
+            <a:pPr algn="r"/>
+            <a:r>
+              <a:rPr lang="en-US" sz="6800" kern="1200">
+                <a:solidFill>
+                  <a:srgbClr val="FFFFFF"/>
+                </a:solidFill>
+                <a:latin typeface="+mj-lt"/>
+                <a:ea typeface="+mj-ea"/>
+                <a:cs typeface="+mj-cs"/>
+              </a:rPr>
+              <a:t>Bonus Insights</a:t>
+            </a:r>
+          </a:p>
+        </p:txBody>
+      </p:sp>
+      <p:pic>
+        <p:nvPicPr>
+          <p:cNvPr id="5" name="Picture 4" descr="Chart, bar chart&#10;&#10;Description automatically generated">
+            <a:extLst>
+              <a:ext uri="{FF2B5EF4-FFF2-40B4-BE49-F238E27FC236}">
+                <a16:creationId xmlns:a16="http://schemas.microsoft.com/office/drawing/2014/main" id="{03DA30CE-4B80-2842-A887-608FE644E82B}"/>
+              </a:ext>
+            </a:extLst>
+          </p:cNvPr>
+          <p:cNvPicPr>
+            <a:picLocks noChangeAspect="1"/>
+          </p:cNvPicPr>
+          <p:nvPr/>
+        </p:nvPicPr>
+        <p:blipFill>
+          <a:blip r:embed="rId2">
+            <a:alphaModFix/>
+          </a:blip>
+          <a:stretch>
+            <a:fillRect/>
+          </a:stretch>
+        </p:blipFill>
+        <p:spPr>
+          <a:xfrm>
+            <a:off x="4869619" y="279111"/>
+            <a:ext cx="6782374" cy="5815885"/>
+          </a:xfrm>
+          <a:prstGeom prst="rect">
+            <a:avLst/>
+          </a:prstGeom>
+        </p:spPr>
+      </p:pic>
+      <p:grpSp>
+        <p:nvGrpSpPr>
+          <p:cNvPr id="57" name="Group 56">
+            <a:extLst>
+              <a:ext uri="{FF2B5EF4-FFF2-40B4-BE49-F238E27FC236}">
+                <a16:creationId xmlns:a16="http://schemas.microsoft.com/office/drawing/2014/main" id="{CF0FFF1F-79B6-4A13-A464-070CD6F896AF}"/>
+              </a:ext>
+              <a:ext uri="{C183D7F6-B498-43B3-948B-1728B52AA6E4}">
+                <adec:decorative xmlns:adec="http://schemas.microsoft.com/office/drawing/2017/decorative" val="1"/>
+              </a:ext>
+            </a:extLst>
+          </p:cNvPr>
+          <p:cNvGrpSpPr>
+            <a:grpSpLocks noGrp="1" noUngrp="1" noRot="1" noChangeAspect="1" noMove="1" noResize="1"/>
+          </p:cNvGrpSpPr>
+          <p:nvPr>
+            <p:extLst>
+              <p:ext uri="{386F3935-93C4-4BCD-93E2-E3B085C9AB24}">
+                <p16:designElem xmlns:p16="http://schemas.microsoft.com/office/powerpoint/2015/main" val="1"/>
+              </p:ext>
+            </p:extLst>
+          </p:nvPr>
+        </p:nvGrpSpPr>
+        <p:grpSpPr>
+          <a:xfrm>
+            <a:off x="10942198" y="814999"/>
+            <a:ext cx="465458" cy="581435"/>
+            <a:chOff x="10942198" y="814999"/>
+            <a:chExt cx="465458" cy="581435"/>
+          </a:xfrm>
+          <a:solidFill>
+            <a:srgbClr val="FFFFFF"/>
+          </a:solidFill>
+        </p:grpSpPr>
+        <p:sp>
+          <p:nvSpPr>
+            <p:cNvPr id="58" name="Graphic 17">
+              <a:extLst>
+                <a:ext uri="{FF2B5EF4-FFF2-40B4-BE49-F238E27FC236}">
+                  <a16:creationId xmlns:a16="http://schemas.microsoft.com/office/drawing/2014/main" id="{B71758F4-3F46-45DA-8AC5-4E508DA080BA}"/>
+                </a:ext>
+                <a:ext uri="{C183D7F6-B498-43B3-948B-1728B52AA6E4}">
+                  <adec:decorative xmlns:adec="http://schemas.microsoft.com/office/drawing/2017/decorative" val="1"/>
+                </a:ext>
+              </a:extLst>
+            </p:cNvPr>
+            <p:cNvSpPr/>
+            <p:nvPr>
+              <p:extLst>
+                <p:ext uri="{386F3935-93C4-4BCD-93E2-E3B085C9AB24}">
+                  <p16:designElem xmlns:p16="http://schemas.microsoft.com/office/powerpoint/2015/main" val="1"/>
+                </p:ext>
+              </p:extLst>
+            </p:nvPr>
+          </p:nvSpPr>
+          <p:spPr>
+            <a:xfrm>
+              <a:off x="10957738" y="814999"/>
+              <a:ext cx="139039" cy="139039"/>
+            </a:xfrm>
+            <a:custGeom>
+              <a:avLst/>
+              <a:gdLst>
+                <a:gd name="connsiteX0" fmla="*/ 129602 w 139039"/>
+                <a:gd name="connsiteY0" fmla="*/ 60082 h 139039"/>
+                <a:gd name="connsiteX1" fmla="*/ 78957 w 139039"/>
+                <a:gd name="connsiteY1" fmla="*/ 60082 h 139039"/>
+                <a:gd name="connsiteX2" fmla="*/ 78957 w 139039"/>
+                <a:gd name="connsiteY2" fmla="*/ 9437 h 139039"/>
+                <a:gd name="connsiteX3" fmla="*/ 69520 w 139039"/>
+                <a:gd name="connsiteY3" fmla="*/ 0 h 139039"/>
+                <a:gd name="connsiteX4" fmla="*/ 60082 w 139039"/>
+                <a:gd name="connsiteY4" fmla="*/ 9437 h 139039"/>
+                <a:gd name="connsiteX5" fmla="*/ 60082 w 139039"/>
+                <a:gd name="connsiteY5" fmla="*/ 60082 h 139039"/>
+                <a:gd name="connsiteX6" fmla="*/ 9437 w 139039"/>
+                <a:gd name="connsiteY6" fmla="*/ 60082 h 139039"/>
+                <a:gd name="connsiteX7" fmla="*/ 0 w 139039"/>
+                <a:gd name="connsiteY7" fmla="*/ 69520 h 139039"/>
+                <a:gd name="connsiteX8" fmla="*/ 9437 w 139039"/>
+                <a:gd name="connsiteY8" fmla="*/ 78957 h 139039"/>
+                <a:gd name="connsiteX9" fmla="*/ 60082 w 139039"/>
+                <a:gd name="connsiteY9" fmla="*/ 78957 h 139039"/>
+                <a:gd name="connsiteX10" fmla="*/ 60082 w 139039"/>
+                <a:gd name="connsiteY10" fmla="*/ 129602 h 139039"/>
+                <a:gd name="connsiteX11" fmla="*/ 69520 w 139039"/>
+                <a:gd name="connsiteY11" fmla="*/ 139039 h 139039"/>
+                <a:gd name="connsiteX12" fmla="*/ 78957 w 139039"/>
+                <a:gd name="connsiteY12" fmla="*/ 129602 h 139039"/>
+                <a:gd name="connsiteX13" fmla="*/ 78957 w 139039"/>
+                <a:gd name="connsiteY13" fmla="*/ 78957 h 139039"/>
+                <a:gd name="connsiteX14" fmla="*/ 129602 w 139039"/>
+                <a:gd name="connsiteY14" fmla="*/ 78957 h 139039"/>
+                <a:gd name="connsiteX15" fmla="*/ 139039 w 139039"/>
+                <a:gd name="connsiteY15" fmla="*/ 69520 h 139039"/>
+                <a:gd name="connsiteX16" fmla="*/ 129602 w 139039"/>
+                <a:gd name="connsiteY16" fmla="*/ 60082 h 139039"/>
+              </a:gdLst>
+              <a:ahLst/>
+              <a:cxnLst>
+                <a:cxn ang="0">
+                  <a:pos x="connsiteX0" y="connsiteY0"/>
+                </a:cxn>
+                <a:cxn ang="0">
+                  <a:pos x="connsiteX1" y="connsiteY1"/>
+                </a:cxn>
+                <a:cxn ang="0">
+                  <a:pos x="connsiteX2" y="connsiteY2"/>
+                </a:cxn>
+                <a:cxn ang="0">
+                  <a:pos x="connsiteX3" y="connsiteY3"/>
+                </a:cxn>
+                <a:cxn ang="0">
+                  <a:pos x="connsiteX4" y="connsiteY4"/>
+                </a:cxn>
+                <a:cxn ang="0">
+                  <a:pos x="connsiteX5" y="connsiteY5"/>
+                </a:cxn>
+                <a:cxn ang="0">
+                  <a:pos x="connsiteX6" y="connsiteY6"/>
+                </a:cxn>
+                <a:cxn ang="0">
+                  <a:pos x="connsiteX7" y="connsiteY7"/>
+                </a:cxn>
+                <a:cxn ang="0">
+                  <a:pos x="connsiteX8" y="connsiteY8"/>
+                </a:cxn>
+                <a:cxn ang="0">
+                  <a:pos x="connsiteX9" y="connsiteY9"/>
+                </a:cxn>
+                <a:cxn ang="0">
+                  <a:pos x="connsiteX10" y="connsiteY10"/>
+                </a:cxn>
+                <a:cxn ang="0">
+                  <a:pos x="connsiteX11" y="connsiteY11"/>
+                </a:cxn>
+                <a:cxn ang="0">
+                  <a:pos x="connsiteX12" y="connsiteY12"/>
+                </a:cxn>
+                <a:cxn ang="0">
+                  <a:pos x="connsiteX13" y="connsiteY13"/>
+                </a:cxn>
+                <a:cxn ang="0">
+                  <a:pos x="connsiteX14" y="connsiteY14"/>
+                </a:cxn>
+                <a:cxn ang="0">
+                  <a:pos x="connsiteX15" y="connsiteY15"/>
+                </a:cxn>
+                <a:cxn ang="0">
+                  <a:pos x="connsiteX16" y="connsiteY16"/>
+                </a:cxn>
+              </a:cxnLst>
+              <a:rect l="l" t="t" r="r" b="b"/>
+              <a:pathLst>
+                <a:path w="139039" h="139039">
+                  <a:moveTo>
+                    <a:pt x="129602" y="60082"/>
+                  </a:moveTo>
+                  <a:lnTo>
+                    <a:pt x="78957" y="60082"/>
+                  </a:lnTo>
+                  <a:lnTo>
+                    <a:pt x="78957" y="9437"/>
+                  </a:lnTo>
+                  <a:cubicBezTo>
+                    <a:pt x="78957" y="4225"/>
+                    <a:pt x="74731" y="0"/>
+                    <a:pt x="69520" y="0"/>
+                  </a:cubicBezTo>
+                  <a:cubicBezTo>
+                    <a:pt x="64308" y="0"/>
+                    <a:pt x="60082" y="4225"/>
+                    <a:pt x="60082" y="9437"/>
+                  </a:cubicBezTo>
+                  <a:lnTo>
+                    <a:pt x="60082" y="60082"/>
+                  </a:lnTo>
+                  <a:lnTo>
+                    <a:pt x="9437" y="60082"/>
+                  </a:lnTo>
+                  <a:cubicBezTo>
+                    <a:pt x="4225" y="60082"/>
+                    <a:pt x="0" y="64308"/>
+                    <a:pt x="0" y="69520"/>
+                  </a:cubicBezTo>
+                  <a:cubicBezTo>
+                    <a:pt x="0" y="74731"/>
+                    <a:pt x="4225" y="78957"/>
+                    <a:pt x="9437" y="78957"/>
+                  </a:cubicBezTo>
+                  <a:lnTo>
+                    <a:pt x="60082" y="78957"/>
+                  </a:lnTo>
+                  <a:lnTo>
+                    <a:pt x="60082" y="129602"/>
+                  </a:lnTo>
+                  <a:cubicBezTo>
+                    <a:pt x="60082" y="134814"/>
+                    <a:pt x="64308" y="139039"/>
+                    <a:pt x="69520" y="139039"/>
+                  </a:cubicBezTo>
+                  <a:cubicBezTo>
+                    <a:pt x="74731" y="139039"/>
+                    <a:pt x="78957" y="134814"/>
+                    <a:pt x="78957" y="129602"/>
+                  </a:cubicBezTo>
+                  <a:lnTo>
+                    <a:pt x="78957" y="78957"/>
+                  </a:lnTo>
+                  <a:lnTo>
+                    <a:pt x="129602" y="78957"/>
+                  </a:lnTo>
+                  <a:cubicBezTo>
+                    <a:pt x="134814" y="78957"/>
+                    <a:pt x="139039" y="74731"/>
+                    <a:pt x="139039" y="69520"/>
+                  </a:cubicBezTo>
+                  <a:cubicBezTo>
+                    <a:pt x="139039" y="64308"/>
+                    <a:pt x="134814" y="60082"/>
+                    <a:pt x="129602" y="60082"/>
+                  </a:cubicBezTo>
+                  <a:close/>
+                </a:path>
+              </a:pathLst>
+            </a:custGeom>
+            <a:grpFill/>
+            <a:ln w="603" cap="flat">
+              <a:noFill/>
+              <a:prstDash val="solid"/>
+              <a:miter/>
+            </a:ln>
+          </p:spPr>
+          <p:txBody>
+            <a:bodyPr rtlCol="0" anchor="ctr"/>
+            <a:lstStyle/>
+            <a:p>
+              <a:endParaRPr lang="en-US">
+                <a:solidFill>
+                  <a:srgbClr val="FFFFFF"/>
+                </a:solidFill>
+              </a:endParaRPr>
+            </a:p>
+          </p:txBody>
+        </p:sp>
+        <p:sp>
+          <p:nvSpPr>
+            <p:cNvPr id="59" name="Graphic 15">
+              <a:extLst>
+                <a:ext uri="{FF2B5EF4-FFF2-40B4-BE49-F238E27FC236}">
+                  <a16:creationId xmlns:a16="http://schemas.microsoft.com/office/drawing/2014/main" id="{8550FED7-7C32-42BB-98DB-30272A6331A9}"/>
+                </a:ext>
+                <a:ext uri="{C183D7F6-B498-43B3-948B-1728B52AA6E4}">
+                  <adec:decorative xmlns:adec="http://schemas.microsoft.com/office/drawing/2017/decorative" val="1"/>
+                </a:ext>
+              </a:extLst>
+            </p:cNvPr>
+            <p:cNvSpPr/>
+            <p:nvPr>
+              <p:extLst>
+                <p:ext uri="{386F3935-93C4-4BCD-93E2-E3B085C9AB24}">
+                  <p16:designElem xmlns:p16="http://schemas.microsoft.com/office/powerpoint/2015/main" val="1"/>
+                </p:ext>
+              </p:extLst>
+            </p:nvPr>
+          </p:nvSpPr>
+          <p:spPr>
+            <a:xfrm>
+              <a:off x="11316518" y="1044294"/>
+              <a:ext cx="91138" cy="91138"/>
+            </a:xfrm>
+            <a:custGeom>
+              <a:avLst/>
+              <a:gdLst>
+                <a:gd name="connsiteX0" fmla="*/ 91138 w 91138"/>
+                <a:gd name="connsiteY0" fmla="*/ 45569 h 91138"/>
+                <a:gd name="connsiteX1" fmla="*/ 45569 w 91138"/>
+                <a:gd name="connsiteY1" fmla="*/ 91138 h 91138"/>
+                <a:gd name="connsiteX2" fmla="*/ 0 w 91138"/>
+                <a:gd name="connsiteY2" fmla="*/ 45569 h 91138"/>
+                <a:gd name="connsiteX3" fmla="*/ 45569 w 91138"/>
+                <a:gd name="connsiteY3" fmla="*/ 0 h 91138"/>
+                <a:gd name="connsiteX4" fmla="*/ 91138 w 91138"/>
+                <a:gd name="connsiteY4" fmla="*/ 45569 h 91138"/>
+              </a:gdLst>
+              <a:ahLst/>
+              <a:cxnLst>
+                <a:cxn ang="0">
+                  <a:pos x="connsiteX0" y="connsiteY0"/>
+                </a:cxn>
+                <a:cxn ang="0">
+                  <a:pos x="connsiteX1" y="connsiteY1"/>
+                </a:cxn>
+                <a:cxn ang="0">
+                  <a:pos x="connsiteX2" y="connsiteY2"/>
+                </a:cxn>
+                <a:cxn ang="0">
+                  <a:pos x="connsiteX3" y="connsiteY3"/>
+                </a:cxn>
+                <a:cxn ang="0">
+                  <a:pos x="connsiteX4" y="connsiteY4"/>
+                </a:cxn>
+              </a:cxnLst>
+              <a:rect l="l" t="t" r="r" b="b"/>
+              <a:pathLst>
+                <a:path w="91138" h="91138">
+                  <a:moveTo>
+                    <a:pt x="91138" y="45569"/>
+                  </a:moveTo>
+                  <a:cubicBezTo>
+                    <a:pt x="91138" y="70736"/>
+                    <a:pt x="70736" y="91138"/>
+                    <a:pt x="45569" y="91138"/>
+                  </a:cubicBezTo>
+                  <a:cubicBezTo>
+                    <a:pt x="20402" y="91138"/>
+                    <a:pt x="0" y="70736"/>
+                    <a:pt x="0" y="45569"/>
+                  </a:cubicBezTo>
+                  <a:cubicBezTo>
+                    <a:pt x="0" y="20402"/>
+                    <a:pt x="20402" y="0"/>
+                    <a:pt x="45569" y="0"/>
+                  </a:cubicBezTo>
+                  <a:cubicBezTo>
+                    <a:pt x="70736" y="0"/>
+                    <a:pt x="91138" y="20402"/>
+                    <a:pt x="91138" y="45569"/>
+                  </a:cubicBezTo>
+                  <a:close/>
+                </a:path>
+              </a:pathLst>
+            </a:custGeom>
+            <a:grpFill/>
+            <a:ln w="422" cap="flat">
+              <a:noFill/>
+              <a:prstDash val="solid"/>
+              <a:miter/>
+            </a:ln>
+          </p:spPr>
+          <p:txBody>
+            <a:bodyPr rtlCol="0" anchor="ctr"/>
+            <a:lstStyle/>
+            <a:p>
+              <a:endParaRPr lang="en-US">
+                <a:solidFill>
+                  <a:srgbClr val="FFFFFF"/>
+                </a:solidFill>
+              </a:endParaRPr>
+            </a:p>
+          </p:txBody>
+        </p:sp>
+        <p:sp>
+          <p:nvSpPr>
+            <p:cNvPr id="60" name="Graphic 21">
+              <a:extLst>
+                <a:ext uri="{FF2B5EF4-FFF2-40B4-BE49-F238E27FC236}">
+                  <a16:creationId xmlns:a16="http://schemas.microsoft.com/office/drawing/2014/main" id="{8D61482F-F3C5-4D66-8C5D-C6BBE3E1275C}"/>
+                </a:ext>
+                <a:ext uri="{C183D7F6-B498-43B3-948B-1728B52AA6E4}">
+                  <adec:decorative xmlns:adec="http://schemas.microsoft.com/office/drawing/2017/decorative" val="1"/>
+                </a:ext>
+              </a:extLst>
+            </p:cNvPr>
+            <p:cNvSpPr/>
+            <p:nvPr>
+              <p:extLst>
+                <p:ext uri="{386F3935-93C4-4BCD-93E2-E3B085C9AB24}">
+                  <p16:designElem xmlns:p16="http://schemas.microsoft.com/office/powerpoint/2015/main" val="1"/>
+                </p:ext>
+              </p:extLst>
+            </p:nvPr>
+          </p:nvSpPr>
+          <p:spPr>
+            <a:xfrm>
+              <a:off x="10942198" y="1268720"/>
+              <a:ext cx="127714" cy="127714"/>
+            </a:xfrm>
+            <a:custGeom>
+              <a:avLst/>
+              <a:gdLst>
+                <a:gd name="connsiteX0" fmla="*/ 63857 w 127714"/>
+                <a:gd name="connsiteY0" fmla="*/ 18874 h 127714"/>
+                <a:gd name="connsiteX1" fmla="*/ 108840 w 127714"/>
+                <a:gd name="connsiteY1" fmla="*/ 63857 h 127714"/>
+                <a:gd name="connsiteX2" fmla="*/ 63857 w 127714"/>
+                <a:gd name="connsiteY2" fmla="*/ 108840 h 127714"/>
+                <a:gd name="connsiteX3" fmla="*/ 18874 w 127714"/>
+                <a:gd name="connsiteY3" fmla="*/ 63857 h 127714"/>
+                <a:gd name="connsiteX4" fmla="*/ 63857 w 127714"/>
+                <a:gd name="connsiteY4" fmla="*/ 18874 h 127714"/>
+                <a:gd name="connsiteX5" fmla="*/ 63857 w 127714"/>
+                <a:gd name="connsiteY5" fmla="*/ 0 h 127714"/>
+                <a:gd name="connsiteX6" fmla="*/ 0 w 127714"/>
+                <a:gd name="connsiteY6" fmla="*/ 63857 h 127714"/>
+                <a:gd name="connsiteX7" fmla="*/ 63857 w 127714"/>
+                <a:gd name="connsiteY7" fmla="*/ 127714 h 127714"/>
+                <a:gd name="connsiteX8" fmla="*/ 127714 w 127714"/>
+                <a:gd name="connsiteY8" fmla="*/ 63857 h 127714"/>
+                <a:gd name="connsiteX9" fmla="*/ 63857 w 127714"/>
+                <a:gd name="connsiteY9" fmla="*/ 0 h 127714"/>
+              </a:gdLst>
+              <a:ahLst/>
+              <a:cxnLst>
+                <a:cxn ang="0">
+                  <a:pos x="connsiteX0" y="connsiteY0"/>
+                </a:cxn>
+                <a:cxn ang="0">
+                  <a:pos x="connsiteX1" y="connsiteY1"/>
+                </a:cxn>
+                <a:cxn ang="0">
+                  <a:pos x="connsiteX2" y="connsiteY2"/>
+                </a:cxn>
+                <a:cxn ang="0">
+                  <a:pos x="connsiteX3" y="connsiteY3"/>
+                </a:cxn>
+                <a:cxn ang="0">
+                  <a:pos x="connsiteX4" y="connsiteY4"/>
+                </a:cxn>
+                <a:cxn ang="0">
+                  <a:pos x="connsiteX5" y="connsiteY5"/>
+                </a:cxn>
+                <a:cxn ang="0">
+                  <a:pos x="connsiteX6" y="connsiteY6"/>
+                </a:cxn>
+                <a:cxn ang="0">
+                  <a:pos x="connsiteX7" y="connsiteY7"/>
+                </a:cxn>
+                <a:cxn ang="0">
+                  <a:pos x="connsiteX8" y="connsiteY8"/>
+                </a:cxn>
+                <a:cxn ang="0">
+                  <a:pos x="connsiteX9" y="connsiteY9"/>
+                </a:cxn>
+              </a:cxnLst>
+              <a:rect l="l" t="t" r="r" b="b"/>
+              <a:pathLst>
+                <a:path w="127714" h="127714">
+                  <a:moveTo>
+                    <a:pt x="63857" y="18874"/>
+                  </a:moveTo>
+                  <a:cubicBezTo>
+                    <a:pt x="88700" y="18874"/>
+                    <a:pt x="108840" y="39014"/>
+                    <a:pt x="108840" y="63857"/>
+                  </a:cubicBezTo>
+                  <a:cubicBezTo>
+                    <a:pt x="108840" y="88700"/>
+                    <a:pt x="88700" y="108840"/>
+                    <a:pt x="63857" y="108840"/>
+                  </a:cubicBezTo>
+                  <a:cubicBezTo>
+                    <a:pt x="39014" y="108840"/>
+                    <a:pt x="18874" y="88700"/>
+                    <a:pt x="18874" y="63857"/>
+                  </a:cubicBezTo>
+                  <a:cubicBezTo>
+                    <a:pt x="18898" y="39024"/>
+                    <a:pt x="39024" y="18898"/>
+                    <a:pt x="63857" y="18874"/>
+                  </a:cubicBezTo>
+                  <a:moveTo>
+                    <a:pt x="63857" y="0"/>
+                  </a:moveTo>
+                  <a:cubicBezTo>
+                    <a:pt x="28590" y="0"/>
+                    <a:pt x="0" y="28590"/>
+                    <a:pt x="0" y="63857"/>
+                  </a:cubicBezTo>
+                  <a:cubicBezTo>
+                    <a:pt x="0" y="99124"/>
+                    <a:pt x="28590" y="127714"/>
+                    <a:pt x="63857" y="127714"/>
+                  </a:cubicBezTo>
+                  <a:cubicBezTo>
+                    <a:pt x="99124" y="127714"/>
+                    <a:pt x="127714" y="99124"/>
+                    <a:pt x="127714" y="63857"/>
+                  </a:cubicBezTo>
+                  <a:cubicBezTo>
+                    <a:pt x="127714" y="28590"/>
+                    <a:pt x="99124" y="0"/>
+                    <a:pt x="63857" y="0"/>
+                  </a:cubicBezTo>
+                  <a:close/>
+                </a:path>
+              </a:pathLst>
+            </a:custGeom>
+            <a:grpFill/>
+            <a:ln w="610" cap="flat">
+              <a:noFill/>
+              <a:prstDash val="solid"/>
+              <a:miter/>
+            </a:ln>
+          </p:spPr>
+          <p:txBody>
+            <a:bodyPr rtlCol="0" anchor="ctr"/>
+            <a:lstStyle/>
+            <a:p>
+              <a:endParaRPr lang="en-US">
+                <a:solidFill>
+                  <a:srgbClr val="FFFFFF"/>
+                </a:solidFill>
+              </a:endParaRPr>
+            </a:p>
+          </p:txBody>
+        </p:sp>
+      </p:grpSp>
+      <p:cxnSp>
+        <p:nvCxnSpPr>
+          <p:cNvPr id="62" name="Straight Connector 61">
+            <a:extLst>
+              <a:ext uri="{FF2B5EF4-FFF2-40B4-BE49-F238E27FC236}">
+                <a16:creationId xmlns:a16="http://schemas.microsoft.com/office/drawing/2014/main" id="{56020367-4FD5-4596-8E10-C5F095CD8DBF}"/>
+              </a:ext>
+              <a:ext uri="{C183D7F6-B498-43B3-948B-1728B52AA6E4}">
+                <adec:decorative xmlns:adec="http://schemas.microsoft.com/office/drawing/2017/decorative" val="1"/>
+              </a:ext>
+            </a:extLst>
+          </p:cNvPr>
+          <p:cNvCxnSpPr>
+            <a:cxnSpLocks noGrp="1" noRot="1" noChangeAspect="1" noMove="1" noResize="1" noEditPoints="1" noAdjustHandles="1" noChangeArrowheads="1" noChangeShapeType="1"/>
+          </p:cNvCxnSpPr>
+          <p:nvPr>
+            <p:extLst>
+              <p:ext uri="{386F3935-93C4-4BCD-93E2-E3B085C9AB24}">
+                <p16:designElem xmlns:p16="http://schemas.microsoft.com/office/powerpoint/2015/main" val="1"/>
+              </p:ext>
+            </p:extLst>
+          </p:nvPr>
+        </p:nvCxnSpPr>
+        <p:spPr>
+          <a:xfrm flipH="1">
+            <a:off x="829322" y="6274341"/>
+            <a:ext cx="11353800" cy="0"/>
+          </a:xfrm>
+          <a:prstGeom prst="line">
+            <a:avLst/>
+          </a:prstGeom>
+          <a:ln w="25400" cap="sq">
+            <a:solidFill>
+              <a:srgbClr val="FFFFFF"/>
+            </a:solidFill>
+            <a:bevel/>
+          </a:ln>
+        </p:spPr>
+        <p:style>
+          <a:lnRef idx="1">
+            <a:schemeClr val="accent1"/>
+          </a:lnRef>
+          <a:fillRef idx="0">
+            <a:schemeClr val="accent1"/>
+          </a:fillRef>
+          <a:effectRef idx="0">
+            <a:schemeClr val="accent1"/>
+          </a:effectRef>
+          <a:fontRef idx="minor">
+            <a:schemeClr val="tx1"/>
+          </a:fontRef>
+        </p:style>
+      </p:cxnSp>
+    </p:spTree>
+    <p:extLst>
+      <p:ext uri="{BB962C8B-B14F-4D97-AF65-F5344CB8AC3E}">
+        <p14:creationId xmlns:p14="http://schemas.microsoft.com/office/powerpoint/2010/main" val="1992489689"/>
+      </p:ext>
+    </p:extLst>
+  </p:cSld>
+  <p:clrMapOvr>
+    <a:masterClrMapping/>
+  </p:clrMapOvr>
+</p:sld>
+</file>
+
 <file path=ppt/slides/slide2.xml><?xml version="1.0" encoding="utf-8"?>
 <p:sld xmlns:a="http://schemas.openxmlformats.org/drawingml/2006/main" xmlns:r="http://schemas.openxmlformats.org/officeDocument/2006/relationships" xmlns:p="http://schemas.openxmlformats.org/presentationml/2006/main">
   <p:cSld>
@@ -6370,6 +8562,1172 @@
 </file>
 
 <file path=ppt/slides/slide3.xml><?xml version="1.0" encoding="utf-8"?>
+<p:sld xmlns:a="http://schemas.openxmlformats.org/drawingml/2006/main" xmlns:r="http://schemas.openxmlformats.org/officeDocument/2006/relationships" xmlns:p="http://schemas.openxmlformats.org/presentationml/2006/main">
+  <p:cSld>
+    <p:bg>
+      <p:bgPr>
+        <a:solidFill>
+          <a:schemeClr val="bg1"/>
+        </a:solidFill>
+        <a:effectLst/>
+      </p:bgPr>
+    </p:bg>
+    <p:spTree>
+      <p:nvGrpSpPr>
+        <p:cNvPr id="1" name=""/>
+        <p:cNvGrpSpPr/>
+        <p:nvPr/>
+      </p:nvGrpSpPr>
+      <p:grpSpPr>
+        <a:xfrm>
+          <a:off x="0" y="0"/>
+          <a:ext cx="0" cy="0"/>
+          <a:chOff x="0" y="0"/>
+          <a:chExt cx="0" cy="0"/>
+        </a:xfrm>
+      </p:grpSpPr>
+      <p:sp>
+        <p:nvSpPr>
+          <p:cNvPr id="22" name="Rectangle 15">
+            <a:extLst>
+              <a:ext uri="{FF2B5EF4-FFF2-40B4-BE49-F238E27FC236}">
+                <a16:creationId xmlns:a16="http://schemas.microsoft.com/office/drawing/2014/main" id="{CEB41C5C-0F34-4DDA-9D7C-5E717F35F60C}"/>
+              </a:ext>
+              <a:ext uri="{C183D7F6-B498-43B3-948B-1728B52AA6E4}">
+                <adec:decorative xmlns:adec="http://schemas.microsoft.com/office/drawing/2017/decorative" val="1"/>
+              </a:ext>
+            </a:extLst>
+          </p:cNvPr>
+          <p:cNvSpPr>
+            <a:spLocks noGrp="1" noRot="1" noChangeAspect="1" noMove="1" noResize="1" noEditPoints="1" noAdjustHandles="1" noChangeArrowheads="1" noChangeShapeType="1" noTextEdit="1"/>
+          </p:cNvSpPr>
+          <p:nvPr>
+            <p:extLst>
+              <p:ext uri="{386F3935-93C4-4BCD-93E2-E3B085C9AB24}">
+                <p16:designElem xmlns:p16="http://schemas.microsoft.com/office/powerpoint/2015/main" val="1"/>
+              </p:ext>
+            </p:extLst>
+          </p:nvPr>
+        </p:nvSpPr>
+        <p:spPr bwMode="ltGray">
+          <a:xfrm>
+            <a:off x="336384" y="303591"/>
+            <a:ext cx="4334256" cy="5896743"/>
+          </a:xfrm>
+          <a:prstGeom prst="rect">
+            <a:avLst/>
+          </a:prstGeom>
+          <a:solidFill>
+            <a:schemeClr val="tx1">
+              <a:lumMod val="75000"/>
+              <a:lumOff val="25000"/>
+            </a:schemeClr>
+          </a:solidFill>
+          <a:ln w="127000" cap="sq" cmpd="thinThick">
+            <a:solidFill>
+              <a:schemeClr val="tx1">
+                <a:lumMod val="75000"/>
+                <a:lumOff val="25000"/>
+              </a:schemeClr>
+            </a:solidFill>
+          </a:ln>
+        </p:spPr>
+        <p:style>
+          <a:lnRef idx="2">
+            <a:schemeClr val="accent1">
+              <a:shade val="50000"/>
+            </a:schemeClr>
+          </a:lnRef>
+          <a:fillRef idx="1">
+            <a:schemeClr val="accent1"/>
+          </a:fillRef>
+          <a:effectRef idx="0">
+            <a:schemeClr val="accent1"/>
+          </a:effectRef>
+          <a:fontRef idx="minor">
+            <a:schemeClr val="lt1"/>
+          </a:fontRef>
+        </p:style>
+        <p:txBody>
+          <a:bodyPr rtlCol="0" anchor="ctr"/>
+          <a:lstStyle/>
+          <a:p>
+            <a:pPr algn="ctr"/>
+            <a:endParaRPr lang="en-US"/>
+          </a:p>
+        </p:txBody>
+      </p:sp>
+      <p:sp>
+        <p:nvSpPr>
+          <p:cNvPr id="2" name="Title 1">
+            <a:extLst>
+              <a:ext uri="{FF2B5EF4-FFF2-40B4-BE49-F238E27FC236}">
+                <a16:creationId xmlns:a16="http://schemas.microsoft.com/office/drawing/2014/main" id="{CB3B4C28-AF1D-7747-8515-BB243178EC8F}"/>
+              </a:ext>
+            </a:extLst>
+          </p:cNvPr>
+          <p:cNvSpPr>
+            <a:spLocks noGrp="1"/>
+          </p:cNvSpPr>
+          <p:nvPr>
+            <p:ph type="title"/>
+          </p:nvPr>
+        </p:nvSpPr>
+        <p:spPr>
+          <a:xfrm>
+            <a:off x="594360" y="640263"/>
+            <a:ext cx="3822192" cy="1344975"/>
+          </a:xfrm>
+          <a:prstGeom prst="ellipse">
+            <a:avLst/>
+          </a:prstGeom>
+        </p:spPr>
+        <p:txBody>
+          <a:bodyPr vert="horz" lIns="91440" tIns="45720" rIns="91440" bIns="45720" rtlCol="0" anchor="ctr">
+            <a:normAutofit/>
+          </a:bodyPr>
+          <a:lstStyle/>
+          <a:p>
+            <a:r>
+              <a:rPr lang="en-US" sz="3300" kern="1200">
+                <a:solidFill>
+                  <a:schemeClr val="bg1"/>
+                </a:solidFill>
+                <a:latin typeface="+mj-lt"/>
+                <a:ea typeface="+mj-ea"/>
+                <a:cs typeface="+mj-cs"/>
+              </a:rPr>
+              <a:t>Bonus Insights</a:t>
+            </a:r>
+          </a:p>
+        </p:txBody>
+      </p:sp>
+      <p:cxnSp>
+        <p:nvCxnSpPr>
+          <p:cNvPr id="23" name="Straight Connector 17">
+            <a:extLst>
+              <a:ext uri="{FF2B5EF4-FFF2-40B4-BE49-F238E27FC236}">
+                <a16:creationId xmlns:a16="http://schemas.microsoft.com/office/drawing/2014/main" id="{57E1E5E6-F385-4E9C-B201-BA5BDE5CAD52}"/>
+              </a:ext>
+              <a:ext uri="{C183D7F6-B498-43B3-948B-1728B52AA6E4}">
+                <adec:decorative xmlns:adec="http://schemas.microsoft.com/office/drawing/2017/decorative" val="1"/>
+              </a:ext>
+            </a:extLst>
+          </p:cNvPr>
+          <p:cNvCxnSpPr>
+            <a:cxnSpLocks noGrp="1" noRot="1" noChangeAspect="1" noMove="1" noResize="1" noEditPoints="1" noAdjustHandles="1" noChangeArrowheads="1" noChangeShapeType="1"/>
+          </p:cNvCxnSpPr>
+          <p:nvPr>
+            <p:extLst>
+              <p:ext uri="{386F3935-93C4-4BCD-93E2-E3B085C9AB24}">
+                <p16:designElem xmlns:p16="http://schemas.microsoft.com/office/powerpoint/2015/main" val="1"/>
+              </p:ext>
+            </p:extLst>
+          </p:nvPr>
+        </p:nvCxnSpPr>
+        <p:spPr>
+          <a:xfrm>
+            <a:off x="704088" y="2050687"/>
+            <a:ext cx="3685032" cy="0"/>
+          </a:xfrm>
+          <a:prstGeom prst="line">
+            <a:avLst/>
+          </a:prstGeom>
+          <a:ln w="22225">
+            <a:solidFill>
+              <a:srgbClr val="E7E6E6"/>
+            </a:solidFill>
+          </a:ln>
+        </p:spPr>
+        <p:style>
+          <a:lnRef idx="1">
+            <a:schemeClr val="accent1"/>
+          </a:lnRef>
+          <a:fillRef idx="0">
+            <a:schemeClr val="accent1"/>
+          </a:fillRef>
+          <a:effectRef idx="0">
+            <a:schemeClr val="accent1"/>
+          </a:effectRef>
+          <a:fontRef idx="minor">
+            <a:schemeClr val="tx1"/>
+          </a:fontRef>
+        </p:style>
+      </p:cxnSp>
+      <p:sp>
+        <p:nvSpPr>
+          <p:cNvPr id="5" name="TextBox 4">
+            <a:extLst>
+              <a:ext uri="{FF2B5EF4-FFF2-40B4-BE49-F238E27FC236}">
+                <a16:creationId xmlns:a16="http://schemas.microsoft.com/office/drawing/2014/main" id="{5E69570F-DA6B-1542-9905-E57EE572949F}"/>
+              </a:ext>
+            </a:extLst>
+          </p:cNvPr>
+          <p:cNvSpPr txBox="1"/>
+          <p:nvPr/>
+        </p:nvSpPr>
+        <p:spPr>
+          <a:xfrm>
+            <a:off x="593610" y="2121763"/>
+            <a:ext cx="3822192" cy="3773010"/>
+          </a:xfrm>
+          <a:prstGeom prst="rect">
+            <a:avLst/>
+          </a:prstGeom>
+        </p:spPr>
+        <p:txBody>
+          <a:bodyPr vert="horz" lIns="91440" tIns="45720" rIns="91440" bIns="45720" rtlCol="0">
+            <a:normAutofit/>
+          </a:bodyPr>
+          <a:lstStyle/>
+          <a:p>
+            <a:pPr indent="-228600">
+              <a:lnSpc>
+                <a:spcPct val="90000"/>
+              </a:lnSpc>
+              <a:spcAft>
+                <a:spcPts val="600"/>
+              </a:spcAft>
+              <a:buFont typeface="Arial" panose="020B0604020202020204" pitchFamily="34" charset="0"/>
+              <a:buChar char="•"/>
+            </a:pPr>
+            <a:r>
+              <a:rPr lang="en-US" sz="2000" dirty="0">
+                <a:solidFill>
+                  <a:schemeClr val="bg1"/>
+                </a:solidFill>
+              </a:rPr>
+              <a:t>Cities with Highest Number of Breweries</a:t>
+            </a:r>
+          </a:p>
+        </p:txBody>
+      </p:sp>
+      <p:graphicFrame>
+        <p:nvGraphicFramePr>
+          <p:cNvPr id="4" name="Content Placeholder 3">
+            <a:extLst>
+              <a:ext uri="{FF2B5EF4-FFF2-40B4-BE49-F238E27FC236}">
+                <a16:creationId xmlns:a16="http://schemas.microsoft.com/office/drawing/2014/main" id="{C44D5429-284B-454A-B85E-9CDCC05BDF9D}"/>
+              </a:ext>
+            </a:extLst>
+          </p:cNvPr>
+          <p:cNvGraphicFramePr>
+            <a:graphicFrameLocks noGrp="1"/>
+          </p:cNvGraphicFramePr>
+          <p:nvPr>
+            <p:ph idx="1"/>
+            <p:extLst>
+              <p:ext uri="{D42A27DB-BD31-4B8C-83A1-F6EECF244321}">
+                <p14:modId xmlns:p14="http://schemas.microsoft.com/office/powerpoint/2010/main" val="3211573237"/>
+              </p:ext>
+            </p:extLst>
+          </p:nvPr>
+        </p:nvGraphicFramePr>
+        <p:xfrm>
+          <a:off x="5462227" y="303590"/>
+          <a:ext cx="5878321" cy="5896740"/>
+        </p:xfrm>
+        <a:graphic>
+          <a:graphicData uri="http://schemas.openxmlformats.org/drawingml/2006/table">
+            <a:tbl>
+              <a:tblPr firstRow="1" bandRow="1"/>
+              <a:tblGrid>
+                <a:gridCol w="2313768">
+                  <a:extLst>
+                    <a:ext uri="{9D8B030D-6E8A-4147-A177-3AD203B41FA5}">
+                      <a16:colId xmlns:a16="http://schemas.microsoft.com/office/drawing/2014/main" val="1952186384"/>
+                    </a:ext>
+                  </a:extLst>
+                </a:gridCol>
+                <a:gridCol w="3564553">
+                  <a:extLst>
+                    <a:ext uri="{9D8B030D-6E8A-4147-A177-3AD203B41FA5}">
+                      <a16:colId xmlns:a16="http://schemas.microsoft.com/office/drawing/2014/main" val="1374967528"/>
+                    </a:ext>
+                  </a:extLst>
+                </a:gridCol>
+              </a:tblGrid>
+              <a:tr h="1423740">
+                <a:tc>
+                  <a:txBody>
+                    <a:bodyPr/>
+                    <a:lstStyle/>
+                    <a:p>
+                      <a:pPr algn="l" fontAlgn="t">
+                        <a:spcBef>
+                          <a:spcPts val="0"/>
+                        </a:spcBef>
+                        <a:spcAft>
+                          <a:spcPts val="0"/>
+                        </a:spcAft>
+                      </a:pPr>
+                      <a:r>
+                        <a:rPr lang="en-US" sz="4300" b="1" i="0" u="none" strike="noStrike" dirty="0">
+                          <a:solidFill>
+                            <a:srgbClr val="FFFFFF"/>
+                          </a:solidFill>
+                          <a:effectLst/>
+                          <a:latin typeface="Calibri" panose="020F0502020204030204" pitchFamily="34" charset="0"/>
+                        </a:rPr>
+                        <a:t>City</a:t>
+                      </a:r>
+                      <a:endParaRPr lang="en-US" sz="4900" b="0" i="0" u="none" strike="noStrike" dirty="0">
+                        <a:effectLst/>
+                        <a:latin typeface="Arial" panose="020B0604020202020204" pitchFamily="34" charset="0"/>
+                      </a:endParaRPr>
+                    </a:p>
+                  </a:txBody>
+                  <a:tcPr marL="25828" marR="25828" marT="25828" marB="0">
+                    <a:lnL>
+                      <a:noFill/>
+                    </a:lnL>
+                    <a:lnR>
+                      <a:noFill/>
+                    </a:lnR>
+                    <a:lnT>
+                      <a:noFill/>
+                    </a:lnT>
+                    <a:lnB w="12700" cap="flat" cmpd="sng" algn="ctr">
+                      <a:solidFill>
+                        <a:srgbClr val="FFFFFF"/>
+                      </a:solidFill>
+                      <a:prstDash val="solid"/>
+                      <a:round/>
+                      <a:headEnd type="none" w="med" len="med"/>
+                      <a:tailEnd type="none" w="med" len="med"/>
+                    </a:lnB>
+                    <a:solidFill>
+                      <a:srgbClr val="000000"/>
+                    </a:solidFill>
+                  </a:tcPr>
+                </a:tc>
+                <a:tc>
+                  <a:txBody>
+                    <a:bodyPr/>
+                    <a:lstStyle/>
+                    <a:p>
+                      <a:pPr algn="l" fontAlgn="b">
+                        <a:spcBef>
+                          <a:spcPts val="0"/>
+                        </a:spcBef>
+                        <a:spcAft>
+                          <a:spcPts val="0"/>
+                        </a:spcAft>
+                      </a:pPr>
+                      <a:r>
+                        <a:rPr lang="en-US" sz="4300" b="1" i="0" u="none" strike="noStrike" dirty="0">
+                          <a:solidFill>
+                            <a:srgbClr val="FFFFFF"/>
+                          </a:solidFill>
+                          <a:effectLst/>
+                          <a:latin typeface="Calibri" panose="020F0502020204030204" pitchFamily="34" charset="0"/>
+                        </a:rPr>
+                        <a:t>Number of Breweries</a:t>
+                      </a:r>
+                      <a:endParaRPr lang="en-US" sz="4900" b="0" i="0" u="none" strike="noStrike" dirty="0">
+                        <a:effectLst/>
+                        <a:latin typeface="Arial" panose="020B0604020202020204" pitchFamily="34" charset="0"/>
+                      </a:endParaRPr>
+                    </a:p>
+                  </a:txBody>
+                  <a:tcPr marL="25828" marR="25828" marT="25828" marB="0" anchor="b">
+                    <a:lnL>
+                      <a:noFill/>
+                    </a:lnL>
+                    <a:lnR>
+                      <a:noFill/>
+                    </a:lnR>
+                    <a:lnT>
+                      <a:noFill/>
+                    </a:lnT>
+                    <a:lnB w="12700" cap="flat" cmpd="sng" algn="ctr">
+                      <a:solidFill>
+                        <a:srgbClr val="FFFFFF"/>
+                      </a:solidFill>
+                      <a:prstDash val="solid"/>
+                      <a:round/>
+                      <a:headEnd type="none" w="med" len="med"/>
+                      <a:tailEnd type="none" w="med" len="med"/>
+                    </a:lnB>
+                    <a:solidFill>
+                      <a:srgbClr val="000000"/>
+                    </a:solidFill>
+                  </a:tcPr>
+                </a:tc>
+                <a:extLst>
+                  <a:ext uri="{0D108BD9-81ED-4DB2-BD59-A6C34878D82A}">
+                    <a16:rowId xmlns:a16="http://schemas.microsoft.com/office/drawing/2014/main" val="1252327315"/>
+                  </a:ext>
+                </a:extLst>
+              </a:tr>
+              <a:tr h="1084620">
+                <a:tc>
+                  <a:txBody>
+                    <a:bodyPr/>
+                    <a:lstStyle/>
+                    <a:p>
+                      <a:pPr algn="l" fontAlgn="b">
+                        <a:spcBef>
+                          <a:spcPts val="0"/>
+                        </a:spcBef>
+                        <a:spcAft>
+                          <a:spcPts val="0"/>
+                        </a:spcAft>
+                      </a:pPr>
+                      <a:r>
+                        <a:rPr lang="en-US" sz="3200" b="0" i="0" u="none" strike="noStrike" dirty="0">
+                          <a:solidFill>
+                            <a:srgbClr val="FFFFFF"/>
+                          </a:solidFill>
+                          <a:effectLst/>
+                          <a:latin typeface="Calibri" panose="020F0502020204030204" pitchFamily="34" charset="0"/>
+                        </a:rPr>
+                        <a:t>Portland, OR</a:t>
+                      </a:r>
+                      <a:endParaRPr lang="en-US" sz="4900" b="0" i="0" u="none" strike="noStrike" dirty="0">
+                        <a:effectLst/>
+                        <a:latin typeface="Arial" panose="020B0604020202020204" pitchFamily="34" charset="0"/>
+                      </a:endParaRPr>
+                    </a:p>
+                  </a:txBody>
+                  <a:tcPr marL="25828" marR="25828" marT="25828" marB="0" anchor="b">
+                    <a:lnL>
+                      <a:noFill/>
+                    </a:lnL>
+                    <a:lnR>
+                      <a:noFill/>
+                    </a:lnR>
+                    <a:lnT w="12700" cap="flat" cmpd="sng" algn="ctr">
+                      <a:solidFill>
+                        <a:srgbClr val="FFFFFF"/>
+                      </a:solidFill>
+                      <a:prstDash val="solid"/>
+                      <a:round/>
+                      <a:headEnd type="none" w="med" len="med"/>
+                      <a:tailEnd type="none" w="med" len="med"/>
+                    </a:lnT>
+                    <a:lnB>
+                      <a:noFill/>
+                    </a:lnB>
+                    <a:solidFill>
+                      <a:srgbClr val="305496"/>
+                    </a:solidFill>
+                  </a:tcPr>
+                </a:tc>
+                <a:tc>
+                  <a:txBody>
+                    <a:bodyPr/>
+                    <a:lstStyle/>
+                    <a:p>
+                      <a:pPr algn="r" fontAlgn="b">
+                        <a:spcBef>
+                          <a:spcPts val="0"/>
+                        </a:spcBef>
+                        <a:spcAft>
+                          <a:spcPts val="0"/>
+                        </a:spcAft>
+                      </a:pPr>
+                      <a:r>
+                        <a:rPr lang="en-US" sz="3200" b="0" i="0" u="none" strike="noStrike" dirty="0">
+                          <a:solidFill>
+                            <a:srgbClr val="FFFFFF"/>
+                          </a:solidFill>
+                          <a:effectLst/>
+                          <a:latin typeface="Calibri" panose="020F0502020204030204" pitchFamily="34" charset="0"/>
+                        </a:rPr>
+                        <a:t>17</a:t>
+                      </a:r>
+                      <a:endParaRPr lang="en-US" sz="4900" b="0" i="0" u="none" strike="noStrike" dirty="0">
+                        <a:effectLst/>
+                        <a:latin typeface="Arial" panose="020B0604020202020204" pitchFamily="34" charset="0"/>
+                      </a:endParaRPr>
+                    </a:p>
+                  </a:txBody>
+                  <a:tcPr marL="25828" marR="25828" marT="25828" marB="0" anchor="b">
+                    <a:lnL>
+                      <a:noFill/>
+                    </a:lnL>
+                    <a:lnR>
+                      <a:noFill/>
+                    </a:lnR>
+                    <a:lnT w="12700" cap="flat" cmpd="sng" algn="ctr">
+                      <a:solidFill>
+                        <a:srgbClr val="FFFFFF"/>
+                      </a:solidFill>
+                      <a:prstDash val="solid"/>
+                      <a:round/>
+                      <a:headEnd type="none" w="med" len="med"/>
+                      <a:tailEnd type="none" w="med" len="med"/>
+                    </a:lnT>
+                    <a:lnB>
+                      <a:noFill/>
+                    </a:lnB>
+                    <a:solidFill>
+                      <a:srgbClr val="305496"/>
+                    </a:solidFill>
+                  </a:tcPr>
+                </a:tc>
+                <a:extLst>
+                  <a:ext uri="{0D108BD9-81ED-4DB2-BD59-A6C34878D82A}">
+                    <a16:rowId xmlns:a16="http://schemas.microsoft.com/office/drawing/2014/main" val="3531230590"/>
+                  </a:ext>
+                </a:extLst>
+              </a:tr>
+              <a:tr h="1084620">
+                <a:tc>
+                  <a:txBody>
+                    <a:bodyPr/>
+                    <a:lstStyle/>
+                    <a:p>
+                      <a:pPr algn="l" fontAlgn="b">
+                        <a:spcBef>
+                          <a:spcPts val="0"/>
+                        </a:spcBef>
+                        <a:spcAft>
+                          <a:spcPts val="0"/>
+                        </a:spcAft>
+                      </a:pPr>
+                      <a:r>
+                        <a:rPr lang="en-US" sz="3200" b="0" i="0" u="none" strike="noStrike">
+                          <a:solidFill>
+                            <a:srgbClr val="FFFFFF"/>
+                          </a:solidFill>
+                          <a:effectLst/>
+                          <a:latin typeface="Calibri" panose="020F0502020204030204" pitchFamily="34" charset="0"/>
+                        </a:rPr>
+                        <a:t>Boulder, CO</a:t>
+                      </a:r>
+                      <a:endParaRPr lang="en-US" sz="4900" b="0" i="0" u="none" strike="noStrike">
+                        <a:effectLst/>
+                        <a:latin typeface="Arial" panose="020B0604020202020204" pitchFamily="34" charset="0"/>
+                      </a:endParaRPr>
+                    </a:p>
+                  </a:txBody>
+                  <a:tcPr marL="25828" marR="25828" marT="25828" marB="0" anchor="b">
+                    <a:lnL>
+                      <a:noFill/>
+                    </a:lnL>
+                    <a:lnR>
+                      <a:noFill/>
+                    </a:lnR>
+                    <a:lnT>
+                      <a:noFill/>
+                    </a:lnT>
+                    <a:lnB>
+                      <a:noFill/>
+                    </a:lnB>
+                    <a:solidFill>
+                      <a:srgbClr val="4472C4"/>
+                    </a:solidFill>
+                  </a:tcPr>
+                </a:tc>
+                <a:tc>
+                  <a:txBody>
+                    <a:bodyPr/>
+                    <a:lstStyle/>
+                    <a:p>
+                      <a:pPr algn="r" fontAlgn="b">
+                        <a:spcBef>
+                          <a:spcPts val="0"/>
+                        </a:spcBef>
+                        <a:spcAft>
+                          <a:spcPts val="0"/>
+                        </a:spcAft>
+                      </a:pPr>
+                      <a:r>
+                        <a:rPr lang="en-US" sz="3200" b="0" i="0" u="none" strike="noStrike">
+                          <a:solidFill>
+                            <a:srgbClr val="FFFFFF"/>
+                          </a:solidFill>
+                          <a:effectLst/>
+                          <a:latin typeface="Calibri" panose="020F0502020204030204" pitchFamily="34" charset="0"/>
+                        </a:rPr>
+                        <a:t>9</a:t>
+                      </a:r>
+                      <a:endParaRPr lang="en-US" sz="4900" b="0" i="0" u="none" strike="noStrike">
+                        <a:effectLst/>
+                        <a:latin typeface="Arial" panose="020B0604020202020204" pitchFamily="34" charset="0"/>
+                      </a:endParaRPr>
+                    </a:p>
+                  </a:txBody>
+                  <a:tcPr marL="25828" marR="25828" marT="25828" marB="0" anchor="b">
+                    <a:lnL>
+                      <a:noFill/>
+                    </a:lnL>
+                    <a:lnR>
+                      <a:noFill/>
+                    </a:lnR>
+                    <a:lnT>
+                      <a:noFill/>
+                    </a:lnT>
+                    <a:lnB>
+                      <a:noFill/>
+                    </a:lnB>
+                    <a:solidFill>
+                      <a:srgbClr val="4472C4"/>
+                    </a:solidFill>
+                  </a:tcPr>
+                </a:tc>
+                <a:extLst>
+                  <a:ext uri="{0D108BD9-81ED-4DB2-BD59-A6C34878D82A}">
+                    <a16:rowId xmlns:a16="http://schemas.microsoft.com/office/drawing/2014/main" val="3439032994"/>
+                  </a:ext>
+                </a:extLst>
+              </a:tr>
+              <a:tr h="575940">
+                <a:tc>
+                  <a:txBody>
+                    <a:bodyPr/>
+                    <a:lstStyle/>
+                    <a:p>
+                      <a:pPr algn="l" fontAlgn="b">
+                        <a:spcBef>
+                          <a:spcPts val="0"/>
+                        </a:spcBef>
+                        <a:spcAft>
+                          <a:spcPts val="0"/>
+                        </a:spcAft>
+                      </a:pPr>
+                      <a:r>
+                        <a:rPr lang="en-US" sz="3200" b="0" i="0" u="none" strike="noStrike">
+                          <a:solidFill>
+                            <a:srgbClr val="FFFFFF"/>
+                          </a:solidFill>
+                          <a:effectLst/>
+                          <a:latin typeface="Calibri" panose="020F0502020204030204" pitchFamily="34" charset="0"/>
+                        </a:rPr>
+                        <a:t>Chicago, IL</a:t>
+                      </a:r>
+                      <a:endParaRPr lang="en-US" sz="4900" b="0" i="0" u="none" strike="noStrike">
+                        <a:effectLst/>
+                        <a:latin typeface="Arial" panose="020B0604020202020204" pitchFamily="34" charset="0"/>
+                      </a:endParaRPr>
+                    </a:p>
+                  </a:txBody>
+                  <a:tcPr marL="25828" marR="25828" marT="25828" marB="0" anchor="b">
+                    <a:lnL>
+                      <a:noFill/>
+                    </a:lnL>
+                    <a:lnR>
+                      <a:noFill/>
+                    </a:lnR>
+                    <a:lnT>
+                      <a:noFill/>
+                    </a:lnT>
+                    <a:lnB>
+                      <a:noFill/>
+                    </a:lnB>
+                    <a:solidFill>
+                      <a:srgbClr val="305496"/>
+                    </a:solidFill>
+                  </a:tcPr>
+                </a:tc>
+                <a:tc>
+                  <a:txBody>
+                    <a:bodyPr/>
+                    <a:lstStyle/>
+                    <a:p>
+                      <a:pPr algn="r" fontAlgn="b">
+                        <a:spcBef>
+                          <a:spcPts val="0"/>
+                        </a:spcBef>
+                        <a:spcAft>
+                          <a:spcPts val="0"/>
+                        </a:spcAft>
+                      </a:pPr>
+                      <a:r>
+                        <a:rPr lang="en-US" sz="3200" b="0" i="0" u="none" strike="noStrike">
+                          <a:solidFill>
+                            <a:srgbClr val="FFFFFF"/>
+                          </a:solidFill>
+                          <a:effectLst/>
+                          <a:latin typeface="Calibri" panose="020F0502020204030204" pitchFamily="34" charset="0"/>
+                        </a:rPr>
+                        <a:t>9</a:t>
+                      </a:r>
+                      <a:endParaRPr lang="en-US" sz="4900" b="0" i="0" u="none" strike="noStrike">
+                        <a:effectLst/>
+                        <a:latin typeface="Arial" panose="020B0604020202020204" pitchFamily="34" charset="0"/>
+                      </a:endParaRPr>
+                    </a:p>
+                  </a:txBody>
+                  <a:tcPr marL="25828" marR="25828" marT="25828" marB="0" anchor="b">
+                    <a:lnL>
+                      <a:noFill/>
+                    </a:lnL>
+                    <a:lnR>
+                      <a:noFill/>
+                    </a:lnR>
+                    <a:lnT>
+                      <a:noFill/>
+                    </a:lnT>
+                    <a:lnB>
+                      <a:noFill/>
+                    </a:lnB>
+                    <a:solidFill>
+                      <a:srgbClr val="305496"/>
+                    </a:solidFill>
+                  </a:tcPr>
+                </a:tc>
+                <a:extLst>
+                  <a:ext uri="{0D108BD9-81ED-4DB2-BD59-A6C34878D82A}">
+                    <a16:rowId xmlns:a16="http://schemas.microsoft.com/office/drawing/2014/main" val="2457648832"/>
+                  </a:ext>
+                </a:extLst>
+              </a:tr>
+              <a:tr h="575940">
+                <a:tc>
+                  <a:txBody>
+                    <a:bodyPr/>
+                    <a:lstStyle/>
+                    <a:p>
+                      <a:pPr algn="l" fontAlgn="b">
+                        <a:spcBef>
+                          <a:spcPts val="0"/>
+                        </a:spcBef>
+                        <a:spcAft>
+                          <a:spcPts val="0"/>
+                        </a:spcAft>
+                      </a:pPr>
+                      <a:r>
+                        <a:rPr lang="en-US" sz="3200" b="0" i="0" u="none" strike="noStrike">
+                          <a:solidFill>
+                            <a:srgbClr val="FFFFFF"/>
+                          </a:solidFill>
+                          <a:effectLst/>
+                          <a:latin typeface="Calibri" panose="020F0502020204030204" pitchFamily="34" charset="0"/>
+                        </a:rPr>
+                        <a:t>Seattle, WA</a:t>
+                      </a:r>
+                      <a:endParaRPr lang="en-US" sz="4900" b="0" i="0" u="none" strike="noStrike">
+                        <a:effectLst/>
+                        <a:latin typeface="Arial" panose="020B0604020202020204" pitchFamily="34" charset="0"/>
+                      </a:endParaRPr>
+                    </a:p>
+                  </a:txBody>
+                  <a:tcPr marL="25828" marR="25828" marT="25828" marB="0" anchor="b">
+                    <a:lnL>
+                      <a:noFill/>
+                    </a:lnL>
+                    <a:lnR>
+                      <a:noFill/>
+                    </a:lnR>
+                    <a:lnT>
+                      <a:noFill/>
+                    </a:lnT>
+                    <a:lnB>
+                      <a:noFill/>
+                    </a:lnB>
+                    <a:solidFill>
+                      <a:srgbClr val="4472C4"/>
+                    </a:solidFill>
+                  </a:tcPr>
+                </a:tc>
+                <a:tc>
+                  <a:txBody>
+                    <a:bodyPr/>
+                    <a:lstStyle/>
+                    <a:p>
+                      <a:pPr algn="r" fontAlgn="b">
+                        <a:spcBef>
+                          <a:spcPts val="0"/>
+                        </a:spcBef>
+                        <a:spcAft>
+                          <a:spcPts val="0"/>
+                        </a:spcAft>
+                      </a:pPr>
+                      <a:r>
+                        <a:rPr lang="en-US" sz="3200" b="0" i="0" u="none" strike="noStrike">
+                          <a:solidFill>
+                            <a:srgbClr val="FFFFFF"/>
+                          </a:solidFill>
+                          <a:effectLst/>
+                          <a:latin typeface="Calibri" panose="020F0502020204030204" pitchFamily="34" charset="0"/>
+                        </a:rPr>
+                        <a:t>9</a:t>
+                      </a:r>
+                      <a:endParaRPr lang="en-US" sz="4900" b="0" i="0" u="none" strike="noStrike">
+                        <a:effectLst/>
+                        <a:latin typeface="Arial" panose="020B0604020202020204" pitchFamily="34" charset="0"/>
+                      </a:endParaRPr>
+                    </a:p>
+                  </a:txBody>
+                  <a:tcPr marL="25828" marR="25828" marT="25828" marB="0" anchor="b">
+                    <a:lnL>
+                      <a:noFill/>
+                    </a:lnL>
+                    <a:lnR>
+                      <a:noFill/>
+                    </a:lnR>
+                    <a:lnT>
+                      <a:noFill/>
+                    </a:lnT>
+                    <a:lnB>
+                      <a:noFill/>
+                    </a:lnB>
+                    <a:solidFill>
+                      <a:srgbClr val="4472C4"/>
+                    </a:solidFill>
+                  </a:tcPr>
+                </a:tc>
+                <a:extLst>
+                  <a:ext uri="{0D108BD9-81ED-4DB2-BD59-A6C34878D82A}">
+                    <a16:rowId xmlns:a16="http://schemas.microsoft.com/office/drawing/2014/main" val="4024930436"/>
+                  </a:ext>
+                </a:extLst>
+              </a:tr>
+              <a:tr h="575940">
+                <a:tc>
+                  <a:txBody>
+                    <a:bodyPr/>
+                    <a:lstStyle/>
+                    <a:p>
+                      <a:pPr algn="l" fontAlgn="b">
+                        <a:spcBef>
+                          <a:spcPts val="0"/>
+                        </a:spcBef>
+                        <a:spcAft>
+                          <a:spcPts val="0"/>
+                        </a:spcAft>
+                      </a:pPr>
+                      <a:r>
+                        <a:rPr lang="en-US" sz="3200" b="0" i="0" u="none" strike="noStrike">
+                          <a:solidFill>
+                            <a:srgbClr val="FFFFFF"/>
+                          </a:solidFill>
+                          <a:effectLst/>
+                          <a:latin typeface="Calibri" panose="020F0502020204030204" pitchFamily="34" charset="0"/>
+                        </a:rPr>
+                        <a:t>Austin, TX</a:t>
+                      </a:r>
+                      <a:endParaRPr lang="en-US" sz="4900" b="0" i="0" u="none" strike="noStrike">
+                        <a:effectLst/>
+                        <a:latin typeface="Arial" panose="020B0604020202020204" pitchFamily="34" charset="0"/>
+                      </a:endParaRPr>
+                    </a:p>
+                  </a:txBody>
+                  <a:tcPr marL="25828" marR="25828" marT="25828" marB="0" anchor="b">
+                    <a:lnL>
+                      <a:noFill/>
+                    </a:lnL>
+                    <a:lnR>
+                      <a:noFill/>
+                    </a:lnR>
+                    <a:lnT>
+                      <a:noFill/>
+                    </a:lnT>
+                    <a:lnB>
+                      <a:noFill/>
+                    </a:lnB>
+                    <a:solidFill>
+                      <a:srgbClr val="305496"/>
+                    </a:solidFill>
+                  </a:tcPr>
+                </a:tc>
+                <a:tc>
+                  <a:txBody>
+                    <a:bodyPr/>
+                    <a:lstStyle/>
+                    <a:p>
+                      <a:pPr algn="r" fontAlgn="b">
+                        <a:spcBef>
+                          <a:spcPts val="0"/>
+                        </a:spcBef>
+                        <a:spcAft>
+                          <a:spcPts val="0"/>
+                        </a:spcAft>
+                      </a:pPr>
+                      <a:r>
+                        <a:rPr lang="en-US" sz="3200" b="0" i="0" u="none" strike="noStrike">
+                          <a:solidFill>
+                            <a:srgbClr val="FFFFFF"/>
+                          </a:solidFill>
+                          <a:effectLst/>
+                          <a:latin typeface="Calibri" panose="020F0502020204030204" pitchFamily="34" charset="0"/>
+                        </a:rPr>
+                        <a:t>8</a:t>
+                      </a:r>
+                      <a:endParaRPr lang="en-US" sz="4900" b="0" i="0" u="none" strike="noStrike">
+                        <a:effectLst/>
+                        <a:latin typeface="Arial" panose="020B0604020202020204" pitchFamily="34" charset="0"/>
+                      </a:endParaRPr>
+                    </a:p>
+                  </a:txBody>
+                  <a:tcPr marL="25828" marR="25828" marT="25828" marB="0" anchor="b">
+                    <a:lnL>
+                      <a:noFill/>
+                    </a:lnL>
+                    <a:lnR>
+                      <a:noFill/>
+                    </a:lnR>
+                    <a:lnT>
+                      <a:noFill/>
+                    </a:lnT>
+                    <a:lnB>
+                      <a:noFill/>
+                    </a:lnB>
+                    <a:solidFill>
+                      <a:srgbClr val="305496"/>
+                    </a:solidFill>
+                  </a:tcPr>
+                </a:tc>
+                <a:extLst>
+                  <a:ext uri="{0D108BD9-81ED-4DB2-BD59-A6C34878D82A}">
+                    <a16:rowId xmlns:a16="http://schemas.microsoft.com/office/drawing/2014/main" val="1883291800"/>
+                  </a:ext>
+                </a:extLst>
+              </a:tr>
+              <a:tr h="575940">
+                <a:tc>
+                  <a:txBody>
+                    <a:bodyPr/>
+                    <a:lstStyle/>
+                    <a:p>
+                      <a:pPr algn="l" fontAlgn="b">
+                        <a:spcBef>
+                          <a:spcPts val="0"/>
+                        </a:spcBef>
+                        <a:spcAft>
+                          <a:spcPts val="0"/>
+                        </a:spcAft>
+                      </a:pPr>
+                      <a:r>
+                        <a:rPr lang="en-US" sz="3200" b="0" i="0" u="none" strike="noStrike">
+                          <a:solidFill>
+                            <a:srgbClr val="FFFFFF"/>
+                          </a:solidFill>
+                          <a:effectLst/>
+                          <a:latin typeface="Calibri" panose="020F0502020204030204" pitchFamily="34" charset="0"/>
+                        </a:rPr>
+                        <a:t>Denver, CO</a:t>
+                      </a:r>
+                      <a:endParaRPr lang="en-US" sz="4900" b="0" i="0" u="none" strike="noStrike">
+                        <a:effectLst/>
+                        <a:latin typeface="Arial" panose="020B0604020202020204" pitchFamily="34" charset="0"/>
+                      </a:endParaRPr>
+                    </a:p>
+                  </a:txBody>
+                  <a:tcPr marL="25828" marR="25828" marT="25828" marB="0" anchor="b">
+                    <a:lnL>
+                      <a:noFill/>
+                    </a:lnL>
+                    <a:lnR>
+                      <a:noFill/>
+                    </a:lnR>
+                    <a:lnT>
+                      <a:noFill/>
+                    </a:lnT>
+                    <a:lnB>
+                      <a:noFill/>
+                    </a:lnB>
+                    <a:solidFill>
+                      <a:srgbClr val="4472C4"/>
+                    </a:solidFill>
+                  </a:tcPr>
+                </a:tc>
+                <a:tc>
+                  <a:txBody>
+                    <a:bodyPr/>
+                    <a:lstStyle/>
+                    <a:p>
+                      <a:pPr algn="r" fontAlgn="b">
+                        <a:spcBef>
+                          <a:spcPts val="0"/>
+                        </a:spcBef>
+                        <a:spcAft>
+                          <a:spcPts val="0"/>
+                        </a:spcAft>
+                      </a:pPr>
+                      <a:r>
+                        <a:rPr lang="en-US" sz="3200" b="0" i="0" u="none" strike="noStrike" dirty="0">
+                          <a:solidFill>
+                            <a:srgbClr val="FFFFFF"/>
+                          </a:solidFill>
+                          <a:effectLst/>
+                          <a:latin typeface="Calibri" panose="020F0502020204030204" pitchFamily="34" charset="0"/>
+                        </a:rPr>
+                        <a:t>8</a:t>
+                      </a:r>
+                      <a:endParaRPr lang="en-US" sz="4900" b="0" i="0" u="none" strike="noStrike" dirty="0">
+                        <a:effectLst/>
+                        <a:latin typeface="Arial" panose="020B0604020202020204" pitchFamily="34" charset="0"/>
+                      </a:endParaRPr>
+                    </a:p>
+                  </a:txBody>
+                  <a:tcPr marL="25828" marR="25828" marT="25828" marB="0" anchor="b">
+                    <a:lnL>
+                      <a:noFill/>
+                    </a:lnL>
+                    <a:lnR>
+                      <a:noFill/>
+                    </a:lnR>
+                    <a:lnT>
+                      <a:noFill/>
+                    </a:lnT>
+                    <a:lnB>
+                      <a:noFill/>
+                    </a:lnB>
+                    <a:solidFill>
+                      <a:srgbClr val="4472C4"/>
+                    </a:solidFill>
+                  </a:tcPr>
+                </a:tc>
+                <a:extLst>
+                  <a:ext uri="{0D108BD9-81ED-4DB2-BD59-A6C34878D82A}">
+                    <a16:rowId xmlns:a16="http://schemas.microsoft.com/office/drawing/2014/main" val="3295930828"/>
+                  </a:ext>
+                </a:extLst>
+              </a:tr>
+            </a:tbl>
+          </a:graphicData>
+        </a:graphic>
+      </p:graphicFrame>
+    </p:spTree>
+    <p:extLst>
+      <p:ext uri="{BB962C8B-B14F-4D97-AF65-F5344CB8AC3E}">
+        <p14:creationId xmlns:p14="http://schemas.microsoft.com/office/powerpoint/2010/main" val="1105396262"/>
+      </p:ext>
+    </p:extLst>
+  </p:cSld>
+  <p:clrMapOvr>
+    <a:masterClrMapping/>
+  </p:clrMapOvr>
+  <p:timing>
+    <p:tnLst>
+      <p:par>
+        <p:cTn id="1" dur="indefinite" restart="never" nodeType="tmRoot">
+          <p:childTnLst>
+            <p:seq concurrent="1" nextAc="seek">
+              <p:cTn id="2" dur="indefinite" nodeType="mainSeq">
+                <p:childTnLst>
+                  <p:par>
+                    <p:cTn id="3" fill="hold">
+                      <p:stCondLst>
+                        <p:cond delay="indefinite"/>
+                      </p:stCondLst>
+                      <p:childTnLst>
+                        <p:par>
+                          <p:cTn id="4" fill="hold">
+                            <p:stCondLst>
+                              <p:cond delay="0"/>
+                            </p:stCondLst>
+                            <p:childTnLst>
+                              <p:par>
+                                <p:cTn id="5" presetID="1" presetClass="entr" presetSubtype="0" fill="hold" nodeType="clickEffect">
+                                  <p:stCondLst>
+                                    <p:cond delay="0"/>
+                                  </p:stCondLst>
+                                  <p:childTnLst>
+                                    <p:set>
+                                      <p:cBhvr>
+                                        <p:cTn id="6" dur="1" fill="hold">
+                                          <p:stCondLst>
+                                            <p:cond delay="0"/>
+                                          </p:stCondLst>
+                                        </p:cTn>
+                                        <p:tgtEl>
+                                          <p:spTgt spid="5">
+                                            <p:txEl>
+                                              <p:pRg st="0" end="0"/>
+                                            </p:txEl>
+                                          </p:spTgt>
+                                        </p:tgtEl>
+                                        <p:attrNameLst>
+                                          <p:attrName>style.visibility</p:attrName>
+                                        </p:attrNameLst>
+                                      </p:cBhvr>
+                                      <p:to>
+                                        <p:strVal val="visible"/>
+                                      </p:to>
+                                    </p:set>
+                                  </p:childTnLst>
+                                </p:cTn>
+                              </p:par>
+                            </p:childTnLst>
+                          </p:cTn>
+                        </p:par>
+                      </p:childTnLst>
+                    </p:cTn>
+                  </p:par>
+                  <p:par>
+                    <p:cTn id="7" fill="hold">
+                      <p:stCondLst>
+                        <p:cond delay="indefinite"/>
+                      </p:stCondLst>
+                      <p:childTnLst>
+                        <p:par>
+                          <p:cTn id="8" fill="hold">
+                            <p:stCondLst>
+                              <p:cond delay="0"/>
+                            </p:stCondLst>
+                            <p:childTnLst>
+                              <p:par>
+                                <p:cTn id="9" presetID="9" presetClass="entr" presetSubtype="0" fill="hold" nodeType="clickEffect">
+                                  <p:stCondLst>
+                                    <p:cond delay="0"/>
+                                  </p:stCondLst>
+                                  <p:childTnLst>
+                                    <p:set>
+                                      <p:cBhvr>
+                                        <p:cTn id="10" dur="1" fill="hold">
+                                          <p:stCondLst>
+                                            <p:cond delay="0"/>
+                                          </p:stCondLst>
+                                        </p:cTn>
+                                        <p:tgtEl>
+                                          <p:spTgt spid="4"/>
+                                        </p:tgtEl>
+                                        <p:attrNameLst>
+                                          <p:attrName>style.visibility</p:attrName>
+                                        </p:attrNameLst>
+                                      </p:cBhvr>
+                                      <p:to>
+                                        <p:strVal val="visible"/>
+                                      </p:to>
+                                    </p:set>
+                                    <p:animEffect transition="in" filter="dissolve">
+                                      <p:cBhvr>
+                                        <p:cTn id="11" dur="500"/>
+                                        <p:tgtEl>
+                                          <p:spTgt spid="4"/>
+                                        </p:tgtEl>
+                                      </p:cBhvr>
+                                    </p:animEffect>
+                                  </p:childTnLst>
+                                </p:cTn>
+                              </p:par>
+                            </p:childTnLst>
+                          </p:cTn>
+                        </p:par>
+                      </p:childTnLst>
+                    </p:cTn>
+                  </p:par>
+                </p:childTnLst>
+              </p:cTn>
+              <p:prevCondLst>
+                <p:cond evt="onPrev" delay="0">
+                  <p:tgtEl>
+                    <p:sldTgt/>
+                  </p:tgtEl>
+                </p:cond>
+              </p:prevCondLst>
+              <p:nextCondLst>
+                <p:cond evt="onNext" delay="0">
+                  <p:tgtEl>
+                    <p:sldTgt/>
+                  </p:tgtEl>
+                </p:cond>
+              </p:nextCondLst>
+            </p:seq>
+          </p:childTnLst>
+        </p:cTn>
+      </p:par>
+    </p:tnLst>
+  </p:timing>
+</p:sld>
+</file>
+
+<file path=ppt/slides/slide4.xml><?xml version="1.0" encoding="utf-8"?>
 <p:sld xmlns:a="http://schemas.openxmlformats.org/drawingml/2006/main" xmlns:r="http://schemas.openxmlformats.org/officeDocument/2006/relationships" xmlns:p="http://schemas.openxmlformats.org/presentationml/2006/main">
   <p:cSld>
     <p:bg>
@@ -7017,7 +10375,7 @@
 </p:sld>
 </file>
 
-<file path=ppt/slides/slide4.xml><?xml version="1.0" encoding="utf-8"?>
+<file path=ppt/slides/slide5.xml><?xml version="1.0" encoding="utf-8"?>
 <p:sld xmlns:a="http://schemas.openxmlformats.org/drawingml/2006/main" xmlns:r="http://schemas.openxmlformats.org/officeDocument/2006/relationships" xmlns:p="http://schemas.openxmlformats.org/presentationml/2006/main">
   <p:cSld>
     <p:bg>
@@ -7224,10 +10582,10 @@
       </p:sp>
       <p:pic>
         <p:nvPicPr>
-          <p:cNvPr id="4" name="Picture 3" descr="Chart, bar chart, histogram&#10;&#10;Description automatically generated">
+          <p:cNvPr id="7" name="Picture 6" descr="Chart, bar chart&#10;&#10;Description automatically generated">
             <a:extLst>
               <a:ext uri="{FF2B5EF4-FFF2-40B4-BE49-F238E27FC236}">
-                <a16:creationId xmlns:a16="http://schemas.microsoft.com/office/drawing/2014/main" id="{EAC65819-B765-D64C-9FE2-9AEB2180FFDF}"/>
+                <a16:creationId xmlns:a16="http://schemas.microsoft.com/office/drawing/2014/main" id="{AF1A0D4D-77EF-5346-B3EF-A12B3A220DDC}"/>
               </a:ext>
             </a:extLst>
           </p:cNvPr>
@@ -7244,8 +10602,8 @@
         </p:blipFill>
         <p:spPr>
           <a:xfrm>
-            <a:off x="3566821" y="259492"/>
-            <a:ext cx="8625179" cy="6512011"/>
+            <a:off x="3470984" y="648730"/>
+            <a:ext cx="8721016" cy="5560539"/>
           </a:xfrm>
           <a:prstGeom prst="rect">
             <a:avLst/>
@@ -7262,93 +10620,10 @@
   <p:clrMapOvr>
     <a:masterClrMapping/>
   </p:clrMapOvr>
-  <p:timing>
-    <p:tnLst>
-      <p:par>
-        <p:cTn id="1" dur="indefinite" restart="never" nodeType="tmRoot">
-          <p:childTnLst>
-            <p:seq concurrent="1" nextAc="seek">
-              <p:cTn id="2" dur="indefinite" nodeType="mainSeq">
-                <p:childTnLst>
-                  <p:par>
-                    <p:cTn id="3" fill="hold">
-                      <p:stCondLst>
-                        <p:cond delay="indefinite"/>
-                      </p:stCondLst>
-                      <p:childTnLst>
-                        <p:par>
-                          <p:cTn id="4" fill="hold">
-                            <p:stCondLst>
-                              <p:cond delay="0"/>
-                            </p:stCondLst>
-                            <p:childTnLst>
-                              <p:par>
-                                <p:cTn id="5" presetID="14" presetClass="entr" presetSubtype="10" fill="hold" nodeType="clickEffect">
-                                  <p:stCondLst>
-                                    <p:cond delay="0"/>
-                                  </p:stCondLst>
-                                  <p:childTnLst>
-                                    <p:set>
-                                      <p:cBhvr>
-                                        <p:cTn id="6" dur="1" fill="hold">
-                                          <p:stCondLst>
-                                            <p:cond delay="0"/>
-                                          </p:stCondLst>
-                                        </p:cTn>
-                                        <p:tgtEl>
-                                          <p:spTgt spid="4"/>
-                                        </p:tgtEl>
-                                        <p:attrNameLst>
-                                          <p:attrName>style.visibility</p:attrName>
-                                        </p:attrNameLst>
-                                      </p:cBhvr>
-                                      <p:to>
-                                        <p:strVal val="visible"/>
-                                      </p:to>
-                                    </p:set>
-                                    <p:animEffect transition="in" filter="randombar(horizontal)">
-                                      <p:cBhvr>
-                                        <p:cTn id="7" dur="500"/>
-                                        <p:tgtEl>
-                                          <p:spTgt spid="4"/>
-                                        </p:tgtEl>
-                                      </p:cBhvr>
-                                    </p:animEffect>
-                                  </p:childTnLst>
-                                </p:cTn>
-                              </p:par>
-                            </p:childTnLst>
-                          </p:cTn>
-                        </p:par>
-                      </p:childTnLst>
-                    </p:cTn>
-                  </p:par>
-                </p:childTnLst>
-              </p:cTn>
-              <p:prevCondLst>
-                <p:cond evt="onPrev" delay="0">
-                  <p:tgtEl>
-                    <p:sldTgt/>
-                  </p:tgtEl>
-                </p:cond>
-              </p:prevCondLst>
-              <p:nextCondLst>
-                <p:cond evt="onNext" delay="0">
-                  <p:tgtEl>
-                    <p:sldTgt/>
-                  </p:tgtEl>
-                </p:cond>
-              </p:nextCondLst>
-            </p:seq>
-          </p:childTnLst>
-        </p:cTn>
-      </p:par>
-    </p:tnLst>
-  </p:timing>
 </p:sld>
 </file>
 
-<file path=ppt/slides/slide5.xml><?xml version="1.0" encoding="utf-8"?>
+<file path=ppt/slides/slide6.xml><?xml version="1.0" encoding="utf-8"?>
 <p:sld xmlns:a="http://schemas.openxmlformats.org/drawingml/2006/main" xmlns:r="http://schemas.openxmlformats.org/officeDocument/2006/relationships" xmlns:p="http://schemas.openxmlformats.org/presentationml/2006/main">
   <p:cSld>
     <p:bg>
@@ -7893,10 +11168,10 @@
       </p:sp>
       <p:pic>
         <p:nvPicPr>
-          <p:cNvPr id="5" name="Picture 4" descr="Chart, bar chart, line chart, histogram&#10;&#10;Description automatically generated">
+          <p:cNvPr id="7" name="Picture 6" descr="Chart, bar chart, line chart, histogram&#10;&#10;Description automatically generated">
             <a:extLst>
               <a:ext uri="{FF2B5EF4-FFF2-40B4-BE49-F238E27FC236}">
-                <a16:creationId xmlns:a16="http://schemas.microsoft.com/office/drawing/2014/main" id="{51BC6848-8E69-9045-8658-4C5D0FFAC2EC}"/>
+                <a16:creationId xmlns:a16="http://schemas.microsoft.com/office/drawing/2014/main" id="{E17DE23C-0E9A-004B-A566-5DC3A2006A29}"/>
               </a:ext>
             </a:extLst>
           </p:cNvPr>
@@ -7913,8 +11188,8 @@
         </p:blipFill>
         <p:spPr>
           <a:xfrm>
-            <a:off x="3107441" y="-17820"/>
-            <a:ext cx="9107220" cy="6858000"/>
+            <a:off x="4038604" y="1082400"/>
+            <a:ext cx="8153396" cy="5179108"/>
           </a:xfrm>
           <a:prstGeom prst="rect">
             <a:avLst/>
@@ -7931,93 +11206,10 @@
   <p:clrMapOvr>
     <a:masterClrMapping/>
   </p:clrMapOvr>
-  <p:timing>
-    <p:tnLst>
-      <p:par>
-        <p:cTn id="1" dur="indefinite" restart="never" nodeType="tmRoot">
-          <p:childTnLst>
-            <p:seq concurrent="1" nextAc="seek">
-              <p:cTn id="2" dur="indefinite" nodeType="mainSeq">
-                <p:childTnLst>
-                  <p:par>
-                    <p:cTn id="3" fill="hold">
-                      <p:stCondLst>
-                        <p:cond delay="indefinite"/>
-                      </p:stCondLst>
-                      <p:childTnLst>
-                        <p:par>
-                          <p:cTn id="4" fill="hold">
-                            <p:stCondLst>
-                              <p:cond delay="0"/>
-                            </p:stCondLst>
-                            <p:childTnLst>
-                              <p:par>
-                                <p:cTn id="5" presetID="16" presetClass="entr" presetSubtype="21" fill="hold" nodeType="clickEffect">
-                                  <p:stCondLst>
-                                    <p:cond delay="0"/>
-                                  </p:stCondLst>
-                                  <p:childTnLst>
-                                    <p:set>
-                                      <p:cBhvr>
-                                        <p:cTn id="6" dur="1" fill="hold">
-                                          <p:stCondLst>
-                                            <p:cond delay="0"/>
-                                          </p:stCondLst>
-                                        </p:cTn>
-                                        <p:tgtEl>
-                                          <p:spTgt spid="5"/>
-                                        </p:tgtEl>
-                                        <p:attrNameLst>
-                                          <p:attrName>style.visibility</p:attrName>
-                                        </p:attrNameLst>
-                                      </p:cBhvr>
-                                      <p:to>
-                                        <p:strVal val="visible"/>
-                                      </p:to>
-                                    </p:set>
-                                    <p:animEffect transition="in" filter="barn(inVertical)">
-                                      <p:cBhvr>
-                                        <p:cTn id="7" dur="500"/>
-                                        <p:tgtEl>
-                                          <p:spTgt spid="5"/>
-                                        </p:tgtEl>
-                                      </p:cBhvr>
-                                    </p:animEffect>
-                                  </p:childTnLst>
-                                </p:cTn>
-                              </p:par>
-                            </p:childTnLst>
-                          </p:cTn>
-                        </p:par>
-                      </p:childTnLst>
-                    </p:cTn>
-                  </p:par>
-                </p:childTnLst>
-              </p:cTn>
-              <p:prevCondLst>
-                <p:cond evt="onPrev" delay="0">
-                  <p:tgtEl>
-                    <p:sldTgt/>
-                  </p:tgtEl>
-                </p:cond>
-              </p:prevCondLst>
-              <p:nextCondLst>
-                <p:cond evt="onNext" delay="0">
-                  <p:tgtEl>
-                    <p:sldTgt/>
-                  </p:tgtEl>
-                </p:cond>
-              </p:nextCondLst>
-            </p:seq>
-          </p:childTnLst>
-        </p:cTn>
-      </p:par>
-    </p:tnLst>
-  </p:timing>
 </p:sld>
 </file>
 
-<file path=ppt/slides/slide6.xml><?xml version="1.0" encoding="utf-8"?>
+<file path=ppt/slides/slide7.xml><?xml version="1.0" encoding="utf-8"?>
 <p:sld xmlns:a="http://schemas.openxmlformats.org/drawingml/2006/main" xmlns:r="http://schemas.openxmlformats.org/officeDocument/2006/relationships" xmlns:p="http://schemas.openxmlformats.org/presentationml/2006/main">
   <p:cSld>
     <p:bg>
@@ -8709,7 +11901,7 @@
 </p:sld>
 </file>
 
-<file path=ppt/slides/slide7.xml><?xml version="1.0" encoding="utf-8"?>
+<file path=ppt/slides/slide8.xml><?xml version="1.0" encoding="utf-8"?>
 <p:sld xmlns:a="http://schemas.openxmlformats.org/drawingml/2006/main" xmlns:r="http://schemas.openxmlformats.org/officeDocument/2006/relationships" xmlns:p="http://schemas.openxmlformats.org/presentationml/2006/main">
   <p:cSld>
     <p:bg>
@@ -9061,7 +12253,7 @@
 </p:sld>
 </file>
 
-<file path=ppt/slides/slide8.xml><?xml version="1.0" encoding="utf-8"?>
+<file path=ppt/slides/slide9.xml><?xml version="1.0" encoding="utf-8"?>
 <p:sld xmlns:a="http://schemas.openxmlformats.org/drawingml/2006/main" xmlns:r="http://schemas.openxmlformats.org/officeDocument/2006/relationships" xmlns:p="http://schemas.openxmlformats.org/presentationml/2006/main">
   <p:cSld>
     <p:bg>
@@ -9844,216 +13036,6 @@
         </p:cTn>
       </p:par>
     </p:tnLst>
-  </p:timing>
-</p:sld>
-</file>
-
-<file path=ppt/slides/slide9.xml><?xml version="1.0" encoding="utf-8"?>
-<p:sld xmlns:a="http://schemas.openxmlformats.org/drawingml/2006/main" xmlns:r="http://schemas.openxmlformats.org/officeDocument/2006/relationships" xmlns:p="http://schemas.openxmlformats.org/presentationml/2006/main">
-  <p:cSld>
-    <p:bg>
-      <p:bgPr>
-        <a:solidFill>
-          <a:schemeClr val="bg1"/>
-        </a:solidFill>
-        <a:effectLst/>
-      </p:bgPr>
-    </p:bg>
-    <p:spTree>
-      <p:nvGrpSpPr>
-        <p:cNvPr id="1" name=""/>
-        <p:cNvGrpSpPr/>
-        <p:nvPr/>
-      </p:nvGrpSpPr>
-      <p:grpSpPr>
-        <a:xfrm>
-          <a:off x="0" y="0"/>
-          <a:ext cx="0" cy="0"/>
-          <a:chOff x="0" y="0"/>
-          <a:chExt cx="0" cy="0"/>
-        </a:xfrm>
-      </p:grpSpPr>
-      <p:pic>
-        <p:nvPicPr>
-          <p:cNvPr id="7" name="Picture 6" descr="Chart, scatter chart&#10;&#10;Description automatically generated">
-            <a:extLst>
-              <a:ext uri="{FF2B5EF4-FFF2-40B4-BE49-F238E27FC236}">
-                <a16:creationId xmlns:a16="http://schemas.microsoft.com/office/drawing/2014/main" id="{1841CAA6-C8FA-8A45-83D9-424D8DE92489}"/>
-              </a:ext>
-            </a:extLst>
-          </p:cNvPr>
-          <p:cNvPicPr>
-            <a:picLocks noChangeAspect="1"/>
-          </p:cNvPicPr>
-          <p:nvPr/>
-        </p:nvPicPr>
-        <p:blipFill rotWithShape="1">
-          <a:blip r:embed="rId3"/>
-          <a:srcRect t="17170" b="8079"/>
-          <a:stretch/>
-        </p:blipFill>
-        <p:spPr>
-          <a:xfrm>
-            <a:off x="20" y="10"/>
-            <a:ext cx="12191980" cy="6857990"/>
-          </a:xfrm>
-          <a:prstGeom prst="rect">
-            <a:avLst/>
-          </a:prstGeom>
-        </p:spPr>
-      </p:pic>
-      <p:sp>
-        <p:nvSpPr>
-          <p:cNvPr id="2" name="Title 1">
-            <a:extLst>
-              <a:ext uri="{FF2B5EF4-FFF2-40B4-BE49-F238E27FC236}">
-                <a16:creationId xmlns:a16="http://schemas.microsoft.com/office/drawing/2014/main" id="{23EF1D2E-D715-42C2-B58D-ACBFEE05F5A1}"/>
-              </a:ext>
-            </a:extLst>
-          </p:cNvPr>
-          <p:cNvSpPr>
-            <a:spLocks noGrp="1"/>
-          </p:cNvSpPr>
-          <p:nvPr>
-            <p:ph type="title"/>
-          </p:nvPr>
-        </p:nvSpPr>
-        <p:spPr>
-          <a:xfrm>
-            <a:off x="640080" y="640080"/>
-            <a:ext cx="2752354" cy="2709275"/>
-          </a:xfrm>
-          <a:prstGeom prst="ellipse">
-            <a:avLst/>
-          </a:prstGeom>
-          <a:solidFill>
-            <a:srgbClr val="FFFFFF"/>
-          </a:solidFill>
-          <a:ln w="174625" cmpd="thinThick">
-            <a:solidFill>
-              <a:srgbClr val="FFFFFF"/>
-            </a:solidFill>
-          </a:ln>
-        </p:spPr>
-        <p:txBody>
-          <a:bodyPr vert="horz" lIns="91440" tIns="45720" rIns="91440" bIns="45720" rtlCol="0" anchor="ctr">
-            <a:normAutofit/>
-          </a:bodyPr>
-          <a:lstStyle/>
-          <a:p>
-            <a:pPr algn="ctr"/>
-            <a:r>
-              <a:rPr lang="en-US" sz="2800" dirty="0">
-                <a:solidFill>
-                  <a:srgbClr val="262626"/>
-                </a:solidFill>
-              </a:rPr>
-              <a:t>Bitterness &amp; ABV</a:t>
-            </a:r>
-          </a:p>
-        </p:txBody>
-      </p:sp>
-    </p:spTree>
-    <p:extLst>
-      <p:ext uri="{BB962C8B-B14F-4D97-AF65-F5344CB8AC3E}">
-        <p14:creationId xmlns:p14="http://schemas.microsoft.com/office/powerpoint/2010/main" val="1442204552"/>
-      </p:ext>
-    </p:extLst>
-  </p:cSld>
-  <p:clrMapOvr>
-    <a:masterClrMapping/>
-  </p:clrMapOvr>
-  <p:timing>
-    <p:tnLst>
-      <p:par>
-        <p:cTn id="1" dur="indefinite" restart="never" nodeType="tmRoot">
-          <p:childTnLst>
-            <p:seq concurrent="1" nextAc="seek">
-              <p:cTn id="2" dur="indefinite" nodeType="mainSeq">
-                <p:childTnLst>
-                  <p:par>
-                    <p:cTn id="3" fill="hold">
-                      <p:stCondLst>
-                        <p:cond delay="indefinite"/>
-                        <p:cond evt="onBegin" delay="0">
-                          <p:tn val="2"/>
-                        </p:cond>
-                      </p:stCondLst>
-                      <p:childTnLst>
-                        <p:par>
-                          <p:cTn id="4" fill="hold">
-                            <p:stCondLst>
-                              <p:cond delay="0"/>
-                            </p:stCondLst>
-                            <p:childTnLst>
-                              <p:par>
-                                <p:cTn id="5" presetID="10" presetClass="entr" presetSubtype="0" fill="hold" grpId="0" nodeType="withEffect">
-                                  <p:stCondLst>
-                                    <p:cond delay="1000"/>
-                                  </p:stCondLst>
-                                  <p:iterate>
-                                    <p:tmPct val="10000"/>
-                                  </p:iterate>
-                                  <p:childTnLst>
-                                    <p:set>
-                                      <p:cBhvr>
-                                        <p:cTn id="6" dur="1" fill="hold">
-                                          <p:stCondLst>
-                                            <p:cond delay="0"/>
-                                          </p:stCondLst>
-                                        </p:cTn>
-                                        <p:tgtEl>
-                                          <p:spTgt spid="2"/>
-                                        </p:tgtEl>
-                                        <p:attrNameLst>
-                                          <p:attrName>style.visibility</p:attrName>
-                                        </p:attrNameLst>
-                                      </p:cBhvr>
-                                      <p:to>
-                                        <p:strVal val="visible"/>
-                                      </p:to>
-                                    </p:set>
-                                    <p:animEffect transition="in" filter="fade">
-                                      <p:cBhvr>
-                                        <p:cTn id="7" dur="700"/>
-                                        <p:tgtEl>
-                                          <p:spTgt spid="2"/>
-                                        </p:tgtEl>
-                                      </p:cBhvr>
-                                    </p:animEffect>
-                                  </p:childTnLst>
-                                </p:cTn>
-                              </p:par>
-                            </p:childTnLst>
-                          </p:cTn>
-                        </p:par>
-                      </p:childTnLst>
-                    </p:cTn>
-                  </p:par>
-                </p:childTnLst>
-              </p:cTn>
-              <p:prevCondLst>
-                <p:cond evt="onPrev" delay="0">
-                  <p:tgtEl>
-                    <p:sldTgt/>
-                  </p:tgtEl>
-                </p:cond>
-              </p:prevCondLst>
-              <p:nextCondLst>
-                <p:cond evt="onNext" delay="0">
-                  <p:tgtEl>
-                    <p:sldTgt/>
-                  </p:tgtEl>
-                </p:cond>
-              </p:nextCondLst>
-            </p:seq>
-          </p:childTnLst>
-        </p:cTn>
-      </p:par>
-    </p:tnLst>
-    <p:bldLst>
-      <p:bldP spid="2" grpId="0"/>
-    </p:bldLst>
   </p:timing>
 </p:sld>
 </file>
